--- a/specs/stages/Data Pipeline.pptx
+++ b/specs/stages/Data Pipeline.pptx
@@ -6,14 +6,16 @@
     <p:sldMasterId id="2147483674" r:id="rId3"/>
   </p:sldMasterIdLst>
   <p:notesMasterIdLst>
-    <p:notesMasterId r:id="rId9"/>
+    <p:notesMasterId r:id="rId11"/>
   </p:notesMasterIdLst>
   <p:sldIdLst>
     <p:sldId id="257" r:id="rId4"/>
     <p:sldId id="270" r:id="rId5"/>
     <p:sldId id="271" r:id="rId6"/>
-    <p:sldId id="272" r:id="rId7"/>
-    <p:sldId id="273" r:id="rId8"/>
+    <p:sldId id="274" r:id="rId7"/>
+    <p:sldId id="275" r:id="rId8"/>
+    <p:sldId id="272" r:id="rId9"/>
+    <p:sldId id="273" r:id="rId10"/>
   </p:sldIdLst>
   <p:sldSz cx="9144000" cy="6858000" type="screen4x3"/>
   <p:notesSz cx="6858000" cy="9144000"/>
@@ -197,7 +199,7 @@
           <a:p>
             <a:fld id="{68B00D8E-BD79-47BE-AA74-0D4716B611F1}" type="datetimeFigureOut">
               <a:rPr lang="en-US" smtClean="0"/>
-              <a:t>11/5/2016</a:t>
+              <a:t>11/16/2016</a:t>
             </a:fld>
             <a:endParaRPr lang="en-US"/>
           </a:p>
@@ -554,7 +556,7 @@
             <a:fld id="{81331B57-0BE5-4F82-AA58-76F53EFF3ADA}" type="datetime8">
               <a:rPr lang="en-US" smtClean="0"/>
               <a:pPr/>
-              <a:t>11/5/2016 6:32 PM</a:t>
+              <a:t>11/16/2016 1:02 PM</a:t>
             </a:fld>
             <a:endParaRPr lang="en-US" dirty="0"/>
           </a:p>
@@ -749,7 +751,7 @@
             <a:fld id="{81331B57-0BE5-4F82-AA58-76F53EFF3ADA}" type="datetime8">
               <a:rPr lang="en-US" smtClean="0"/>
               <a:pPr/>
-              <a:t>11/5/2016 6:32 PM</a:t>
+              <a:t>11/16/2016 1:02 PM</a:t>
             </a:fld>
             <a:endParaRPr lang="en-US"/>
           </a:p>
@@ -934,7 +936,7 @@
             <a:fld id="{81331B57-0BE5-4F82-AA58-76F53EFF3ADA}" type="datetime8">
               <a:rPr lang="en-US" smtClean="0"/>
               <a:pPr/>
-              <a:t>11/5/2016 6:32 PM</a:t>
+              <a:t>11/16/2016 1:02 PM</a:t>
             </a:fld>
             <a:endParaRPr lang="en-US"/>
           </a:p>
@@ -1119,7 +1121,7 @@
             <a:fld id="{81331B57-0BE5-4F82-AA58-76F53EFF3ADA}" type="datetime8">
               <a:rPr lang="en-US" smtClean="0"/>
               <a:pPr/>
-              <a:t>11/5/2016 6:32 PM</a:t>
+              <a:t>11/16/2016 1:12 PM</a:t>
             </a:fld>
             <a:endParaRPr lang="en-US"/>
           </a:p>
@@ -1304,7 +1306,7 @@
             <a:fld id="{81331B57-0BE5-4F82-AA58-76F53EFF3ADA}" type="datetime8">
               <a:rPr lang="en-US" smtClean="0"/>
               <a:pPr/>
-              <a:t>11/5/2016 6:32 PM</a:t>
+              <a:t>11/16/2016 1:18 PM</a:t>
             </a:fld>
             <a:endParaRPr lang="en-US"/>
           </a:p>
@@ -1389,6 +1391,376 @@
               <a:rPr lang="en-US" smtClean="0"/>
               <a:pPr/>
               <a:t>5</a:t>
+            </a:fld>
+            <a:endParaRPr lang="en-US" dirty="0"/>
+          </a:p>
+        </p:txBody>
+      </p:sp>
+    </p:spTree>
+  </p:cSld>
+  <p:clrMapOvr>
+    <a:masterClrMapping/>
+  </p:clrMapOvr>
+</p:notes>
+</file>
+
+<file path=ppt/notesSlides/notesSlide6.xml><?xml version="1.0" encoding="utf-8"?>
+<p:notes xmlns:a="http://schemas.openxmlformats.org/drawingml/2006/main" xmlns:r="http://schemas.openxmlformats.org/officeDocument/2006/relationships" xmlns:p="http://schemas.openxmlformats.org/presentationml/2006/main">
+  <p:cSld>
+    <p:spTree>
+      <p:nvGrpSpPr>
+        <p:cNvPr id="1" name=""/>
+        <p:cNvGrpSpPr/>
+        <p:nvPr/>
+      </p:nvGrpSpPr>
+      <p:grpSpPr>
+        <a:xfrm>
+          <a:off x="0" y="0"/>
+          <a:ext cx="0" cy="0"/>
+          <a:chOff x="0" y="0"/>
+          <a:chExt cx="0" cy="0"/>
+        </a:xfrm>
+      </p:grpSpPr>
+      <p:sp>
+        <p:nvSpPr>
+          <p:cNvPr id="2" name="Slide Image Placeholder 1"/>
+          <p:cNvSpPr>
+            <a:spLocks noGrp="1" noRot="1" noChangeAspect="1"/>
+          </p:cNvSpPr>
+          <p:nvPr>
+            <p:ph type="sldImg"/>
+          </p:nvPr>
+        </p:nvSpPr>
+        <p:spPr/>
+      </p:sp>
+      <p:sp>
+        <p:nvSpPr>
+          <p:cNvPr id="3" name="Notes Placeholder 2"/>
+          <p:cNvSpPr>
+            <a:spLocks noGrp="1"/>
+          </p:cNvSpPr>
+          <p:nvPr>
+            <p:ph type="body" idx="1"/>
+          </p:nvPr>
+        </p:nvSpPr>
+        <p:spPr/>
+        <p:txBody>
+          <a:bodyPr>
+            <a:normAutofit/>
+          </a:bodyPr>
+          <a:lstStyle/>
+          <a:p>
+            <a:endParaRPr lang="en-US"/>
+          </a:p>
+        </p:txBody>
+      </p:sp>
+      <p:sp>
+        <p:nvSpPr>
+          <p:cNvPr id="4" name="Header Placeholder 3"/>
+          <p:cNvSpPr>
+            <a:spLocks noGrp="1"/>
+          </p:cNvSpPr>
+          <p:nvPr>
+            <p:ph type="hdr" sz="quarter" idx="10"/>
+          </p:nvPr>
+        </p:nvSpPr>
+        <p:spPr/>
+        <p:txBody>
+          <a:bodyPr/>
+          <a:lstStyle/>
+          <a:p>
+            <a:endParaRPr lang="en-US" dirty="0"/>
+          </a:p>
+        </p:txBody>
+      </p:sp>
+      <p:sp>
+        <p:nvSpPr>
+          <p:cNvPr id="5" name="Date Placeholder 4"/>
+          <p:cNvSpPr>
+            <a:spLocks noGrp="1"/>
+          </p:cNvSpPr>
+          <p:nvPr>
+            <p:ph type="dt" idx="11"/>
+          </p:nvPr>
+        </p:nvSpPr>
+        <p:spPr/>
+        <p:txBody>
+          <a:bodyPr/>
+          <a:lstStyle/>
+          <a:p>
+            <a:fld id="{81331B57-0BE5-4F82-AA58-76F53EFF3ADA}" type="datetime8">
+              <a:rPr lang="en-US" smtClean="0"/>
+              <a:pPr/>
+              <a:t>11/16/2016 1:02 PM</a:t>
+            </a:fld>
+            <a:endParaRPr lang="en-US"/>
+          </a:p>
+        </p:txBody>
+      </p:sp>
+      <p:sp>
+        <p:nvSpPr>
+          <p:cNvPr id="6" name="Footer Placeholder 5"/>
+          <p:cNvSpPr>
+            <a:spLocks noGrp="1"/>
+          </p:cNvSpPr>
+          <p:nvPr>
+            <p:ph type="ftr" sz="quarter" idx="12"/>
+          </p:nvPr>
+        </p:nvSpPr>
+        <p:spPr/>
+        <p:txBody>
+          <a:bodyPr/>
+          <a:lstStyle/>
+          <a:p>
+            <a:r>
+              <a:rPr lang="en-US" dirty="0" smtClean="0">
+                <a:solidFill>
+                  <a:srgbClr val="000000"/>
+                </a:solidFill>
+                <a:latin typeface="Trebuchet MS" pitchFamily="34" charset="0"/>
+              </a:rPr>
+              <a:t>© 2007 Microsoft Corporation. All rights reserved. Microsoft, Windows, Windows Vista and other product names are or may be registered trademarks and/or trademarks in the U.S. and/or other countries.</a:t>
+            </a:r>
+          </a:p>
+          <a:p>
+            <a:r>
+              <a:rPr lang="en-US" dirty="0" smtClean="0">
+                <a:solidFill>
+                  <a:srgbClr val="000000"/>
+                </a:solidFill>
+                <a:latin typeface="Trebuchet MS" pitchFamily="34" charset="0"/>
+              </a:rPr>
+              <a:t>The information herein is for informational purposes only and represents the current view of Microsoft Corporation as of the date of this presentation.  Because Microsoft must respond to changing market conditions, it should not be interpreted to be a commitment on the part of Microsoft, and Microsoft cannot guarantee the accuracy of any information provided after the date of this presentation.  </a:t>
+            </a:r>
+            <a:br>
+              <a:rPr lang="en-US" dirty="0" smtClean="0">
+                <a:solidFill>
+                  <a:srgbClr val="000000"/>
+                </a:solidFill>
+                <a:latin typeface="Trebuchet MS" pitchFamily="34" charset="0"/>
+              </a:rPr>
+            </a:br>
+            <a:r>
+              <a:rPr lang="en-US" dirty="0" smtClean="0">
+                <a:solidFill>
+                  <a:srgbClr val="000000"/>
+                </a:solidFill>
+                <a:latin typeface="Trebuchet MS" pitchFamily="34" charset="0"/>
+              </a:rPr>
+              <a:t>MICROSOFT MAKES NO WARRANTIES, EXPRESS, IMPLIED OR STATUTORY, AS TO THE INFORMATION IN THIS PRESENTATION.</a:t>
+            </a:r>
+          </a:p>
+          <a:p>
+            <a:endParaRPr lang="en-US" dirty="0">
+              <a:latin typeface="Trebuchet MS" pitchFamily="34" charset="0"/>
+            </a:endParaRPr>
+          </a:p>
+        </p:txBody>
+      </p:sp>
+      <p:sp>
+        <p:nvSpPr>
+          <p:cNvPr id="7" name="Slide Number Placeholder 6"/>
+          <p:cNvSpPr>
+            <a:spLocks noGrp="1"/>
+          </p:cNvSpPr>
+          <p:nvPr>
+            <p:ph type="sldNum" sz="quarter" idx="13"/>
+          </p:nvPr>
+        </p:nvSpPr>
+        <p:spPr/>
+        <p:txBody>
+          <a:bodyPr/>
+          <a:lstStyle/>
+          <a:p>
+            <a:fld id="{EC87E0CF-87F6-4B58-B8B8-DCAB2DAAF3CA}" type="slidenum">
+              <a:rPr lang="en-US" smtClean="0"/>
+              <a:pPr/>
+              <a:t>6</a:t>
+            </a:fld>
+            <a:endParaRPr lang="en-US" dirty="0"/>
+          </a:p>
+        </p:txBody>
+      </p:sp>
+    </p:spTree>
+  </p:cSld>
+  <p:clrMapOvr>
+    <a:masterClrMapping/>
+  </p:clrMapOvr>
+</p:notes>
+</file>
+
+<file path=ppt/notesSlides/notesSlide7.xml><?xml version="1.0" encoding="utf-8"?>
+<p:notes xmlns:a="http://schemas.openxmlformats.org/drawingml/2006/main" xmlns:r="http://schemas.openxmlformats.org/officeDocument/2006/relationships" xmlns:p="http://schemas.openxmlformats.org/presentationml/2006/main">
+  <p:cSld>
+    <p:spTree>
+      <p:nvGrpSpPr>
+        <p:cNvPr id="1" name=""/>
+        <p:cNvGrpSpPr/>
+        <p:nvPr/>
+      </p:nvGrpSpPr>
+      <p:grpSpPr>
+        <a:xfrm>
+          <a:off x="0" y="0"/>
+          <a:ext cx="0" cy="0"/>
+          <a:chOff x="0" y="0"/>
+          <a:chExt cx="0" cy="0"/>
+        </a:xfrm>
+      </p:grpSpPr>
+      <p:sp>
+        <p:nvSpPr>
+          <p:cNvPr id="2" name="Slide Image Placeholder 1"/>
+          <p:cNvSpPr>
+            <a:spLocks noGrp="1" noRot="1" noChangeAspect="1"/>
+          </p:cNvSpPr>
+          <p:nvPr>
+            <p:ph type="sldImg"/>
+          </p:nvPr>
+        </p:nvSpPr>
+        <p:spPr/>
+      </p:sp>
+      <p:sp>
+        <p:nvSpPr>
+          <p:cNvPr id="3" name="Notes Placeholder 2"/>
+          <p:cNvSpPr>
+            <a:spLocks noGrp="1"/>
+          </p:cNvSpPr>
+          <p:nvPr>
+            <p:ph type="body" idx="1"/>
+          </p:nvPr>
+        </p:nvSpPr>
+        <p:spPr/>
+        <p:txBody>
+          <a:bodyPr>
+            <a:normAutofit/>
+          </a:bodyPr>
+          <a:lstStyle/>
+          <a:p>
+            <a:endParaRPr lang="en-US"/>
+          </a:p>
+        </p:txBody>
+      </p:sp>
+      <p:sp>
+        <p:nvSpPr>
+          <p:cNvPr id="4" name="Header Placeholder 3"/>
+          <p:cNvSpPr>
+            <a:spLocks noGrp="1"/>
+          </p:cNvSpPr>
+          <p:nvPr>
+            <p:ph type="hdr" sz="quarter" idx="10"/>
+          </p:nvPr>
+        </p:nvSpPr>
+        <p:spPr/>
+        <p:txBody>
+          <a:bodyPr/>
+          <a:lstStyle/>
+          <a:p>
+            <a:endParaRPr lang="en-US" dirty="0"/>
+          </a:p>
+        </p:txBody>
+      </p:sp>
+      <p:sp>
+        <p:nvSpPr>
+          <p:cNvPr id="5" name="Date Placeholder 4"/>
+          <p:cNvSpPr>
+            <a:spLocks noGrp="1"/>
+          </p:cNvSpPr>
+          <p:nvPr>
+            <p:ph type="dt" idx="11"/>
+          </p:nvPr>
+        </p:nvSpPr>
+        <p:spPr/>
+        <p:txBody>
+          <a:bodyPr/>
+          <a:lstStyle/>
+          <a:p>
+            <a:fld id="{81331B57-0BE5-4F82-AA58-76F53EFF3ADA}" type="datetime8">
+              <a:rPr lang="en-US" smtClean="0"/>
+              <a:pPr/>
+              <a:t>11/16/2016 1:02 PM</a:t>
+            </a:fld>
+            <a:endParaRPr lang="en-US"/>
+          </a:p>
+        </p:txBody>
+      </p:sp>
+      <p:sp>
+        <p:nvSpPr>
+          <p:cNvPr id="6" name="Footer Placeholder 5"/>
+          <p:cNvSpPr>
+            <a:spLocks noGrp="1"/>
+          </p:cNvSpPr>
+          <p:nvPr>
+            <p:ph type="ftr" sz="quarter" idx="12"/>
+          </p:nvPr>
+        </p:nvSpPr>
+        <p:spPr/>
+        <p:txBody>
+          <a:bodyPr/>
+          <a:lstStyle/>
+          <a:p>
+            <a:r>
+              <a:rPr lang="en-US" dirty="0" smtClean="0">
+                <a:solidFill>
+                  <a:srgbClr val="000000"/>
+                </a:solidFill>
+                <a:latin typeface="Trebuchet MS" pitchFamily="34" charset="0"/>
+              </a:rPr>
+              <a:t>© 2007 Microsoft Corporation. All rights reserved. Microsoft, Windows, Windows Vista and other product names are or may be registered trademarks and/or trademarks in the U.S. and/or other countries.</a:t>
+            </a:r>
+          </a:p>
+          <a:p>
+            <a:r>
+              <a:rPr lang="en-US" dirty="0" smtClean="0">
+                <a:solidFill>
+                  <a:srgbClr val="000000"/>
+                </a:solidFill>
+                <a:latin typeface="Trebuchet MS" pitchFamily="34" charset="0"/>
+              </a:rPr>
+              <a:t>The information herein is for informational purposes only and represents the current view of Microsoft Corporation as of the date of this presentation.  Because Microsoft must respond to changing market conditions, it should not be interpreted to be a commitment on the part of Microsoft, and Microsoft cannot guarantee the accuracy of any information provided after the date of this presentation.  </a:t>
+            </a:r>
+            <a:br>
+              <a:rPr lang="en-US" dirty="0" smtClean="0">
+                <a:solidFill>
+                  <a:srgbClr val="000000"/>
+                </a:solidFill>
+                <a:latin typeface="Trebuchet MS" pitchFamily="34" charset="0"/>
+              </a:rPr>
+            </a:br>
+            <a:r>
+              <a:rPr lang="en-US" dirty="0" smtClean="0">
+                <a:solidFill>
+                  <a:srgbClr val="000000"/>
+                </a:solidFill>
+                <a:latin typeface="Trebuchet MS" pitchFamily="34" charset="0"/>
+              </a:rPr>
+              <a:t>MICROSOFT MAKES NO WARRANTIES, EXPRESS, IMPLIED OR STATUTORY, AS TO THE INFORMATION IN THIS PRESENTATION.</a:t>
+            </a:r>
+          </a:p>
+          <a:p>
+            <a:endParaRPr lang="en-US" dirty="0">
+              <a:latin typeface="Trebuchet MS" pitchFamily="34" charset="0"/>
+            </a:endParaRPr>
+          </a:p>
+        </p:txBody>
+      </p:sp>
+      <p:sp>
+        <p:nvSpPr>
+          <p:cNvPr id="7" name="Slide Number Placeholder 6"/>
+          <p:cNvSpPr>
+            <a:spLocks noGrp="1"/>
+          </p:cNvSpPr>
+          <p:nvPr>
+            <p:ph type="sldNum" sz="quarter" idx="13"/>
+          </p:nvPr>
+        </p:nvSpPr>
+        <p:spPr/>
+        <p:txBody>
+          <a:bodyPr/>
+          <a:lstStyle/>
+          <a:p>
+            <a:fld id="{EC87E0CF-87F6-4B58-B8B8-DCAB2DAAF3CA}" type="slidenum">
+              <a:rPr lang="en-US" smtClean="0"/>
+              <a:pPr/>
+              <a:t>7</a:t>
             </a:fld>
             <a:endParaRPr lang="en-US" dirty="0"/>
           </a:p>
@@ -4662,7 +5034,15 @@
           <a:p>
             <a:r>
               <a:rPr lang="en-US" dirty="0" smtClean="0"/>
-              <a:t>Nov 5, 2016</a:t>
+              <a:t>Nov </a:t>
+            </a:r>
+            <a:r>
+              <a:rPr lang="en-US" dirty="0" smtClean="0"/>
+              <a:t>16, </a:t>
+            </a:r>
+            <a:r>
+              <a:rPr lang="en-US" dirty="0" smtClean="0"/>
+              <a:t>2016</a:t>
             </a:r>
           </a:p>
         </p:txBody>
@@ -6104,15 +6484,7 @@
           <a:p>
             <a:r>
               <a:rPr lang="en-US" dirty="0" smtClean="0"/>
-              <a:t>Stages (</a:t>
-            </a:r>
-            <a:r>
-              <a:rPr lang="en-US" dirty="0" err="1" smtClean="0"/>
-              <a:t>cont</a:t>
-            </a:r>
-            <a:r>
-              <a:rPr lang="en-US" dirty="0" smtClean="0"/>
-              <a:t>)</a:t>
+              <a:t>Input Stage</a:t>
             </a:r>
             <a:endParaRPr lang="en-US" dirty="0"/>
           </a:p>
@@ -6130,64 +6502,13 @@
         </p:nvSpPr>
         <p:spPr>
           <a:xfrm>
-            <a:off x="381000" y="1096423"/>
-            <a:ext cx="8382000" cy="7263527"/>
+            <a:off x="304606" y="1502076"/>
+            <a:ext cx="8382000" cy="4593923"/>
           </a:xfrm>
         </p:spPr>
         <p:txBody>
           <a:bodyPr/>
           <a:lstStyle/>
-          <a:p>
-            <a:r>
-              <a:rPr lang="en-US" dirty="0" smtClean="0">
-                <a:solidFill>
-                  <a:schemeClr val="tx2">
-                    <a:lumMod val="50000"/>
-                  </a:schemeClr>
-                </a:solidFill>
-              </a:rPr>
-              <a:t>Data Model</a:t>
-            </a:r>
-          </a:p>
-          <a:p>
-            <a:pPr lvl="1"/>
-            <a:r>
-              <a:rPr lang="en-US" dirty="0" smtClean="0">
-                <a:solidFill>
-                  <a:schemeClr val="tx1">
-                    <a:lumMod val="95000"/>
-                  </a:schemeClr>
-                </a:solidFill>
-              </a:rPr>
-              <a:t>Transform from input formats to internal representation</a:t>
-            </a:r>
-          </a:p>
-          <a:p>
-            <a:pPr lvl="1"/>
-            <a:r>
-              <a:rPr lang="en-US" dirty="0" smtClean="0">
-                <a:solidFill>
-                  <a:schemeClr val="tx1">
-                    <a:lumMod val="95000"/>
-                  </a:schemeClr>
-                </a:solidFill>
-              </a:rPr>
-              <a:t>Data Wrangling</a:t>
-            </a:r>
-          </a:p>
-          <a:p>
-            <a:pPr lvl="1"/>
-            <a:r>
-              <a:rPr lang="en-US" dirty="0" smtClean="0">
-                <a:solidFill>
-                  <a:schemeClr val="tx1">
-                    <a:lumMod val="95000"/>
-                  </a:schemeClr>
-                </a:solidFill>
-              </a:rPr>
-              <a:t>Data Manipulation</a:t>
-            </a:r>
-          </a:p>
           <a:p>
             <a:pPr marL="0" indent="0">
               <a:buNone/>
@@ -6195,83 +6516,991 @@
             <a:endParaRPr lang="en-US" dirty="0" smtClean="0"/>
           </a:p>
           <a:p>
-            <a:r>
-              <a:rPr lang="en-US" dirty="0" smtClean="0">
-                <a:solidFill>
-                  <a:schemeClr val="tx2">
-                    <a:lumMod val="50000"/>
-                  </a:schemeClr>
-                </a:solidFill>
+            <a:pPr marL="0" indent="0">
+              <a:buNone/>
+            </a:pPr>
+            <a:endParaRPr lang="en-US" dirty="0"/>
+          </a:p>
+          <a:p>
+            <a:pPr marL="0" indent="0">
+              <a:buNone/>
+            </a:pPr>
+            <a:endParaRPr lang="en-US" dirty="0" smtClean="0"/>
+          </a:p>
+          <a:p>
+            <a:pPr marL="0" indent="0">
+              <a:buNone/>
+            </a:pPr>
+            <a:endParaRPr lang="en-US" dirty="0"/>
+          </a:p>
+          <a:p>
+            <a:pPr marL="0" indent="0">
+              <a:buNone/>
+            </a:pPr>
+            <a:endParaRPr lang="en-US" dirty="0" smtClean="0"/>
+          </a:p>
+          <a:p>
+            <a:pPr marL="0" indent="0">
+              <a:buNone/>
+            </a:pPr>
+            <a:endParaRPr lang="en-US" dirty="0"/>
+          </a:p>
+          <a:p>
+            <a:pPr marL="0" indent="0">
+              <a:buNone/>
+            </a:pPr>
+            <a:endParaRPr lang="en-US" dirty="0" smtClean="0"/>
+          </a:p>
+          <a:p>
+            <a:pPr marL="0" indent="0">
+              <a:buNone/>
+            </a:pPr>
+            <a:endParaRPr lang="en-US" dirty="0" smtClean="0"/>
+          </a:p>
+        </p:txBody>
+      </p:sp>
+      <p:sp>
+        <p:nvSpPr>
+          <p:cNvPr id="4" name="Rounded Rectangle 3"/>
+          <p:cNvSpPr/>
+          <p:nvPr/>
+        </p:nvSpPr>
+        <p:spPr bwMode="auto">
+          <a:xfrm>
+            <a:off x="1219200" y="2524394"/>
+            <a:ext cx="2057400" cy="1219200"/>
+          </a:xfrm>
+          <a:prstGeom prst="roundRect">
+            <a:avLst/>
+          </a:prstGeom>
+          <a:solidFill>
+            <a:schemeClr val="accent1"/>
+          </a:solidFill>
+          <a:ln>
+            <a:headEnd type="none" w="med" len="med"/>
+            <a:tailEnd type="none" w="med" len="med"/>
+          </a:ln>
+        </p:spPr>
+        <p:style>
+          <a:lnRef idx="0">
+            <a:schemeClr val="accent2"/>
+          </a:lnRef>
+          <a:fillRef idx="3">
+            <a:schemeClr val="accent2"/>
+          </a:fillRef>
+          <a:effectRef idx="3">
+            <a:schemeClr val="accent2"/>
+          </a:effectRef>
+          <a:fontRef idx="minor">
+            <a:schemeClr val="lt1"/>
+          </a:fontRef>
+        </p:style>
+        <p:txBody>
+          <a:bodyPr vert="horz" wrap="square" lIns="91436" tIns="45718" rIns="91436" bIns="45718" numCol="1" rtlCol="0" anchor="ctr" anchorCtr="0" compatLnSpc="1">
+            <a:prstTxWarp prst="textNoShape">
+              <a:avLst/>
+            </a:prstTxWarp>
+          </a:bodyPr>
+          <a:lstStyle/>
+          <a:p>
+            <a:pPr algn="ctr" defTabSz="914099" fontAlgn="base">
+              <a:spcBef>
+                <a:spcPct val="0"/>
+              </a:spcBef>
+              <a:spcAft>
+                <a:spcPct val="0"/>
+              </a:spcAft>
+            </a:pPr>
+            <a:r>
+              <a:rPr lang="en-US" sz="2300" dirty="0" smtClean="0">
+                <a:solidFill>
+                  <a:srgbClr val="FFFFFF"/>
+                </a:solidFill>
+                <a:effectLst>
+                  <a:outerShdw blurRad="38100" dist="38100" dir="2700000" algn="tl">
+                    <a:srgbClr val="000000">
+                      <a:alpha val="43137"/>
+                    </a:srgbClr>
+                  </a:outerShdw>
+                </a:effectLst>
+                <a:latin typeface="Trebuchet MS" pitchFamily="34" charset="0"/>
               </a:rPr>
-              <a:t>Data Store</a:t>
-            </a:r>
-          </a:p>
-          <a:p>
-            <a:pPr lvl="1"/>
+              <a:t>Parse</a:t>
+            </a:r>
+            <a:endParaRPr lang="en-US" sz="2300" dirty="0" smtClean="0">
+              <a:solidFill>
+                <a:srgbClr val="FFFFFF"/>
+              </a:solidFill>
+              <a:effectLst>
+                <a:outerShdw blurRad="38100" dist="38100" dir="2700000" algn="tl">
+                  <a:srgbClr val="000000">
+                    <a:alpha val="43137"/>
+                  </a:srgbClr>
+                </a:outerShdw>
+              </a:effectLst>
+              <a:latin typeface="Trebuchet MS" pitchFamily="34" charset="0"/>
+            </a:endParaRPr>
+          </a:p>
+        </p:txBody>
+      </p:sp>
+      <p:sp>
+        <p:nvSpPr>
+          <p:cNvPr id="5" name="Rounded Rectangle 4"/>
+          <p:cNvSpPr/>
+          <p:nvPr/>
+        </p:nvSpPr>
+        <p:spPr bwMode="auto">
+          <a:xfrm>
+            <a:off x="3657988" y="2549166"/>
+            <a:ext cx="2057400" cy="1219200"/>
+          </a:xfrm>
+          <a:prstGeom prst="roundRect">
+            <a:avLst/>
+          </a:prstGeom>
+          <a:solidFill>
+            <a:schemeClr val="accent1"/>
+          </a:solidFill>
+          <a:ln>
+            <a:headEnd type="none" w="med" len="med"/>
+            <a:tailEnd type="none" w="med" len="med"/>
+          </a:ln>
+        </p:spPr>
+        <p:style>
+          <a:lnRef idx="0">
+            <a:schemeClr val="accent2"/>
+          </a:lnRef>
+          <a:fillRef idx="3">
+            <a:schemeClr val="accent2"/>
+          </a:fillRef>
+          <a:effectRef idx="3">
+            <a:schemeClr val="accent2"/>
+          </a:effectRef>
+          <a:fontRef idx="minor">
+            <a:schemeClr val="lt1"/>
+          </a:fontRef>
+        </p:style>
+        <p:txBody>
+          <a:bodyPr vert="horz" wrap="square" lIns="91436" tIns="45718" rIns="91436" bIns="45718" numCol="1" rtlCol="0" anchor="ctr" anchorCtr="0" compatLnSpc="1">
+            <a:prstTxWarp prst="textNoShape">
+              <a:avLst/>
+            </a:prstTxWarp>
+          </a:bodyPr>
+          <a:lstStyle/>
+          <a:p>
+            <a:pPr algn="ctr" defTabSz="914099" fontAlgn="base">
+              <a:spcBef>
+                <a:spcPct val="0"/>
+              </a:spcBef>
+              <a:spcAft>
+                <a:spcPct val="0"/>
+              </a:spcAft>
+            </a:pPr>
+            <a:r>
+              <a:rPr lang="en-US" sz="2300" dirty="0" smtClean="0">
+                <a:solidFill>
+                  <a:srgbClr val="FFFFFF"/>
+                </a:solidFill>
+                <a:effectLst>
+                  <a:outerShdw blurRad="38100" dist="38100" dir="2700000" algn="tl">
+                    <a:srgbClr val="000000">
+                      <a:alpha val="43137"/>
+                    </a:srgbClr>
+                  </a:outerShdw>
+                </a:effectLst>
+                <a:latin typeface="Trebuchet MS" pitchFamily="34" charset="0"/>
+              </a:rPr>
+              <a:t>Collection</a:t>
+            </a:r>
+            <a:endParaRPr lang="en-US" sz="2300" dirty="0" smtClean="0">
+              <a:solidFill>
+                <a:srgbClr val="FFFFFF"/>
+              </a:solidFill>
+              <a:effectLst>
+                <a:outerShdw blurRad="38100" dist="38100" dir="2700000" algn="tl">
+                  <a:srgbClr val="000000">
+                    <a:alpha val="43137"/>
+                  </a:srgbClr>
+                </a:outerShdw>
+              </a:effectLst>
+              <a:latin typeface="Trebuchet MS" pitchFamily="34" charset="0"/>
+            </a:endParaRPr>
+          </a:p>
+        </p:txBody>
+      </p:sp>
+      <p:sp>
+        <p:nvSpPr>
+          <p:cNvPr id="10" name="Rounded Rectangle 9"/>
+          <p:cNvSpPr/>
+          <p:nvPr/>
+        </p:nvSpPr>
+        <p:spPr bwMode="auto">
+          <a:xfrm>
+            <a:off x="6096388" y="2524394"/>
+            <a:ext cx="2057400" cy="1219200"/>
+          </a:xfrm>
+          <a:prstGeom prst="roundRect">
+            <a:avLst/>
+          </a:prstGeom>
+          <a:solidFill>
+            <a:schemeClr val="accent1"/>
+          </a:solidFill>
+          <a:ln>
+            <a:headEnd type="none" w="med" len="med"/>
+            <a:tailEnd type="none" w="med" len="med"/>
+          </a:ln>
+        </p:spPr>
+        <p:style>
+          <a:lnRef idx="0">
+            <a:schemeClr val="accent2"/>
+          </a:lnRef>
+          <a:fillRef idx="3">
+            <a:schemeClr val="accent2"/>
+          </a:fillRef>
+          <a:effectRef idx="3">
+            <a:schemeClr val="accent2"/>
+          </a:effectRef>
+          <a:fontRef idx="minor">
+            <a:schemeClr val="lt1"/>
+          </a:fontRef>
+        </p:style>
+        <p:txBody>
+          <a:bodyPr vert="horz" wrap="square" lIns="91436" tIns="45718" rIns="91436" bIns="45718" numCol="1" rtlCol="0" anchor="ctr" anchorCtr="0" compatLnSpc="1">
+            <a:prstTxWarp prst="textNoShape">
+              <a:avLst/>
+            </a:prstTxWarp>
+          </a:bodyPr>
+          <a:lstStyle/>
+          <a:p>
+            <a:pPr algn="ctr" defTabSz="914099" fontAlgn="base">
+              <a:spcBef>
+                <a:spcPct val="0"/>
+              </a:spcBef>
+              <a:spcAft>
+                <a:spcPct val="0"/>
+              </a:spcAft>
+            </a:pPr>
+            <a:r>
+              <a:rPr lang="en-US" sz="2300" dirty="0" smtClean="0">
+                <a:solidFill>
+                  <a:srgbClr val="FFFFFF"/>
+                </a:solidFill>
+                <a:effectLst>
+                  <a:outerShdw blurRad="38100" dist="38100" dir="2700000" algn="tl">
+                    <a:srgbClr val="000000">
+                      <a:alpha val="43137"/>
+                    </a:srgbClr>
+                  </a:outerShdw>
+                </a:effectLst>
+                <a:latin typeface="Trebuchet MS" pitchFamily="34" charset="0"/>
+              </a:rPr>
+              <a:t>Schema</a:t>
+            </a:r>
+            <a:endParaRPr lang="en-US" sz="2300" dirty="0" smtClean="0">
+              <a:solidFill>
+                <a:srgbClr val="FFFFFF"/>
+              </a:solidFill>
+              <a:effectLst>
+                <a:outerShdw blurRad="38100" dist="38100" dir="2700000" algn="tl">
+                  <a:srgbClr val="000000">
+                    <a:alpha val="43137"/>
+                  </a:srgbClr>
+                </a:outerShdw>
+              </a:effectLst>
+              <a:latin typeface="Trebuchet MS" pitchFamily="34" charset="0"/>
+            </a:endParaRPr>
+          </a:p>
+        </p:txBody>
+      </p:sp>
+      <p:cxnSp>
+        <p:nvCxnSpPr>
+          <p:cNvPr id="21" name="Straight Connector 20"/>
+          <p:cNvCxnSpPr/>
+          <p:nvPr/>
+        </p:nvCxnSpPr>
+        <p:spPr>
+          <a:xfrm flipH="1">
+            <a:off x="2247900" y="2023357"/>
+            <a:ext cx="4838700" cy="0"/>
+          </a:xfrm>
+          <a:prstGeom prst="line">
+            <a:avLst/>
+          </a:prstGeom>
+          <a:ln w="38100"/>
+        </p:spPr>
+        <p:style>
+          <a:lnRef idx="1">
+            <a:schemeClr val="accent1"/>
+          </a:lnRef>
+          <a:fillRef idx="0">
+            <a:schemeClr val="accent1"/>
+          </a:fillRef>
+          <a:effectRef idx="0">
+            <a:schemeClr val="accent1"/>
+          </a:effectRef>
+          <a:fontRef idx="minor">
+            <a:schemeClr val="tx1"/>
+          </a:fontRef>
+        </p:style>
+      </p:cxnSp>
+      <p:cxnSp>
+        <p:nvCxnSpPr>
+          <p:cNvPr id="24" name="Straight Arrow Connector 23"/>
+          <p:cNvCxnSpPr/>
+          <p:nvPr/>
+        </p:nvCxnSpPr>
+        <p:spPr>
+          <a:xfrm>
+            <a:off x="7086599" y="2023357"/>
+            <a:ext cx="1" cy="501037"/>
+          </a:xfrm>
+          <a:prstGeom prst="straightConnector1">
+            <a:avLst/>
+          </a:prstGeom>
+          <a:ln w="38100">
+            <a:tailEnd type="arrow"/>
+          </a:ln>
+        </p:spPr>
+        <p:style>
+          <a:lnRef idx="1">
+            <a:schemeClr val="accent1"/>
+          </a:lnRef>
+          <a:fillRef idx="0">
+            <a:schemeClr val="accent1"/>
+          </a:fillRef>
+          <a:effectRef idx="0">
+            <a:schemeClr val="accent1"/>
+          </a:effectRef>
+          <a:fontRef idx="minor">
+            <a:schemeClr val="tx1"/>
+          </a:fontRef>
+        </p:style>
+      </p:cxnSp>
+      <p:sp>
+        <p:nvSpPr>
+          <p:cNvPr id="17" name="Left Arrow 16"/>
+          <p:cNvSpPr/>
+          <p:nvPr/>
+        </p:nvSpPr>
+        <p:spPr bwMode="auto">
+          <a:xfrm>
+            <a:off x="3276600" y="2960839"/>
+            <a:ext cx="381388" cy="381002"/>
+          </a:xfrm>
+          <a:prstGeom prst="leftArrow">
+            <a:avLst/>
+          </a:prstGeom>
+          <a:solidFill>
+            <a:schemeClr val="accent1"/>
+          </a:solidFill>
+          <a:ln>
+            <a:headEnd type="none" w="med" len="med"/>
+            <a:tailEnd type="none" w="med" len="med"/>
+          </a:ln>
+        </p:spPr>
+        <p:style>
+          <a:lnRef idx="0">
+            <a:schemeClr val="accent2"/>
+          </a:lnRef>
+          <a:fillRef idx="3">
+            <a:schemeClr val="accent2"/>
+          </a:fillRef>
+          <a:effectRef idx="3">
+            <a:schemeClr val="accent2"/>
+          </a:effectRef>
+          <a:fontRef idx="minor">
+            <a:schemeClr val="lt1"/>
+          </a:fontRef>
+        </p:style>
+        <p:txBody>
+          <a:bodyPr vert="horz" wrap="square" lIns="91436" tIns="45718" rIns="91436" bIns="45718" numCol="1" rtlCol="0" anchor="ctr" anchorCtr="0" compatLnSpc="1">
+            <a:prstTxWarp prst="textNoShape">
+              <a:avLst/>
+            </a:prstTxWarp>
+          </a:bodyPr>
+          <a:lstStyle/>
+          <a:p>
+            <a:pPr algn="ctr" defTabSz="914099" fontAlgn="base">
+              <a:spcBef>
+                <a:spcPct val="0"/>
+              </a:spcBef>
+              <a:spcAft>
+                <a:spcPct val="0"/>
+              </a:spcAft>
+            </a:pPr>
+            <a:endParaRPr lang="en-US" sz="2300" dirty="0" smtClean="0">
+              <a:solidFill>
+                <a:srgbClr val="FFFFFF"/>
+              </a:solidFill>
+              <a:effectLst>
+                <a:outerShdw blurRad="38100" dist="38100" dir="2700000" algn="tl">
+                  <a:srgbClr val="000000">
+                    <a:alpha val="43137"/>
+                  </a:srgbClr>
+                </a:outerShdw>
+              </a:effectLst>
+              <a:latin typeface="Trebuchet MS" pitchFamily="34" charset="0"/>
+            </a:endParaRPr>
+          </a:p>
+        </p:txBody>
+      </p:sp>
+      <p:sp>
+        <p:nvSpPr>
+          <p:cNvPr id="22" name="Left Arrow 21"/>
+          <p:cNvSpPr/>
+          <p:nvPr/>
+        </p:nvSpPr>
+        <p:spPr bwMode="auto">
+          <a:xfrm>
+            <a:off x="5715388" y="2968265"/>
+            <a:ext cx="381000" cy="381002"/>
+          </a:xfrm>
+          <a:prstGeom prst="leftArrow">
+            <a:avLst/>
+          </a:prstGeom>
+          <a:solidFill>
+            <a:schemeClr val="accent1"/>
+          </a:solidFill>
+          <a:ln>
+            <a:headEnd type="none" w="med" len="med"/>
+            <a:tailEnd type="none" w="med" len="med"/>
+          </a:ln>
+        </p:spPr>
+        <p:style>
+          <a:lnRef idx="0">
+            <a:schemeClr val="accent2"/>
+          </a:lnRef>
+          <a:fillRef idx="3">
+            <a:schemeClr val="accent2"/>
+          </a:fillRef>
+          <a:effectRef idx="3">
+            <a:schemeClr val="accent2"/>
+          </a:effectRef>
+          <a:fontRef idx="minor">
+            <a:schemeClr val="lt1"/>
+          </a:fontRef>
+        </p:style>
+        <p:txBody>
+          <a:bodyPr vert="horz" wrap="square" lIns="91436" tIns="45718" rIns="91436" bIns="45718" numCol="1" rtlCol="0" anchor="ctr" anchorCtr="0" compatLnSpc="1">
+            <a:prstTxWarp prst="textNoShape">
+              <a:avLst/>
+            </a:prstTxWarp>
+          </a:bodyPr>
+          <a:lstStyle/>
+          <a:p>
+            <a:pPr algn="ctr" defTabSz="914099" fontAlgn="base">
+              <a:spcBef>
+                <a:spcPct val="0"/>
+              </a:spcBef>
+              <a:spcAft>
+                <a:spcPct val="0"/>
+              </a:spcAft>
+            </a:pPr>
+            <a:endParaRPr lang="en-US" sz="2300" dirty="0" smtClean="0">
+              <a:solidFill>
+                <a:srgbClr val="FFFFFF"/>
+              </a:solidFill>
+              <a:effectLst>
+                <a:outerShdw blurRad="38100" dist="38100" dir="2700000" algn="tl">
+                  <a:srgbClr val="000000">
+                    <a:alpha val="43137"/>
+                  </a:srgbClr>
+                </a:outerShdw>
+              </a:effectLst>
+              <a:latin typeface="Trebuchet MS" pitchFamily="34" charset="0"/>
+            </a:endParaRPr>
+          </a:p>
+        </p:txBody>
+      </p:sp>
+      <p:cxnSp>
+        <p:nvCxnSpPr>
+          <p:cNvPr id="19" name="Straight Connector 18"/>
+          <p:cNvCxnSpPr>
+            <a:stCxn id="4" idx="0"/>
+          </p:cNvCxnSpPr>
+          <p:nvPr/>
+        </p:nvCxnSpPr>
+        <p:spPr>
+          <a:xfrm flipV="1">
+            <a:off x="2247900" y="2023357"/>
+            <a:ext cx="0" cy="501037"/>
+          </a:xfrm>
+          <a:prstGeom prst="line">
+            <a:avLst/>
+          </a:prstGeom>
+          <a:ln w="38100"/>
+        </p:spPr>
+        <p:style>
+          <a:lnRef idx="1">
+            <a:schemeClr val="accent1"/>
+          </a:lnRef>
+          <a:fillRef idx="0">
+            <a:schemeClr val="accent1"/>
+          </a:fillRef>
+          <a:effectRef idx="0">
+            <a:schemeClr val="accent1"/>
+          </a:effectRef>
+          <a:fontRef idx="minor">
+            <a:schemeClr val="tx1"/>
+          </a:fontRef>
+        </p:style>
+      </p:cxnSp>
+      <p:sp>
+        <p:nvSpPr>
+          <p:cNvPr id="27" name="Rounded Rectangle 26"/>
+          <p:cNvSpPr/>
+          <p:nvPr/>
+        </p:nvSpPr>
+        <p:spPr bwMode="auto">
+          <a:xfrm>
+            <a:off x="228600" y="4572000"/>
+            <a:ext cx="2057400" cy="1219200"/>
+          </a:xfrm>
+          <a:prstGeom prst="roundRect">
+            <a:avLst/>
+          </a:prstGeom>
+          <a:solidFill>
+            <a:schemeClr val="accent1"/>
+          </a:solidFill>
+          <a:ln>
+            <a:headEnd type="none" w="med" len="med"/>
+            <a:tailEnd type="none" w="med" len="med"/>
+          </a:ln>
+        </p:spPr>
+        <p:style>
+          <a:lnRef idx="0">
+            <a:schemeClr val="accent2"/>
+          </a:lnRef>
+          <a:fillRef idx="3">
+            <a:schemeClr val="accent2"/>
+          </a:fillRef>
+          <a:effectRef idx="3">
+            <a:schemeClr val="accent2"/>
+          </a:effectRef>
+          <a:fontRef idx="minor">
+            <a:schemeClr val="lt1"/>
+          </a:fontRef>
+        </p:style>
+        <p:txBody>
+          <a:bodyPr vert="horz" wrap="square" lIns="91436" tIns="45718" rIns="91436" bIns="45718" numCol="1" rtlCol="0" anchor="ctr" anchorCtr="0" compatLnSpc="1">
+            <a:prstTxWarp prst="textNoShape">
+              <a:avLst/>
+            </a:prstTxWarp>
+          </a:bodyPr>
+          <a:lstStyle/>
+          <a:p>
+            <a:pPr algn="ctr" defTabSz="914099" fontAlgn="base">
+              <a:spcBef>
+                <a:spcPct val="0"/>
+              </a:spcBef>
+              <a:spcAft>
+                <a:spcPct val="0"/>
+              </a:spcAft>
+            </a:pPr>
+            <a:r>
+              <a:rPr lang="en-US" sz="2300" dirty="0" smtClean="0">
+                <a:solidFill>
+                  <a:srgbClr val="FFFFFF"/>
+                </a:solidFill>
+                <a:effectLst>
+                  <a:outerShdw blurRad="38100" dist="38100" dir="2700000" algn="tl">
+                    <a:srgbClr val="000000">
+                      <a:alpha val="43137"/>
+                    </a:srgbClr>
+                  </a:outerShdw>
+                </a:effectLst>
+                <a:latin typeface="Trebuchet MS" pitchFamily="34" charset="0"/>
+              </a:rPr>
+              <a:t>Tabular</a:t>
+            </a:r>
+            <a:br>
+              <a:rPr lang="en-US" sz="2300" dirty="0" smtClean="0">
+                <a:solidFill>
+                  <a:srgbClr val="FFFFFF"/>
+                </a:solidFill>
+                <a:effectLst>
+                  <a:outerShdw blurRad="38100" dist="38100" dir="2700000" algn="tl">
+                    <a:srgbClr val="000000">
+                      <a:alpha val="43137"/>
+                    </a:srgbClr>
+                  </a:outerShdw>
+                </a:effectLst>
+                <a:latin typeface="Trebuchet MS" pitchFamily="34" charset="0"/>
+              </a:rPr>
+            </a:br>
+            <a:r>
+              <a:rPr lang="en-US" sz="2300" dirty="0" smtClean="0">
+                <a:solidFill>
+                  <a:srgbClr val="FFFFFF"/>
+                </a:solidFill>
+                <a:effectLst>
+                  <a:outerShdw blurRad="38100" dist="38100" dir="2700000" algn="tl">
+                    <a:srgbClr val="000000">
+                      <a:alpha val="43137"/>
+                    </a:srgbClr>
+                  </a:outerShdw>
+                </a:effectLst>
+                <a:latin typeface="Trebuchet MS" pitchFamily="34" charset="0"/>
+              </a:rPr>
+              <a:t>(CSV)</a:t>
+            </a:r>
+            <a:endParaRPr lang="en-US" sz="2300" dirty="0" smtClean="0">
+              <a:solidFill>
+                <a:srgbClr val="FFFFFF"/>
+              </a:solidFill>
+              <a:effectLst>
+                <a:outerShdw blurRad="38100" dist="38100" dir="2700000" algn="tl">
+                  <a:srgbClr val="000000">
+                    <a:alpha val="43137"/>
+                  </a:srgbClr>
+                </a:outerShdw>
+              </a:effectLst>
+              <a:latin typeface="Trebuchet MS" pitchFamily="34" charset="0"/>
+            </a:endParaRPr>
+          </a:p>
+        </p:txBody>
+      </p:sp>
+      <p:sp>
+        <p:nvSpPr>
+          <p:cNvPr id="28" name="Rounded Rectangle 27"/>
+          <p:cNvSpPr/>
+          <p:nvPr/>
+        </p:nvSpPr>
+        <p:spPr bwMode="auto">
+          <a:xfrm>
+            <a:off x="2480675" y="4572000"/>
+            <a:ext cx="2057400" cy="1219200"/>
+          </a:xfrm>
+          <a:prstGeom prst="roundRect">
+            <a:avLst/>
+          </a:prstGeom>
+          <a:solidFill>
+            <a:schemeClr val="accent1"/>
+          </a:solidFill>
+          <a:ln>
+            <a:headEnd type="none" w="med" len="med"/>
+            <a:tailEnd type="none" w="med" len="med"/>
+          </a:ln>
+        </p:spPr>
+        <p:style>
+          <a:lnRef idx="0">
+            <a:schemeClr val="accent2"/>
+          </a:lnRef>
+          <a:fillRef idx="3">
+            <a:schemeClr val="accent2"/>
+          </a:fillRef>
+          <a:effectRef idx="3">
+            <a:schemeClr val="accent2"/>
+          </a:effectRef>
+          <a:fontRef idx="minor">
+            <a:schemeClr val="lt1"/>
+          </a:fontRef>
+        </p:style>
+        <p:txBody>
+          <a:bodyPr vert="horz" wrap="square" lIns="91436" tIns="45718" rIns="91436" bIns="45718" numCol="1" rtlCol="0" anchor="ctr" anchorCtr="0" compatLnSpc="1">
+            <a:prstTxWarp prst="textNoShape">
+              <a:avLst/>
+            </a:prstTxWarp>
+          </a:bodyPr>
+          <a:lstStyle/>
+          <a:p>
+            <a:pPr algn="ctr" defTabSz="914099" fontAlgn="base">
+              <a:spcBef>
+                <a:spcPct val="0"/>
+              </a:spcBef>
+              <a:spcAft>
+                <a:spcPct val="0"/>
+              </a:spcAft>
+            </a:pPr>
+            <a:r>
+              <a:rPr lang="en-US" sz="2300" dirty="0" smtClean="0">
+                <a:solidFill>
+                  <a:srgbClr val="FFFFFF"/>
+                </a:solidFill>
+                <a:effectLst>
+                  <a:outerShdw blurRad="38100" dist="38100" dir="2700000" algn="tl">
+                    <a:srgbClr val="000000">
+                      <a:alpha val="43137"/>
+                    </a:srgbClr>
+                  </a:outerShdw>
+                </a:effectLst>
+                <a:latin typeface="Trebuchet MS" pitchFamily="34" charset="0"/>
+              </a:rPr>
+              <a:t>Document</a:t>
+            </a:r>
+            <a:br>
+              <a:rPr lang="en-US" sz="2300" dirty="0" smtClean="0">
+                <a:solidFill>
+                  <a:srgbClr val="FFFFFF"/>
+                </a:solidFill>
+                <a:effectLst>
+                  <a:outerShdw blurRad="38100" dist="38100" dir="2700000" algn="tl">
+                    <a:srgbClr val="000000">
+                      <a:alpha val="43137"/>
+                    </a:srgbClr>
+                  </a:outerShdw>
+                </a:effectLst>
+                <a:latin typeface="Trebuchet MS" pitchFamily="34" charset="0"/>
+              </a:rPr>
+            </a:br>
+            <a:r>
+              <a:rPr lang="en-US" sz="2300" dirty="0" smtClean="0">
+                <a:solidFill>
+                  <a:srgbClr val="FFFFFF"/>
+                </a:solidFill>
+                <a:effectLst>
+                  <a:outerShdw blurRad="38100" dist="38100" dir="2700000" algn="tl">
+                    <a:srgbClr val="000000">
+                      <a:alpha val="43137"/>
+                    </a:srgbClr>
+                  </a:outerShdw>
+                </a:effectLst>
+                <a:latin typeface="Trebuchet MS" pitchFamily="34" charset="0"/>
+              </a:rPr>
+              <a:t>(JSON)</a:t>
+            </a:r>
+            <a:endParaRPr lang="en-US" sz="2300" dirty="0" smtClean="0">
+              <a:solidFill>
+                <a:srgbClr val="FFFFFF"/>
+              </a:solidFill>
+              <a:effectLst>
+                <a:outerShdw blurRad="38100" dist="38100" dir="2700000" algn="tl">
+                  <a:srgbClr val="000000">
+                    <a:alpha val="43137"/>
+                  </a:srgbClr>
+                </a:outerShdw>
+              </a:effectLst>
+              <a:latin typeface="Trebuchet MS" pitchFamily="34" charset="0"/>
+            </a:endParaRPr>
+          </a:p>
+        </p:txBody>
+      </p:sp>
+      <p:sp>
+        <p:nvSpPr>
+          <p:cNvPr id="25" name="TextBox 24"/>
+          <p:cNvSpPr txBox="1"/>
+          <p:nvPr/>
+        </p:nvSpPr>
+        <p:spPr>
+          <a:xfrm>
+            <a:off x="3048000" y="1652981"/>
+            <a:ext cx="3771032" cy="369332"/>
+          </a:xfrm>
+          <a:prstGeom prst="rect">
+            <a:avLst/>
+          </a:prstGeom>
+          <a:noFill/>
+        </p:spPr>
+        <p:txBody>
+          <a:bodyPr wrap="none" rtlCol="0">
+            <a:spAutoFit/>
+          </a:bodyPr>
+          <a:lstStyle/>
+          <a:p>
             <a:r>
               <a:rPr lang="en-US" dirty="0" smtClean="0"/>
-              <a:t>Handles data representation </a:t>
-            </a:r>
+              <a:t>Dynamic Schema (Derived from Input)</a:t>
+            </a:r>
+            <a:endParaRPr lang="en-US" dirty="0"/>
+          </a:p>
+        </p:txBody>
+      </p:sp>
+      <p:sp>
+        <p:nvSpPr>
+          <p:cNvPr id="29" name="TextBox 28"/>
+          <p:cNvSpPr txBox="1"/>
+          <p:nvPr/>
+        </p:nvSpPr>
+        <p:spPr>
+          <a:xfrm>
+            <a:off x="3782999" y="3886200"/>
+            <a:ext cx="2193421" cy="369332"/>
+          </a:xfrm>
+          <a:prstGeom prst="rect">
+            <a:avLst/>
+          </a:prstGeom>
+          <a:noFill/>
+        </p:spPr>
+        <p:txBody>
+          <a:bodyPr wrap="none" rtlCol="0">
+            <a:spAutoFit/>
+          </a:bodyPr>
+          <a:lstStyle/>
+          <a:p>
             <a:r>
               <a:rPr lang="en-US" dirty="0" smtClean="0"/>
-              <a:t>for access in storage.</a:t>
-            </a:r>
-          </a:p>
-          <a:p>
-            <a:pPr lvl="1"/>
-            <a:r>
-              <a:rPr lang="en-US" dirty="0" smtClean="0"/>
-              <a:t>Document Oriented (JSON, BSON)</a:t>
-            </a:r>
-          </a:p>
-          <a:p>
-            <a:pPr lvl="1"/>
-            <a:r>
-              <a:rPr lang="en-US" dirty="0" smtClean="0"/>
-              <a:t>Column Base (CSV, PSV, TSV)</a:t>
-            </a:r>
-          </a:p>
-          <a:p>
-            <a:pPr lvl="1"/>
-            <a:r>
-              <a:rPr lang="en-US" dirty="0" smtClean="0"/>
-              <a:t>RDBMS </a:t>
-            </a:r>
-            <a:r>
-              <a:rPr lang="en-US" dirty="0" smtClean="0"/>
-              <a:t>(fixed binary records)</a:t>
-            </a:r>
-          </a:p>
-          <a:p>
-            <a:pPr lvl="1"/>
-            <a:endParaRPr lang="en-US" dirty="0" smtClean="0"/>
-          </a:p>
-          <a:p>
-            <a:pPr lvl="1"/>
-            <a:endParaRPr lang="en-US" dirty="0" smtClean="0">
+              <a:t>Schema Pre-specified</a:t>
+            </a:r>
+            <a:endParaRPr lang="en-US" dirty="0"/>
+          </a:p>
+        </p:txBody>
+      </p:sp>
+      <p:cxnSp>
+        <p:nvCxnSpPr>
+          <p:cNvPr id="31" name="Curved Connector 30"/>
+          <p:cNvCxnSpPr>
+            <a:stCxn id="29" idx="1"/>
+          </p:cNvCxnSpPr>
+          <p:nvPr/>
+        </p:nvCxnSpPr>
+        <p:spPr>
+          <a:xfrm rot="10800000">
+            <a:off x="3467297" y="3349268"/>
+            <a:ext cx="315703" cy="721598"/>
+          </a:xfrm>
+          <a:prstGeom prst="curvedConnector2">
+            <a:avLst/>
+          </a:prstGeom>
+          <a:ln w="25400">
+            <a:tailEnd type="arrow"/>
+          </a:ln>
+        </p:spPr>
+        <p:style>
+          <a:lnRef idx="1">
+            <a:schemeClr val="accent1"/>
+          </a:lnRef>
+          <a:fillRef idx="0">
+            <a:schemeClr val="accent1"/>
+          </a:fillRef>
+          <a:effectRef idx="0">
+            <a:schemeClr val="accent1"/>
+          </a:effectRef>
+          <a:fontRef idx="minor">
+            <a:schemeClr val="tx1"/>
+          </a:fontRef>
+        </p:style>
+      </p:cxnSp>
+      <p:sp>
+        <p:nvSpPr>
+          <p:cNvPr id="33" name="Left Arrow 32"/>
+          <p:cNvSpPr/>
+          <p:nvPr/>
+        </p:nvSpPr>
+        <p:spPr bwMode="auto">
+          <a:xfrm rot="6879389">
+            <a:off x="1541012" y="3953748"/>
+            <a:ext cx="765554" cy="316468"/>
+          </a:xfrm>
+          <a:prstGeom prst="leftArrow">
+            <a:avLst/>
+          </a:prstGeom>
+          <a:solidFill>
+            <a:schemeClr val="accent1"/>
+          </a:solidFill>
+          <a:ln>
+            <a:headEnd type="none" w="med" len="med"/>
+            <a:tailEnd type="none" w="med" len="med"/>
+          </a:ln>
+        </p:spPr>
+        <p:style>
+          <a:lnRef idx="0">
+            <a:schemeClr val="accent2"/>
+          </a:lnRef>
+          <a:fillRef idx="3">
+            <a:schemeClr val="accent2"/>
+          </a:fillRef>
+          <a:effectRef idx="3">
+            <a:schemeClr val="accent2"/>
+          </a:effectRef>
+          <a:fontRef idx="minor">
+            <a:schemeClr val="lt1"/>
+          </a:fontRef>
+        </p:style>
+        <p:txBody>
+          <a:bodyPr vert="horz" wrap="square" lIns="91436" tIns="45718" rIns="91436" bIns="45718" numCol="1" rtlCol="0" anchor="ctr" anchorCtr="0" compatLnSpc="1">
+            <a:prstTxWarp prst="textNoShape">
+              <a:avLst/>
+            </a:prstTxWarp>
+          </a:bodyPr>
+          <a:lstStyle/>
+          <a:p>
+            <a:pPr algn="ctr" defTabSz="914099" fontAlgn="base">
+              <a:spcBef>
+                <a:spcPct val="0"/>
+              </a:spcBef>
+              <a:spcAft>
+                <a:spcPct val="0"/>
+              </a:spcAft>
+            </a:pPr>
+            <a:endParaRPr lang="en-US" sz="2300" dirty="0" smtClean="0">
               <a:solidFill>
-                <a:schemeClr val="tx2">
-                  <a:lumMod val="50000"/>
-                </a:schemeClr>
+                <a:srgbClr val="FFFFFF"/>
               </a:solidFill>
+              <a:effectLst>
+                <a:outerShdw blurRad="38100" dist="38100" dir="2700000" algn="tl">
+                  <a:srgbClr val="000000">
+                    <a:alpha val="43137"/>
+                  </a:srgbClr>
+                </a:outerShdw>
+              </a:effectLst>
+              <a:latin typeface="Trebuchet MS" pitchFamily="34" charset="0"/>
             </a:endParaRPr>
           </a:p>
-          <a:p>
-            <a:endParaRPr lang="en-US" dirty="0" smtClean="0">
+        </p:txBody>
+      </p:sp>
+      <p:sp>
+        <p:nvSpPr>
+          <p:cNvPr id="34" name="Left Arrow 33"/>
+          <p:cNvSpPr/>
+          <p:nvPr/>
+        </p:nvSpPr>
+        <p:spPr bwMode="auto">
+          <a:xfrm rot="3593580">
+            <a:off x="2277386" y="3980689"/>
+            <a:ext cx="807968" cy="316468"/>
+          </a:xfrm>
+          <a:prstGeom prst="leftArrow">
+            <a:avLst/>
+          </a:prstGeom>
+          <a:solidFill>
+            <a:schemeClr val="accent1"/>
+          </a:solidFill>
+          <a:ln>
+            <a:headEnd type="none" w="med" len="med"/>
+            <a:tailEnd type="none" w="med" len="med"/>
+          </a:ln>
+        </p:spPr>
+        <p:style>
+          <a:lnRef idx="0">
+            <a:schemeClr val="accent2"/>
+          </a:lnRef>
+          <a:fillRef idx="3">
+            <a:schemeClr val="accent2"/>
+          </a:fillRef>
+          <a:effectRef idx="3">
+            <a:schemeClr val="accent2"/>
+          </a:effectRef>
+          <a:fontRef idx="minor">
+            <a:schemeClr val="lt1"/>
+          </a:fontRef>
+        </p:style>
+        <p:txBody>
+          <a:bodyPr vert="horz" wrap="square" lIns="91436" tIns="45718" rIns="91436" bIns="45718" numCol="1" rtlCol="0" anchor="ctr" anchorCtr="0" compatLnSpc="1">
+            <a:prstTxWarp prst="textNoShape">
+              <a:avLst/>
+            </a:prstTxWarp>
+          </a:bodyPr>
+          <a:lstStyle/>
+          <a:p>
+            <a:pPr algn="ctr" defTabSz="914099" fontAlgn="base">
+              <a:spcBef>
+                <a:spcPct val="0"/>
+              </a:spcBef>
+              <a:spcAft>
+                <a:spcPct val="0"/>
+              </a:spcAft>
+            </a:pPr>
+            <a:endParaRPr lang="en-US" sz="2300" dirty="0" smtClean="0">
               <a:solidFill>
-                <a:schemeClr val="tx2">
-                  <a:lumMod val="50000"/>
-                </a:schemeClr>
+                <a:srgbClr val="FFFFFF"/>
               </a:solidFill>
-            </a:endParaRPr>
-          </a:p>
-          <a:p>
-            <a:endParaRPr lang="en-US" dirty="0" smtClean="0">
-              <a:solidFill>
-                <a:schemeClr val="tx2">
-                  <a:lumMod val="50000"/>
-                </a:schemeClr>
-              </a:solidFill>
+              <a:effectLst>
+                <a:outerShdw blurRad="38100" dist="38100" dir="2700000" algn="tl">
+                  <a:srgbClr val="000000">
+                    <a:alpha val="43137"/>
+                  </a:srgbClr>
+                </a:outerShdw>
+              </a:effectLst>
+              <a:latin typeface="Trebuchet MS" pitchFamily="34" charset="0"/>
             </a:endParaRPr>
           </a:p>
         </p:txBody>
@@ -6279,7 +7508,7 @@
     </p:spTree>
     <p:extLst>
       <p:ext uri="{BB962C8B-B14F-4D97-AF65-F5344CB8AC3E}">
-        <p14:creationId xmlns:p14="http://schemas.microsoft.com/office/powerpoint/2010/main" val="38999932"/>
+        <p14:creationId xmlns:p14="http://schemas.microsoft.com/office/powerpoint/2010/main" val="2674252949"/>
       </p:ext>
     </p:extLst>
   </p:cSld>
@@ -6326,22 +7555,19 @@
             <p:ph type="title"/>
           </p:nvPr>
         </p:nvSpPr>
-        <p:spPr/>
+        <p:spPr>
+          <a:xfrm>
+            <a:off x="381000" y="230188"/>
+            <a:ext cx="8382000" cy="1329595"/>
+          </a:xfrm>
+        </p:spPr>
         <p:txBody>
           <a:bodyPr/>
           <a:lstStyle/>
           <a:p>
             <a:r>
               <a:rPr lang="en-US" dirty="0" smtClean="0"/>
-              <a:t>Stages (</a:t>
-            </a:r>
-            <a:r>
-              <a:rPr lang="en-US" dirty="0" err="1" smtClean="0"/>
-              <a:t>cont</a:t>
-            </a:r>
-            <a:r>
-              <a:rPr lang="en-US" dirty="0" smtClean="0"/>
-              <a:t>)</a:t>
+              <a:t>Input Stage – Tabular Format (e.g., CSV)</a:t>
             </a:r>
             <a:endParaRPr lang="en-US" dirty="0"/>
           </a:p>
@@ -6359,8 +7585,8 @@
         </p:nvSpPr>
         <p:spPr>
           <a:xfrm>
-            <a:off x="381000" y="1096423"/>
-            <a:ext cx="8382000" cy="5250668"/>
+            <a:off x="381000" y="1676400"/>
+            <a:ext cx="8382000" cy="4343400"/>
           </a:xfrm>
         </p:spPr>
         <p:txBody>
@@ -6375,23 +7601,37 @@
                   </a:schemeClr>
                 </a:solidFill>
               </a:rPr>
-              <a:t>Storage</a:t>
-            </a:r>
-            <a:endParaRPr lang="en-US" dirty="0" smtClean="0"/>
-          </a:p>
-          <a:p>
-            <a:pPr marL="0" indent="0">
+              <a:t>Predefined Schema</a:t>
+            </a:r>
+            <a:endParaRPr lang="en-US" dirty="0" smtClean="0">
+              <a:solidFill>
+                <a:schemeClr val="tx2">
+                  <a:lumMod val="50000"/>
+                </a:schemeClr>
+              </a:solidFill>
+            </a:endParaRPr>
+          </a:p>
+          <a:p>
+            <a:pPr lvl="1"/>
+            <a:r>
+              <a:rPr lang="en-US" dirty="0" smtClean="0"/>
+              <a:t>File with Matching Header</a:t>
+            </a:r>
+          </a:p>
+          <a:p>
+            <a:pPr lvl="1"/>
+            <a:r>
+              <a:rPr lang="en-US" dirty="0" smtClean="0"/>
+              <a:t>File with no matching header with matching number of columns.</a:t>
+            </a:r>
+          </a:p>
+          <a:p>
+            <a:pPr marL="517525" lvl="1" indent="0">
               <a:buNone/>
             </a:pPr>
             <a:endParaRPr lang="en-US" dirty="0" smtClean="0"/>
           </a:p>
           <a:p>
-            <a:pPr marL="0" indent="0">
-              <a:buNone/>
-            </a:pPr>
-            <a:endParaRPr lang="en-US" dirty="0" smtClean="0"/>
-          </a:p>
-          <a:p>
             <a:r>
               <a:rPr lang="en-US" dirty="0" smtClean="0">
                 <a:solidFill>
@@ -6400,13 +7640,8 @@
                   </a:schemeClr>
                 </a:solidFill>
               </a:rPr>
-              <a:t>Clustering</a:t>
-            </a:r>
-          </a:p>
-          <a:p>
-            <a:pPr marL="0" indent="0">
-              <a:buNone/>
-            </a:pPr>
+              <a:t>No Defined Schema</a:t>
+            </a:r>
             <a:endParaRPr lang="en-US" dirty="0">
               <a:solidFill>
                 <a:schemeClr val="tx2">
@@ -6414,6 +7649,442 @@
                 </a:schemeClr>
               </a:solidFill>
             </a:endParaRPr>
+          </a:p>
+          <a:p>
+            <a:pPr lvl="1"/>
+            <a:r>
+              <a:rPr lang="en-US" dirty="0"/>
+              <a:t>File with </a:t>
+            </a:r>
+            <a:r>
+              <a:rPr lang="en-US" dirty="0" smtClean="0"/>
+              <a:t>Header – Schema dynamically created</a:t>
+            </a:r>
+            <a:endParaRPr lang="en-US" dirty="0">
+              <a:solidFill>
+                <a:schemeClr val="tx2">
+                  <a:lumMod val="50000"/>
+                </a:schemeClr>
+              </a:solidFill>
+            </a:endParaRPr>
+          </a:p>
+          <a:p>
+            <a:pPr lvl="1"/>
+            <a:endParaRPr lang="en-US" dirty="0" smtClean="0"/>
+          </a:p>
+          <a:p>
+            <a:pPr marL="517525" lvl="1" indent="0">
+              <a:buNone/>
+            </a:pPr>
+            <a:endParaRPr lang="en-US" dirty="0" smtClean="0">
+              <a:solidFill>
+                <a:schemeClr val="tx2">
+                  <a:lumMod val="50000"/>
+                </a:schemeClr>
+              </a:solidFill>
+            </a:endParaRPr>
+          </a:p>
+          <a:p>
+            <a:endParaRPr lang="en-US" dirty="0" smtClean="0">
+              <a:solidFill>
+                <a:schemeClr val="tx2">
+                  <a:lumMod val="50000"/>
+                </a:schemeClr>
+              </a:solidFill>
+            </a:endParaRPr>
+          </a:p>
+          <a:p>
+            <a:endParaRPr lang="en-US" dirty="0" smtClean="0">
+              <a:solidFill>
+                <a:schemeClr val="tx2">
+                  <a:lumMod val="50000"/>
+                </a:schemeClr>
+              </a:solidFill>
+            </a:endParaRPr>
+          </a:p>
+        </p:txBody>
+      </p:sp>
+    </p:spTree>
+    <p:extLst>
+      <p:ext uri="{BB962C8B-B14F-4D97-AF65-F5344CB8AC3E}">
+        <p14:creationId xmlns:p14="http://schemas.microsoft.com/office/powerpoint/2010/main" val="3627869168"/>
+      </p:ext>
+    </p:extLst>
+  </p:cSld>
+  <p:clrMapOvr>
+    <a:masterClrMapping/>
+  </p:clrMapOvr>
+  <p:transition>
+    <p:fade/>
+  </p:transition>
+  <p:timing>
+    <p:tnLst>
+      <p:par>
+        <p:cTn id="1" dur="indefinite" restart="never" nodeType="tmRoot"/>
+      </p:par>
+    </p:tnLst>
+  </p:timing>
+</p:sld>
+</file>
+
+<file path=ppt/slides/slide6.xml><?xml version="1.0" encoding="utf-8"?>
+<p:sld xmlns:a="http://schemas.openxmlformats.org/drawingml/2006/main" xmlns:r="http://schemas.openxmlformats.org/officeDocument/2006/relationships" xmlns:p="http://schemas.openxmlformats.org/presentationml/2006/main">
+  <p:cSld>
+    <p:spTree>
+      <p:nvGrpSpPr>
+        <p:cNvPr id="1" name=""/>
+        <p:cNvGrpSpPr/>
+        <p:nvPr/>
+      </p:nvGrpSpPr>
+      <p:grpSpPr>
+        <a:xfrm>
+          <a:off x="0" y="0"/>
+          <a:ext cx="0" cy="0"/>
+          <a:chOff x="0" y="0"/>
+          <a:chExt cx="0" cy="0"/>
+        </a:xfrm>
+      </p:grpSpPr>
+      <p:sp>
+        <p:nvSpPr>
+          <p:cNvPr id="2" name="Title 1"/>
+          <p:cNvSpPr>
+            <a:spLocks noGrp="1"/>
+          </p:cNvSpPr>
+          <p:nvPr>
+            <p:ph type="title"/>
+          </p:nvPr>
+        </p:nvSpPr>
+        <p:spPr/>
+        <p:txBody>
+          <a:bodyPr/>
+          <a:lstStyle/>
+          <a:p>
+            <a:r>
+              <a:rPr lang="en-US" dirty="0" smtClean="0"/>
+              <a:t>Stages (</a:t>
+            </a:r>
+            <a:r>
+              <a:rPr lang="en-US" dirty="0" err="1" smtClean="0"/>
+              <a:t>cont</a:t>
+            </a:r>
+            <a:r>
+              <a:rPr lang="en-US" dirty="0" smtClean="0"/>
+              <a:t>)</a:t>
+            </a:r>
+            <a:endParaRPr lang="en-US" dirty="0"/>
+          </a:p>
+        </p:txBody>
+      </p:sp>
+      <p:sp>
+        <p:nvSpPr>
+          <p:cNvPr id="3" name="Text Placeholder 2"/>
+          <p:cNvSpPr>
+            <a:spLocks noGrp="1"/>
+          </p:cNvSpPr>
+          <p:nvPr>
+            <p:ph type="body" sz="quarter" idx="10"/>
+          </p:nvPr>
+        </p:nvSpPr>
+        <p:spPr>
+          <a:xfrm>
+            <a:off x="381000" y="1096423"/>
+            <a:ext cx="8382000" cy="7263527"/>
+          </a:xfrm>
+        </p:spPr>
+        <p:txBody>
+          <a:bodyPr/>
+          <a:lstStyle/>
+          <a:p>
+            <a:r>
+              <a:rPr lang="en-US" dirty="0" smtClean="0">
+                <a:solidFill>
+                  <a:schemeClr val="tx2">
+                    <a:lumMod val="50000"/>
+                  </a:schemeClr>
+                </a:solidFill>
+              </a:rPr>
+              <a:t>Data Model</a:t>
+            </a:r>
+          </a:p>
+          <a:p>
+            <a:pPr lvl="1"/>
+            <a:r>
+              <a:rPr lang="en-US" dirty="0" smtClean="0">
+                <a:solidFill>
+                  <a:schemeClr val="tx1">
+                    <a:lumMod val="95000"/>
+                  </a:schemeClr>
+                </a:solidFill>
+              </a:rPr>
+              <a:t>Transform from input formats to internal representation</a:t>
+            </a:r>
+          </a:p>
+          <a:p>
+            <a:pPr lvl="1"/>
+            <a:r>
+              <a:rPr lang="en-US" dirty="0" smtClean="0">
+                <a:solidFill>
+                  <a:schemeClr val="tx1">
+                    <a:lumMod val="95000"/>
+                  </a:schemeClr>
+                </a:solidFill>
+              </a:rPr>
+              <a:t>Data Wrangling</a:t>
+            </a:r>
+          </a:p>
+          <a:p>
+            <a:pPr lvl="1"/>
+            <a:r>
+              <a:rPr lang="en-US" dirty="0" smtClean="0">
+                <a:solidFill>
+                  <a:schemeClr val="tx1">
+                    <a:lumMod val="95000"/>
+                  </a:schemeClr>
+                </a:solidFill>
+              </a:rPr>
+              <a:t>Data Manipulation</a:t>
+            </a:r>
+          </a:p>
+          <a:p>
+            <a:pPr marL="0" indent="0">
+              <a:buNone/>
+            </a:pPr>
+            <a:endParaRPr lang="en-US" dirty="0" smtClean="0"/>
+          </a:p>
+          <a:p>
+            <a:r>
+              <a:rPr lang="en-US" dirty="0" smtClean="0">
+                <a:solidFill>
+                  <a:schemeClr val="tx2">
+                    <a:lumMod val="50000"/>
+                  </a:schemeClr>
+                </a:solidFill>
+              </a:rPr>
+              <a:t>Data Store</a:t>
+            </a:r>
+          </a:p>
+          <a:p>
+            <a:pPr lvl="1"/>
+            <a:r>
+              <a:rPr lang="en-US" dirty="0" smtClean="0"/>
+              <a:t>Handles data representation for access in storage.</a:t>
+            </a:r>
+          </a:p>
+          <a:p>
+            <a:pPr lvl="1"/>
+            <a:r>
+              <a:rPr lang="en-US" dirty="0" smtClean="0"/>
+              <a:t>Document Oriented (JSON, BSON)</a:t>
+            </a:r>
+          </a:p>
+          <a:p>
+            <a:pPr lvl="1"/>
+            <a:r>
+              <a:rPr lang="en-US" dirty="0" smtClean="0"/>
+              <a:t>Column Base (CSV, PSV, TSV)</a:t>
+            </a:r>
+          </a:p>
+          <a:p>
+            <a:pPr lvl="1"/>
+            <a:r>
+              <a:rPr lang="en-US" dirty="0" smtClean="0"/>
+              <a:t>RDBMS (fixed binary records)</a:t>
+            </a:r>
+          </a:p>
+          <a:p>
+            <a:pPr lvl="1"/>
+            <a:endParaRPr lang="en-US" dirty="0" smtClean="0"/>
+          </a:p>
+          <a:p>
+            <a:pPr lvl="1"/>
+            <a:endParaRPr lang="en-US" dirty="0" smtClean="0">
+              <a:solidFill>
+                <a:schemeClr val="tx2">
+                  <a:lumMod val="50000"/>
+                </a:schemeClr>
+              </a:solidFill>
+            </a:endParaRPr>
+          </a:p>
+          <a:p>
+            <a:endParaRPr lang="en-US" dirty="0" smtClean="0">
+              <a:solidFill>
+                <a:schemeClr val="tx2">
+                  <a:lumMod val="50000"/>
+                </a:schemeClr>
+              </a:solidFill>
+            </a:endParaRPr>
+          </a:p>
+          <a:p>
+            <a:endParaRPr lang="en-US" dirty="0" smtClean="0">
+              <a:solidFill>
+                <a:schemeClr val="tx2">
+                  <a:lumMod val="50000"/>
+                </a:schemeClr>
+              </a:solidFill>
+            </a:endParaRPr>
+          </a:p>
+        </p:txBody>
+      </p:sp>
+    </p:spTree>
+    <p:extLst>
+      <p:ext uri="{BB962C8B-B14F-4D97-AF65-F5344CB8AC3E}">
+        <p14:creationId xmlns:p14="http://schemas.microsoft.com/office/powerpoint/2010/main" val="38999932"/>
+      </p:ext>
+    </p:extLst>
+  </p:cSld>
+  <p:clrMapOvr>
+    <a:masterClrMapping/>
+  </p:clrMapOvr>
+  <p:transition>
+    <p:fade/>
+  </p:transition>
+  <p:timing>
+    <p:tnLst>
+      <p:par>
+        <p:cTn id="1" dur="indefinite" restart="never" nodeType="tmRoot"/>
+      </p:par>
+    </p:tnLst>
+  </p:timing>
+</p:sld>
+</file>
+
+<file path=ppt/slides/slide7.xml><?xml version="1.0" encoding="utf-8"?>
+<p:sld xmlns:a="http://schemas.openxmlformats.org/drawingml/2006/main" xmlns:r="http://schemas.openxmlformats.org/officeDocument/2006/relationships" xmlns:p="http://schemas.openxmlformats.org/presentationml/2006/main">
+  <p:cSld>
+    <p:spTree>
+      <p:nvGrpSpPr>
+        <p:cNvPr id="1" name=""/>
+        <p:cNvGrpSpPr/>
+        <p:nvPr/>
+      </p:nvGrpSpPr>
+      <p:grpSpPr>
+        <a:xfrm>
+          <a:off x="0" y="0"/>
+          <a:ext cx="0" cy="0"/>
+          <a:chOff x="0" y="0"/>
+          <a:chExt cx="0" cy="0"/>
+        </a:xfrm>
+      </p:grpSpPr>
+      <p:sp>
+        <p:nvSpPr>
+          <p:cNvPr id="2" name="Title 1"/>
+          <p:cNvSpPr>
+            <a:spLocks noGrp="1"/>
+          </p:cNvSpPr>
+          <p:nvPr>
+            <p:ph type="title"/>
+          </p:nvPr>
+        </p:nvSpPr>
+        <p:spPr/>
+        <p:txBody>
+          <a:bodyPr/>
+          <a:lstStyle/>
+          <a:p>
+            <a:r>
+              <a:rPr lang="en-US" dirty="0" smtClean="0"/>
+              <a:t>Stages (</a:t>
+            </a:r>
+            <a:r>
+              <a:rPr lang="en-US" dirty="0" err="1" smtClean="0"/>
+              <a:t>cont</a:t>
+            </a:r>
+            <a:r>
+              <a:rPr lang="en-US" dirty="0" smtClean="0"/>
+              <a:t>)</a:t>
+            </a:r>
+            <a:endParaRPr lang="en-US" dirty="0"/>
+          </a:p>
+        </p:txBody>
+      </p:sp>
+      <p:sp>
+        <p:nvSpPr>
+          <p:cNvPr id="3" name="Text Placeholder 2"/>
+          <p:cNvSpPr>
+            <a:spLocks noGrp="1"/>
+          </p:cNvSpPr>
+          <p:nvPr>
+            <p:ph type="body" sz="quarter" idx="10"/>
+          </p:nvPr>
+        </p:nvSpPr>
+        <p:spPr>
+          <a:xfrm>
+            <a:off x="381000" y="1096423"/>
+            <a:ext cx="8382000" cy="5380577"/>
+          </a:xfrm>
+        </p:spPr>
+        <p:txBody>
+          <a:bodyPr/>
+          <a:lstStyle/>
+          <a:p>
+            <a:r>
+              <a:rPr lang="en-US" dirty="0" smtClean="0">
+                <a:solidFill>
+                  <a:schemeClr val="tx2">
+                    <a:lumMod val="50000"/>
+                  </a:schemeClr>
+                </a:solidFill>
+              </a:rPr>
+              <a:t>Storage</a:t>
+            </a:r>
+          </a:p>
+          <a:p>
+            <a:pPr lvl="1"/>
+            <a:r>
+              <a:rPr lang="en-US" dirty="0" smtClean="0"/>
+              <a:t>Handles physical storage (on disk) of data</a:t>
+            </a:r>
+          </a:p>
+          <a:p>
+            <a:pPr lvl="1"/>
+            <a:r>
+              <a:rPr lang="en-US" dirty="0" smtClean="0"/>
+              <a:t>Single Monolithic File Storage</a:t>
+            </a:r>
+          </a:p>
+          <a:p>
+            <a:pPr lvl="1"/>
+            <a:r>
+              <a:rPr lang="en-US" dirty="0" smtClean="0"/>
+              <a:t>Multiple File Storage for </a:t>
+            </a:r>
+            <a:r>
+              <a:rPr lang="en-US" dirty="0" err="1" smtClean="0"/>
+              <a:t>Sharding</a:t>
+            </a:r>
+            <a:endParaRPr lang="en-US" dirty="0" smtClean="0"/>
+          </a:p>
+          <a:p>
+            <a:pPr marL="0" indent="0">
+              <a:buNone/>
+            </a:pPr>
+            <a:endParaRPr lang="en-US" dirty="0" smtClean="0"/>
+          </a:p>
+          <a:p>
+            <a:r>
+              <a:rPr lang="en-US" dirty="0" smtClean="0">
+                <a:solidFill>
+                  <a:schemeClr val="tx2">
+                    <a:lumMod val="50000"/>
+                  </a:schemeClr>
+                </a:solidFill>
+              </a:rPr>
+              <a:t>Clustering</a:t>
+            </a:r>
+          </a:p>
+          <a:p>
+            <a:pPr lvl="1"/>
+            <a:r>
+              <a:rPr lang="en-US" dirty="0" smtClean="0"/>
+              <a:t>Handles Processes and Storage across Multiple Processors and Storage Devices.</a:t>
+            </a:r>
+          </a:p>
+          <a:p>
+            <a:pPr lvl="1"/>
+            <a:r>
+              <a:rPr lang="en-US" dirty="0" smtClean="0"/>
+              <a:t>Interconnected using Micro-Services</a:t>
+            </a:r>
+            <a:endParaRPr lang="en-US" dirty="0" smtClean="0"/>
           </a:p>
           <a:p>
             <a:pPr marL="0" indent="0">
@@ -6438,9 +8109,6 @@
               </a:rPr>
               <a:t>Replication</a:t>
             </a:r>
-          </a:p>
-          <a:p>
-            <a:pPr lvl="1"/>
             <a:endParaRPr lang="en-US" dirty="0" smtClean="0">
               <a:solidFill>
                 <a:schemeClr val="tx2">

--- a/specs/stages/Data Pipeline.pptx
+++ b/specs/stages/Data Pipeline.pptx
@@ -199,7 +199,7 @@
           <a:p>
             <a:fld id="{68B00D8E-BD79-47BE-AA74-0D4716B611F1}" type="datetimeFigureOut">
               <a:rPr lang="en-US" smtClean="0"/>
-              <a:t>11/16/2016</a:t>
+              <a:t>11/19/2016</a:t>
             </a:fld>
             <a:endParaRPr lang="en-US"/>
           </a:p>
@@ -556,7 +556,7 @@
             <a:fld id="{81331B57-0BE5-4F82-AA58-76F53EFF3ADA}" type="datetime8">
               <a:rPr lang="en-US" smtClean="0"/>
               <a:pPr/>
-              <a:t>11/16/2016 1:02 PM</a:t>
+              <a:t>11/19/2016 9:02 PM</a:t>
             </a:fld>
             <a:endParaRPr lang="en-US" dirty="0"/>
           </a:p>
@@ -751,7 +751,7 @@
             <a:fld id="{81331B57-0BE5-4F82-AA58-76F53EFF3ADA}" type="datetime8">
               <a:rPr lang="en-US" smtClean="0"/>
               <a:pPr/>
-              <a:t>11/16/2016 1:02 PM</a:t>
+              <a:t>11/19/2016 9:02 PM</a:t>
             </a:fld>
             <a:endParaRPr lang="en-US"/>
           </a:p>
@@ -936,7 +936,7 @@
             <a:fld id="{81331B57-0BE5-4F82-AA58-76F53EFF3ADA}" type="datetime8">
               <a:rPr lang="en-US" smtClean="0"/>
               <a:pPr/>
-              <a:t>11/16/2016 1:02 PM</a:t>
+              <a:t>11/19/2016 9:02 PM</a:t>
             </a:fld>
             <a:endParaRPr lang="en-US"/>
           </a:p>
@@ -1121,7 +1121,7 @@
             <a:fld id="{81331B57-0BE5-4F82-AA58-76F53EFF3ADA}" type="datetime8">
               <a:rPr lang="en-US" smtClean="0"/>
               <a:pPr/>
-              <a:t>11/16/2016 1:12 PM</a:t>
+              <a:t>11/19/2016 9:02 PM</a:t>
             </a:fld>
             <a:endParaRPr lang="en-US"/>
           </a:p>
@@ -1306,7 +1306,7 @@
             <a:fld id="{81331B57-0BE5-4F82-AA58-76F53EFF3ADA}" type="datetime8">
               <a:rPr lang="en-US" smtClean="0"/>
               <a:pPr/>
-              <a:t>11/16/2016 1:18 PM</a:t>
+              <a:t>11/19/2016 9:02 PM</a:t>
             </a:fld>
             <a:endParaRPr lang="en-US"/>
           </a:p>
@@ -1491,7 +1491,7 @@
             <a:fld id="{81331B57-0BE5-4F82-AA58-76F53EFF3ADA}" type="datetime8">
               <a:rPr lang="en-US" smtClean="0"/>
               <a:pPr/>
-              <a:t>11/16/2016 1:02 PM</a:t>
+              <a:t>11/19/2016 9:02 PM</a:t>
             </a:fld>
             <a:endParaRPr lang="en-US"/>
           </a:p>
@@ -1676,7 +1676,7 @@
             <a:fld id="{81331B57-0BE5-4F82-AA58-76F53EFF3ADA}" type="datetime8">
               <a:rPr lang="en-US" smtClean="0"/>
               <a:pPr/>
-              <a:t>11/16/2016 1:02 PM</a:t>
+              <a:t>11/19/2016 9:02 PM</a:t>
             </a:fld>
             <a:endParaRPr lang="en-US"/>
           </a:p>
@@ -5038,7 +5038,7 @@
             </a:r>
             <a:r>
               <a:rPr lang="en-US" dirty="0" smtClean="0"/>
-              <a:t>16, </a:t>
+              <a:t>19, </a:t>
             </a:r>
             <a:r>
               <a:rPr lang="en-US" dirty="0" smtClean="0"/>
@@ -6380,7 +6380,15 @@
             <a:pPr lvl="1"/>
             <a:r>
               <a:rPr lang="en-US" dirty="0" smtClean="0"/>
-              <a:t>Interface for handling process of user/procedure queries on date in data stores.</a:t>
+              <a:t>Interface for handling process of </a:t>
+            </a:r>
+            <a:r>
+              <a:rPr lang="en-US" dirty="0" smtClean="0"/>
+              <a:t>user and stored procedure </a:t>
+            </a:r>
+            <a:r>
+              <a:rPr lang="en-US" dirty="0" smtClean="0"/>
+              <a:t>queries on date in data stores.</a:t>
             </a:r>
           </a:p>
           <a:p>
@@ -6394,8 +6402,13 @@
             <a:pPr lvl="1"/>
             <a:r>
               <a:rPr lang="en-US" dirty="0" smtClean="0"/>
-              <a:t>REST API interface (applications)</a:t>
-            </a:r>
+              <a:t>REST API interface </a:t>
+            </a:r>
+            <a:r>
+              <a:rPr lang="en-US" dirty="0" smtClean="0"/>
+              <a:t>(micro-services)</a:t>
+            </a:r>
+            <a:endParaRPr lang="en-US" dirty="0" smtClean="0"/>
           </a:p>
           <a:p>
             <a:pPr lvl="1"/>
@@ -6627,19 +6640,6 @@
               </a:rPr>
               <a:t>Parse</a:t>
             </a:r>
-            <a:endParaRPr lang="en-US" sz="2300" dirty="0" smtClean="0">
-              <a:solidFill>
-                <a:srgbClr val="FFFFFF"/>
-              </a:solidFill>
-              <a:effectLst>
-                <a:outerShdw blurRad="38100" dist="38100" dir="2700000" algn="tl">
-                  <a:srgbClr val="000000">
-                    <a:alpha val="43137"/>
-                  </a:srgbClr>
-                </a:outerShdw>
-              </a:effectLst>
-              <a:latin typeface="Trebuchet MS" pitchFamily="34" charset="0"/>
-            </a:endParaRPr>
           </a:p>
         </p:txBody>
       </p:sp>
@@ -6711,19 +6711,6 @@
               </a:rPr>
               <a:t>Collection</a:t>
             </a:r>
-            <a:endParaRPr lang="en-US" sz="2300" dirty="0" smtClean="0">
-              <a:solidFill>
-                <a:srgbClr val="FFFFFF"/>
-              </a:solidFill>
-              <a:effectLst>
-                <a:outerShdw blurRad="38100" dist="38100" dir="2700000" algn="tl">
-                  <a:srgbClr val="000000">
-                    <a:alpha val="43137"/>
-                  </a:srgbClr>
-                </a:outerShdw>
-              </a:effectLst>
-              <a:latin typeface="Trebuchet MS" pitchFamily="34" charset="0"/>
-            </a:endParaRPr>
           </a:p>
         </p:txBody>
       </p:sp>
@@ -6795,19 +6782,6 @@
               </a:rPr>
               <a:t>Schema</a:t>
             </a:r>
-            <a:endParaRPr lang="en-US" sz="2300" dirty="0" smtClean="0">
-              <a:solidFill>
-                <a:srgbClr val="FFFFFF"/>
-              </a:solidFill>
-              <a:effectLst>
-                <a:outerShdw blurRad="38100" dist="38100" dir="2700000" algn="tl">
-                  <a:srgbClr val="000000">
-                    <a:alpha val="43137"/>
-                  </a:srgbClr>
-                </a:outerShdw>
-              </a:effectLst>
-              <a:latin typeface="Trebuchet MS" pitchFamily="34" charset="0"/>
-            </a:endParaRPr>
           </a:p>
         </p:txBody>
       </p:sp>
@@ -7143,19 +7117,6 @@
               </a:rPr>
               <a:t>(CSV)</a:t>
             </a:r>
-            <a:endParaRPr lang="en-US" sz="2300" dirty="0" smtClean="0">
-              <a:solidFill>
-                <a:srgbClr val="FFFFFF"/>
-              </a:solidFill>
-              <a:effectLst>
-                <a:outerShdw blurRad="38100" dist="38100" dir="2700000" algn="tl">
-                  <a:srgbClr val="000000">
-                    <a:alpha val="43137"/>
-                  </a:srgbClr>
-                </a:outerShdw>
-              </a:effectLst>
-              <a:latin typeface="Trebuchet MS" pitchFamily="34" charset="0"/>
-            </a:endParaRPr>
           </a:p>
         </p:txBody>
       </p:sp>
@@ -7258,19 +7219,6 @@
               </a:rPr>
               <a:t>(JSON)</a:t>
             </a:r>
-            <a:endParaRPr lang="en-US" sz="2300" dirty="0" smtClean="0">
-              <a:solidFill>
-                <a:srgbClr val="FFFFFF"/>
-              </a:solidFill>
-              <a:effectLst>
-                <a:outerShdw blurRad="38100" dist="38100" dir="2700000" algn="tl">
-                  <a:srgbClr val="000000">
-                    <a:alpha val="43137"/>
-                  </a:srgbClr>
-                </a:outerShdw>
-              </a:effectLst>
-              <a:latin typeface="Trebuchet MS" pitchFamily="34" charset="0"/>
-            </a:endParaRPr>
           </a:p>
         </p:txBody>
       </p:sp>
@@ -7603,13 +7551,6 @@
               </a:rPr>
               <a:t>Predefined Schema</a:t>
             </a:r>
-            <a:endParaRPr lang="en-US" dirty="0" smtClean="0">
-              <a:solidFill>
-                <a:schemeClr val="tx2">
-                  <a:lumMod val="50000"/>
-                </a:schemeClr>
-              </a:solidFill>
-            </a:endParaRPr>
           </a:p>
           <a:p>
             <a:pPr lvl="1"/>
@@ -7816,8 +7757,25 @@
                   </a:schemeClr>
                 </a:solidFill>
               </a:rPr>
-              <a:t>Transform from input formats to internal representation</a:t>
-            </a:r>
+              <a:t>Transform from input formats to internal </a:t>
+            </a:r>
+            <a:r>
+              <a:rPr lang="en-US" dirty="0" smtClean="0">
+                <a:solidFill>
+                  <a:schemeClr val="tx1">
+                    <a:lumMod val="95000"/>
+                  </a:schemeClr>
+                </a:solidFill>
+              </a:rPr>
+              <a:t>data representation</a:t>
+            </a:r>
+            <a:endParaRPr lang="en-US" dirty="0" smtClean="0">
+              <a:solidFill>
+                <a:schemeClr val="tx1">
+                  <a:lumMod val="95000"/>
+                </a:schemeClr>
+              </a:solidFill>
+            </a:endParaRPr>
           </a:p>
           <a:p>
             <a:pPr lvl="1"/>
@@ -8084,7 +8042,6 @@
               <a:rPr lang="en-US" dirty="0" smtClean="0"/>
               <a:t>Interconnected using Micro-Services</a:t>
             </a:r>
-            <a:endParaRPr lang="en-US" dirty="0" smtClean="0"/>
           </a:p>
           <a:p>
             <a:pPr marL="0" indent="0">
@@ -8109,13 +8066,6 @@
               </a:rPr>
               <a:t>Replication</a:t>
             </a:r>
-            <a:endParaRPr lang="en-US" dirty="0" smtClean="0">
-              <a:solidFill>
-                <a:schemeClr val="tx2">
-                  <a:lumMod val="50000"/>
-                </a:schemeClr>
-              </a:solidFill>
-            </a:endParaRPr>
           </a:p>
           <a:p>
             <a:endParaRPr lang="en-US" dirty="0" smtClean="0">

--- a/specs/stages/Data Pipeline.pptx
+++ b/specs/stages/Data Pipeline.pptx
@@ -6,7 +6,7 @@
     <p:sldMasterId id="2147483674" r:id="rId3"/>
   </p:sldMasterIdLst>
   <p:notesMasterIdLst>
-    <p:notesMasterId r:id="rId11"/>
+    <p:notesMasterId r:id="rId18"/>
   </p:notesMasterIdLst>
   <p:sldIdLst>
     <p:sldId id="257" r:id="rId4"/>
@@ -14,8 +14,15 @@
     <p:sldId id="271" r:id="rId6"/>
     <p:sldId id="274" r:id="rId7"/>
     <p:sldId id="275" r:id="rId8"/>
-    <p:sldId id="272" r:id="rId9"/>
-    <p:sldId id="273" r:id="rId10"/>
+    <p:sldId id="276" r:id="rId9"/>
+    <p:sldId id="272" r:id="rId10"/>
+    <p:sldId id="278" r:id="rId11"/>
+    <p:sldId id="277" r:id="rId12"/>
+    <p:sldId id="279" r:id="rId13"/>
+    <p:sldId id="273" r:id="rId14"/>
+    <p:sldId id="280" r:id="rId15"/>
+    <p:sldId id="281" r:id="rId16"/>
+    <p:sldId id="282" r:id="rId17"/>
   </p:sldIdLst>
   <p:sldSz cx="9144000" cy="6858000" type="screen4x3"/>
   <p:notesSz cx="6858000" cy="9144000"/>
@@ -199,7 +206,7 @@
           <a:p>
             <a:fld id="{68B00D8E-BD79-47BE-AA74-0D4716B611F1}" type="datetimeFigureOut">
               <a:rPr lang="en-US" smtClean="0"/>
-              <a:t>11/19/2016</a:t>
+              <a:t>1/21/2017</a:t>
             </a:fld>
             <a:endParaRPr lang="en-US"/>
           </a:p>
@@ -556,7 +563,7 @@
             <a:fld id="{81331B57-0BE5-4F82-AA58-76F53EFF3ADA}" type="datetime8">
               <a:rPr lang="en-US" smtClean="0"/>
               <a:pPr/>
-              <a:t>11/19/2016 9:02 PM</a:t>
+              <a:t>1/21/2017 4:26 PM</a:t>
             </a:fld>
             <a:endParaRPr lang="en-US" dirty="0"/>
           </a:p>
@@ -651,6 +658,931 @@
               <a:rPr lang="en-US" smtClean="0"/>
               <a:pPr/>
               <a:t>1</a:t>
+            </a:fld>
+            <a:endParaRPr lang="en-US" dirty="0"/>
+          </a:p>
+        </p:txBody>
+      </p:sp>
+    </p:spTree>
+  </p:cSld>
+  <p:clrMapOvr>
+    <a:masterClrMapping/>
+  </p:clrMapOvr>
+</p:notes>
+</file>
+
+<file path=ppt/notesSlides/notesSlide10.xml><?xml version="1.0" encoding="utf-8"?>
+<p:notes xmlns:a="http://schemas.openxmlformats.org/drawingml/2006/main" xmlns:r="http://schemas.openxmlformats.org/officeDocument/2006/relationships" xmlns:p="http://schemas.openxmlformats.org/presentationml/2006/main">
+  <p:cSld>
+    <p:spTree>
+      <p:nvGrpSpPr>
+        <p:cNvPr id="1" name=""/>
+        <p:cNvGrpSpPr/>
+        <p:nvPr/>
+      </p:nvGrpSpPr>
+      <p:grpSpPr>
+        <a:xfrm>
+          <a:off x="0" y="0"/>
+          <a:ext cx="0" cy="0"/>
+          <a:chOff x="0" y="0"/>
+          <a:chExt cx="0" cy="0"/>
+        </a:xfrm>
+      </p:grpSpPr>
+      <p:sp>
+        <p:nvSpPr>
+          <p:cNvPr id="2" name="Slide Image Placeholder 1"/>
+          <p:cNvSpPr>
+            <a:spLocks noGrp="1" noRot="1" noChangeAspect="1"/>
+          </p:cNvSpPr>
+          <p:nvPr>
+            <p:ph type="sldImg"/>
+          </p:nvPr>
+        </p:nvSpPr>
+        <p:spPr/>
+      </p:sp>
+      <p:sp>
+        <p:nvSpPr>
+          <p:cNvPr id="3" name="Notes Placeholder 2"/>
+          <p:cNvSpPr>
+            <a:spLocks noGrp="1"/>
+          </p:cNvSpPr>
+          <p:nvPr>
+            <p:ph type="body" idx="1"/>
+          </p:nvPr>
+        </p:nvSpPr>
+        <p:spPr/>
+        <p:txBody>
+          <a:bodyPr>
+            <a:normAutofit/>
+          </a:bodyPr>
+          <a:lstStyle/>
+          <a:p>
+            <a:endParaRPr lang="en-US"/>
+          </a:p>
+        </p:txBody>
+      </p:sp>
+      <p:sp>
+        <p:nvSpPr>
+          <p:cNvPr id="4" name="Header Placeholder 3"/>
+          <p:cNvSpPr>
+            <a:spLocks noGrp="1"/>
+          </p:cNvSpPr>
+          <p:nvPr>
+            <p:ph type="hdr" sz="quarter" idx="10"/>
+          </p:nvPr>
+        </p:nvSpPr>
+        <p:spPr/>
+        <p:txBody>
+          <a:bodyPr/>
+          <a:lstStyle/>
+          <a:p>
+            <a:endParaRPr lang="en-US" dirty="0"/>
+          </a:p>
+        </p:txBody>
+      </p:sp>
+      <p:sp>
+        <p:nvSpPr>
+          <p:cNvPr id="5" name="Date Placeholder 4"/>
+          <p:cNvSpPr>
+            <a:spLocks noGrp="1"/>
+          </p:cNvSpPr>
+          <p:nvPr>
+            <p:ph type="dt" idx="11"/>
+          </p:nvPr>
+        </p:nvSpPr>
+        <p:spPr/>
+        <p:txBody>
+          <a:bodyPr/>
+          <a:lstStyle/>
+          <a:p>
+            <a:fld id="{81331B57-0BE5-4F82-AA58-76F53EFF3ADA}" type="datetime8">
+              <a:rPr lang="en-US" smtClean="0"/>
+              <a:pPr/>
+              <a:t>1/21/2017 5:05 PM</a:t>
+            </a:fld>
+            <a:endParaRPr lang="en-US"/>
+          </a:p>
+        </p:txBody>
+      </p:sp>
+      <p:sp>
+        <p:nvSpPr>
+          <p:cNvPr id="6" name="Footer Placeholder 5"/>
+          <p:cNvSpPr>
+            <a:spLocks noGrp="1"/>
+          </p:cNvSpPr>
+          <p:nvPr>
+            <p:ph type="ftr" sz="quarter" idx="12"/>
+          </p:nvPr>
+        </p:nvSpPr>
+        <p:spPr/>
+        <p:txBody>
+          <a:bodyPr/>
+          <a:lstStyle/>
+          <a:p>
+            <a:r>
+              <a:rPr lang="en-US" dirty="0" smtClean="0">
+                <a:solidFill>
+                  <a:srgbClr val="000000"/>
+                </a:solidFill>
+                <a:latin typeface="Trebuchet MS" pitchFamily="34" charset="0"/>
+              </a:rPr>
+              <a:t>© 2007 Microsoft Corporation. All rights reserved. Microsoft, Windows, Windows Vista and other product names are or may be registered trademarks and/or trademarks in the U.S. and/or other countries.</a:t>
+            </a:r>
+          </a:p>
+          <a:p>
+            <a:r>
+              <a:rPr lang="en-US" dirty="0" smtClean="0">
+                <a:solidFill>
+                  <a:srgbClr val="000000"/>
+                </a:solidFill>
+                <a:latin typeface="Trebuchet MS" pitchFamily="34" charset="0"/>
+              </a:rPr>
+              <a:t>The information herein is for informational purposes only and represents the current view of Microsoft Corporation as of the date of this presentation.  Because Microsoft must respond to changing market conditions, it should not be interpreted to be a commitment on the part of Microsoft, and Microsoft cannot guarantee the accuracy of any information provided after the date of this presentation.  </a:t>
+            </a:r>
+            <a:br>
+              <a:rPr lang="en-US" dirty="0" smtClean="0">
+                <a:solidFill>
+                  <a:srgbClr val="000000"/>
+                </a:solidFill>
+                <a:latin typeface="Trebuchet MS" pitchFamily="34" charset="0"/>
+              </a:rPr>
+            </a:br>
+            <a:r>
+              <a:rPr lang="en-US" dirty="0" smtClean="0">
+                <a:solidFill>
+                  <a:srgbClr val="000000"/>
+                </a:solidFill>
+                <a:latin typeface="Trebuchet MS" pitchFamily="34" charset="0"/>
+              </a:rPr>
+              <a:t>MICROSOFT MAKES NO WARRANTIES, EXPRESS, IMPLIED OR STATUTORY, AS TO THE INFORMATION IN THIS PRESENTATION.</a:t>
+            </a:r>
+          </a:p>
+          <a:p>
+            <a:endParaRPr lang="en-US" dirty="0">
+              <a:latin typeface="Trebuchet MS" pitchFamily="34" charset="0"/>
+            </a:endParaRPr>
+          </a:p>
+        </p:txBody>
+      </p:sp>
+      <p:sp>
+        <p:nvSpPr>
+          <p:cNvPr id="7" name="Slide Number Placeholder 6"/>
+          <p:cNvSpPr>
+            <a:spLocks noGrp="1"/>
+          </p:cNvSpPr>
+          <p:nvPr>
+            <p:ph type="sldNum" sz="quarter" idx="13"/>
+          </p:nvPr>
+        </p:nvSpPr>
+        <p:spPr/>
+        <p:txBody>
+          <a:bodyPr/>
+          <a:lstStyle/>
+          <a:p>
+            <a:fld id="{EC87E0CF-87F6-4B58-B8B8-DCAB2DAAF3CA}" type="slidenum">
+              <a:rPr lang="en-US" smtClean="0"/>
+              <a:pPr/>
+              <a:t>10</a:t>
+            </a:fld>
+            <a:endParaRPr lang="en-US" dirty="0"/>
+          </a:p>
+        </p:txBody>
+      </p:sp>
+    </p:spTree>
+  </p:cSld>
+  <p:clrMapOvr>
+    <a:masterClrMapping/>
+  </p:clrMapOvr>
+</p:notes>
+</file>
+
+<file path=ppt/notesSlides/notesSlide11.xml><?xml version="1.0" encoding="utf-8"?>
+<p:notes xmlns:a="http://schemas.openxmlformats.org/drawingml/2006/main" xmlns:r="http://schemas.openxmlformats.org/officeDocument/2006/relationships" xmlns:p="http://schemas.openxmlformats.org/presentationml/2006/main">
+  <p:cSld>
+    <p:spTree>
+      <p:nvGrpSpPr>
+        <p:cNvPr id="1" name=""/>
+        <p:cNvGrpSpPr/>
+        <p:nvPr/>
+      </p:nvGrpSpPr>
+      <p:grpSpPr>
+        <a:xfrm>
+          <a:off x="0" y="0"/>
+          <a:ext cx="0" cy="0"/>
+          <a:chOff x="0" y="0"/>
+          <a:chExt cx="0" cy="0"/>
+        </a:xfrm>
+      </p:grpSpPr>
+      <p:sp>
+        <p:nvSpPr>
+          <p:cNvPr id="2" name="Slide Image Placeholder 1"/>
+          <p:cNvSpPr>
+            <a:spLocks noGrp="1" noRot="1" noChangeAspect="1"/>
+          </p:cNvSpPr>
+          <p:nvPr>
+            <p:ph type="sldImg"/>
+          </p:nvPr>
+        </p:nvSpPr>
+        <p:spPr/>
+      </p:sp>
+      <p:sp>
+        <p:nvSpPr>
+          <p:cNvPr id="3" name="Notes Placeholder 2"/>
+          <p:cNvSpPr>
+            <a:spLocks noGrp="1"/>
+          </p:cNvSpPr>
+          <p:nvPr>
+            <p:ph type="body" idx="1"/>
+          </p:nvPr>
+        </p:nvSpPr>
+        <p:spPr/>
+        <p:txBody>
+          <a:bodyPr>
+            <a:normAutofit/>
+          </a:bodyPr>
+          <a:lstStyle/>
+          <a:p>
+            <a:endParaRPr lang="en-US"/>
+          </a:p>
+        </p:txBody>
+      </p:sp>
+      <p:sp>
+        <p:nvSpPr>
+          <p:cNvPr id="4" name="Header Placeholder 3"/>
+          <p:cNvSpPr>
+            <a:spLocks noGrp="1"/>
+          </p:cNvSpPr>
+          <p:nvPr>
+            <p:ph type="hdr" sz="quarter" idx="10"/>
+          </p:nvPr>
+        </p:nvSpPr>
+        <p:spPr/>
+        <p:txBody>
+          <a:bodyPr/>
+          <a:lstStyle/>
+          <a:p>
+            <a:endParaRPr lang="en-US" dirty="0"/>
+          </a:p>
+        </p:txBody>
+      </p:sp>
+      <p:sp>
+        <p:nvSpPr>
+          <p:cNvPr id="5" name="Date Placeholder 4"/>
+          <p:cNvSpPr>
+            <a:spLocks noGrp="1"/>
+          </p:cNvSpPr>
+          <p:nvPr>
+            <p:ph type="dt" idx="11"/>
+          </p:nvPr>
+        </p:nvSpPr>
+        <p:spPr/>
+        <p:txBody>
+          <a:bodyPr/>
+          <a:lstStyle/>
+          <a:p>
+            <a:fld id="{81331B57-0BE5-4F82-AA58-76F53EFF3ADA}" type="datetime8">
+              <a:rPr lang="en-US" smtClean="0"/>
+              <a:pPr/>
+              <a:t>1/21/2017 4:26 PM</a:t>
+            </a:fld>
+            <a:endParaRPr lang="en-US"/>
+          </a:p>
+        </p:txBody>
+      </p:sp>
+      <p:sp>
+        <p:nvSpPr>
+          <p:cNvPr id="6" name="Footer Placeholder 5"/>
+          <p:cNvSpPr>
+            <a:spLocks noGrp="1"/>
+          </p:cNvSpPr>
+          <p:nvPr>
+            <p:ph type="ftr" sz="quarter" idx="12"/>
+          </p:nvPr>
+        </p:nvSpPr>
+        <p:spPr/>
+        <p:txBody>
+          <a:bodyPr/>
+          <a:lstStyle/>
+          <a:p>
+            <a:r>
+              <a:rPr lang="en-US" dirty="0" smtClean="0">
+                <a:solidFill>
+                  <a:srgbClr val="000000"/>
+                </a:solidFill>
+                <a:latin typeface="Trebuchet MS" pitchFamily="34" charset="0"/>
+              </a:rPr>
+              <a:t>© 2007 Microsoft Corporation. All rights reserved. Microsoft, Windows, Windows Vista and other product names are or may be registered trademarks and/or trademarks in the U.S. and/or other countries.</a:t>
+            </a:r>
+          </a:p>
+          <a:p>
+            <a:r>
+              <a:rPr lang="en-US" dirty="0" smtClean="0">
+                <a:solidFill>
+                  <a:srgbClr val="000000"/>
+                </a:solidFill>
+                <a:latin typeface="Trebuchet MS" pitchFamily="34" charset="0"/>
+              </a:rPr>
+              <a:t>The information herein is for informational purposes only and represents the current view of Microsoft Corporation as of the date of this presentation.  Because Microsoft must respond to changing market conditions, it should not be interpreted to be a commitment on the part of Microsoft, and Microsoft cannot guarantee the accuracy of any information provided after the date of this presentation.  </a:t>
+            </a:r>
+            <a:br>
+              <a:rPr lang="en-US" dirty="0" smtClean="0">
+                <a:solidFill>
+                  <a:srgbClr val="000000"/>
+                </a:solidFill>
+                <a:latin typeface="Trebuchet MS" pitchFamily="34" charset="0"/>
+              </a:rPr>
+            </a:br>
+            <a:r>
+              <a:rPr lang="en-US" dirty="0" smtClean="0">
+                <a:solidFill>
+                  <a:srgbClr val="000000"/>
+                </a:solidFill>
+                <a:latin typeface="Trebuchet MS" pitchFamily="34" charset="0"/>
+              </a:rPr>
+              <a:t>MICROSOFT MAKES NO WARRANTIES, EXPRESS, IMPLIED OR STATUTORY, AS TO THE INFORMATION IN THIS PRESENTATION.</a:t>
+            </a:r>
+          </a:p>
+          <a:p>
+            <a:endParaRPr lang="en-US" dirty="0">
+              <a:latin typeface="Trebuchet MS" pitchFamily="34" charset="0"/>
+            </a:endParaRPr>
+          </a:p>
+        </p:txBody>
+      </p:sp>
+      <p:sp>
+        <p:nvSpPr>
+          <p:cNvPr id="7" name="Slide Number Placeholder 6"/>
+          <p:cNvSpPr>
+            <a:spLocks noGrp="1"/>
+          </p:cNvSpPr>
+          <p:nvPr>
+            <p:ph type="sldNum" sz="quarter" idx="13"/>
+          </p:nvPr>
+        </p:nvSpPr>
+        <p:spPr/>
+        <p:txBody>
+          <a:bodyPr/>
+          <a:lstStyle/>
+          <a:p>
+            <a:fld id="{EC87E0CF-87F6-4B58-B8B8-DCAB2DAAF3CA}" type="slidenum">
+              <a:rPr lang="en-US" smtClean="0"/>
+              <a:pPr/>
+              <a:t>11</a:t>
+            </a:fld>
+            <a:endParaRPr lang="en-US" dirty="0"/>
+          </a:p>
+        </p:txBody>
+      </p:sp>
+    </p:spTree>
+  </p:cSld>
+  <p:clrMapOvr>
+    <a:masterClrMapping/>
+  </p:clrMapOvr>
+</p:notes>
+</file>
+
+<file path=ppt/notesSlides/notesSlide12.xml><?xml version="1.0" encoding="utf-8"?>
+<p:notes xmlns:a="http://schemas.openxmlformats.org/drawingml/2006/main" xmlns:r="http://schemas.openxmlformats.org/officeDocument/2006/relationships" xmlns:p="http://schemas.openxmlformats.org/presentationml/2006/main">
+  <p:cSld>
+    <p:spTree>
+      <p:nvGrpSpPr>
+        <p:cNvPr id="1" name=""/>
+        <p:cNvGrpSpPr/>
+        <p:nvPr/>
+      </p:nvGrpSpPr>
+      <p:grpSpPr>
+        <a:xfrm>
+          <a:off x="0" y="0"/>
+          <a:ext cx="0" cy="0"/>
+          <a:chOff x="0" y="0"/>
+          <a:chExt cx="0" cy="0"/>
+        </a:xfrm>
+      </p:grpSpPr>
+      <p:sp>
+        <p:nvSpPr>
+          <p:cNvPr id="2" name="Slide Image Placeholder 1"/>
+          <p:cNvSpPr>
+            <a:spLocks noGrp="1" noRot="1" noChangeAspect="1"/>
+          </p:cNvSpPr>
+          <p:nvPr>
+            <p:ph type="sldImg"/>
+          </p:nvPr>
+        </p:nvSpPr>
+        <p:spPr/>
+      </p:sp>
+      <p:sp>
+        <p:nvSpPr>
+          <p:cNvPr id="3" name="Notes Placeholder 2"/>
+          <p:cNvSpPr>
+            <a:spLocks noGrp="1"/>
+          </p:cNvSpPr>
+          <p:nvPr>
+            <p:ph type="body" idx="1"/>
+          </p:nvPr>
+        </p:nvSpPr>
+        <p:spPr/>
+        <p:txBody>
+          <a:bodyPr>
+            <a:normAutofit/>
+          </a:bodyPr>
+          <a:lstStyle/>
+          <a:p>
+            <a:endParaRPr lang="en-US"/>
+          </a:p>
+        </p:txBody>
+      </p:sp>
+      <p:sp>
+        <p:nvSpPr>
+          <p:cNvPr id="4" name="Header Placeholder 3"/>
+          <p:cNvSpPr>
+            <a:spLocks noGrp="1"/>
+          </p:cNvSpPr>
+          <p:nvPr>
+            <p:ph type="hdr" sz="quarter" idx="10"/>
+          </p:nvPr>
+        </p:nvSpPr>
+        <p:spPr/>
+        <p:txBody>
+          <a:bodyPr/>
+          <a:lstStyle/>
+          <a:p>
+            <a:endParaRPr lang="en-US" dirty="0"/>
+          </a:p>
+        </p:txBody>
+      </p:sp>
+      <p:sp>
+        <p:nvSpPr>
+          <p:cNvPr id="5" name="Date Placeholder 4"/>
+          <p:cNvSpPr>
+            <a:spLocks noGrp="1"/>
+          </p:cNvSpPr>
+          <p:nvPr>
+            <p:ph type="dt" idx="11"/>
+          </p:nvPr>
+        </p:nvSpPr>
+        <p:spPr/>
+        <p:txBody>
+          <a:bodyPr/>
+          <a:lstStyle/>
+          <a:p>
+            <a:fld id="{81331B57-0BE5-4F82-AA58-76F53EFF3ADA}" type="datetime8">
+              <a:rPr lang="en-US" smtClean="0"/>
+              <a:pPr/>
+              <a:t>1/21/2017 5:07 PM</a:t>
+            </a:fld>
+            <a:endParaRPr lang="en-US"/>
+          </a:p>
+        </p:txBody>
+      </p:sp>
+      <p:sp>
+        <p:nvSpPr>
+          <p:cNvPr id="6" name="Footer Placeholder 5"/>
+          <p:cNvSpPr>
+            <a:spLocks noGrp="1"/>
+          </p:cNvSpPr>
+          <p:nvPr>
+            <p:ph type="ftr" sz="quarter" idx="12"/>
+          </p:nvPr>
+        </p:nvSpPr>
+        <p:spPr/>
+        <p:txBody>
+          <a:bodyPr/>
+          <a:lstStyle/>
+          <a:p>
+            <a:r>
+              <a:rPr lang="en-US" dirty="0" smtClean="0">
+                <a:solidFill>
+                  <a:srgbClr val="000000"/>
+                </a:solidFill>
+                <a:latin typeface="Trebuchet MS" pitchFamily="34" charset="0"/>
+              </a:rPr>
+              <a:t>© 2007 Microsoft Corporation. All rights reserved. Microsoft, Windows, Windows Vista and other product names are or may be registered trademarks and/or trademarks in the U.S. and/or other countries.</a:t>
+            </a:r>
+          </a:p>
+          <a:p>
+            <a:r>
+              <a:rPr lang="en-US" dirty="0" smtClean="0">
+                <a:solidFill>
+                  <a:srgbClr val="000000"/>
+                </a:solidFill>
+                <a:latin typeface="Trebuchet MS" pitchFamily="34" charset="0"/>
+              </a:rPr>
+              <a:t>The information herein is for informational purposes only and represents the current view of Microsoft Corporation as of the date of this presentation.  Because Microsoft must respond to changing market conditions, it should not be interpreted to be a commitment on the part of Microsoft, and Microsoft cannot guarantee the accuracy of any information provided after the date of this presentation.  </a:t>
+            </a:r>
+            <a:br>
+              <a:rPr lang="en-US" dirty="0" smtClean="0">
+                <a:solidFill>
+                  <a:srgbClr val="000000"/>
+                </a:solidFill>
+                <a:latin typeface="Trebuchet MS" pitchFamily="34" charset="0"/>
+              </a:rPr>
+            </a:br>
+            <a:r>
+              <a:rPr lang="en-US" dirty="0" smtClean="0">
+                <a:solidFill>
+                  <a:srgbClr val="000000"/>
+                </a:solidFill>
+                <a:latin typeface="Trebuchet MS" pitchFamily="34" charset="0"/>
+              </a:rPr>
+              <a:t>MICROSOFT MAKES NO WARRANTIES, EXPRESS, IMPLIED OR STATUTORY, AS TO THE INFORMATION IN THIS PRESENTATION.</a:t>
+            </a:r>
+          </a:p>
+          <a:p>
+            <a:endParaRPr lang="en-US" dirty="0">
+              <a:latin typeface="Trebuchet MS" pitchFamily="34" charset="0"/>
+            </a:endParaRPr>
+          </a:p>
+        </p:txBody>
+      </p:sp>
+      <p:sp>
+        <p:nvSpPr>
+          <p:cNvPr id="7" name="Slide Number Placeholder 6"/>
+          <p:cNvSpPr>
+            <a:spLocks noGrp="1"/>
+          </p:cNvSpPr>
+          <p:nvPr>
+            <p:ph type="sldNum" sz="quarter" idx="13"/>
+          </p:nvPr>
+        </p:nvSpPr>
+        <p:spPr/>
+        <p:txBody>
+          <a:bodyPr/>
+          <a:lstStyle/>
+          <a:p>
+            <a:fld id="{EC87E0CF-87F6-4B58-B8B8-DCAB2DAAF3CA}" type="slidenum">
+              <a:rPr lang="en-US" smtClean="0"/>
+              <a:pPr/>
+              <a:t>12</a:t>
+            </a:fld>
+            <a:endParaRPr lang="en-US" dirty="0"/>
+          </a:p>
+        </p:txBody>
+      </p:sp>
+    </p:spTree>
+  </p:cSld>
+  <p:clrMapOvr>
+    <a:masterClrMapping/>
+  </p:clrMapOvr>
+</p:notes>
+</file>
+
+<file path=ppt/notesSlides/notesSlide13.xml><?xml version="1.0" encoding="utf-8"?>
+<p:notes xmlns:a="http://schemas.openxmlformats.org/drawingml/2006/main" xmlns:r="http://schemas.openxmlformats.org/officeDocument/2006/relationships" xmlns:p="http://schemas.openxmlformats.org/presentationml/2006/main">
+  <p:cSld>
+    <p:spTree>
+      <p:nvGrpSpPr>
+        <p:cNvPr id="1" name=""/>
+        <p:cNvGrpSpPr/>
+        <p:nvPr/>
+      </p:nvGrpSpPr>
+      <p:grpSpPr>
+        <a:xfrm>
+          <a:off x="0" y="0"/>
+          <a:ext cx="0" cy="0"/>
+          <a:chOff x="0" y="0"/>
+          <a:chExt cx="0" cy="0"/>
+        </a:xfrm>
+      </p:grpSpPr>
+      <p:sp>
+        <p:nvSpPr>
+          <p:cNvPr id="2" name="Slide Image Placeholder 1"/>
+          <p:cNvSpPr>
+            <a:spLocks noGrp="1" noRot="1" noChangeAspect="1"/>
+          </p:cNvSpPr>
+          <p:nvPr>
+            <p:ph type="sldImg"/>
+          </p:nvPr>
+        </p:nvSpPr>
+        <p:spPr/>
+      </p:sp>
+      <p:sp>
+        <p:nvSpPr>
+          <p:cNvPr id="3" name="Notes Placeholder 2"/>
+          <p:cNvSpPr>
+            <a:spLocks noGrp="1"/>
+          </p:cNvSpPr>
+          <p:nvPr>
+            <p:ph type="body" idx="1"/>
+          </p:nvPr>
+        </p:nvSpPr>
+        <p:spPr/>
+        <p:txBody>
+          <a:bodyPr>
+            <a:normAutofit/>
+          </a:bodyPr>
+          <a:lstStyle/>
+          <a:p>
+            <a:endParaRPr lang="en-US"/>
+          </a:p>
+        </p:txBody>
+      </p:sp>
+      <p:sp>
+        <p:nvSpPr>
+          <p:cNvPr id="4" name="Header Placeholder 3"/>
+          <p:cNvSpPr>
+            <a:spLocks noGrp="1"/>
+          </p:cNvSpPr>
+          <p:nvPr>
+            <p:ph type="hdr" sz="quarter" idx="10"/>
+          </p:nvPr>
+        </p:nvSpPr>
+        <p:spPr/>
+        <p:txBody>
+          <a:bodyPr/>
+          <a:lstStyle/>
+          <a:p>
+            <a:endParaRPr lang="en-US" dirty="0"/>
+          </a:p>
+        </p:txBody>
+      </p:sp>
+      <p:sp>
+        <p:nvSpPr>
+          <p:cNvPr id="5" name="Date Placeholder 4"/>
+          <p:cNvSpPr>
+            <a:spLocks noGrp="1"/>
+          </p:cNvSpPr>
+          <p:nvPr>
+            <p:ph type="dt" idx="11"/>
+          </p:nvPr>
+        </p:nvSpPr>
+        <p:spPr/>
+        <p:txBody>
+          <a:bodyPr/>
+          <a:lstStyle/>
+          <a:p>
+            <a:fld id="{81331B57-0BE5-4F82-AA58-76F53EFF3ADA}" type="datetime8">
+              <a:rPr lang="en-US" smtClean="0"/>
+              <a:pPr/>
+              <a:t>1/21/2017 5:21 PM</a:t>
+            </a:fld>
+            <a:endParaRPr lang="en-US"/>
+          </a:p>
+        </p:txBody>
+      </p:sp>
+      <p:sp>
+        <p:nvSpPr>
+          <p:cNvPr id="6" name="Footer Placeholder 5"/>
+          <p:cNvSpPr>
+            <a:spLocks noGrp="1"/>
+          </p:cNvSpPr>
+          <p:nvPr>
+            <p:ph type="ftr" sz="quarter" idx="12"/>
+          </p:nvPr>
+        </p:nvSpPr>
+        <p:spPr/>
+        <p:txBody>
+          <a:bodyPr/>
+          <a:lstStyle/>
+          <a:p>
+            <a:r>
+              <a:rPr lang="en-US" dirty="0" smtClean="0">
+                <a:solidFill>
+                  <a:srgbClr val="000000"/>
+                </a:solidFill>
+                <a:latin typeface="Trebuchet MS" pitchFamily="34" charset="0"/>
+              </a:rPr>
+              <a:t>© 2007 Microsoft Corporation. All rights reserved. Microsoft, Windows, Windows Vista and other product names are or may be registered trademarks and/or trademarks in the U.S. and/or other countries.</a:t>
+            </a:r>
+          </a:p>
+          <a:p>
+            <a:r>
+              <a:rPr lang="en-US" dirty="0" smtClean="0">
+                <a:solidFill>
+                  <a:srgbClr val="000000"/>
+                </a:solidFill>
+                <a:latin typeface="Trebuchet MS" pitchFamily="34" charset="0"/>
+              </a:rPr>
+              <a:t>The information herein is for informational purposes only and represents the current view of Microsoft Corporation as of the date of this presentation.  Because Microsoft must respond to changing market conditions, it should not be interpreted to be a commitment on the part of Microsoft, and Microsoft cannot guarantee the accuracy of any information provided after the date of this presentation.  </a:t>
+            </a:r>
+            <a:br>
+              <a:rPr lang="en-US" dirty="0" smtClean="0">
+                <a:solidFill>
+                  <a:srgbClr val="000000"/>
+                </a:solidFill>
+                <a:latin typeface="Trebuchet MS" pitchFamily="34" charset="0"/>
+              </a:rPr>
+            </a:br>
+            <a:r>
+              <a:rPr lang="en-US" dirty="0" smtClean="0">
+                <a:solidFill>
+                  <a:srgbClr val="000000"/>
+                </a:solidFill>
+                <a:latin typeface="Trebuchet MS" pitchFamily="34" charset="0"/>
+              </a:rPr>
+              <a:t>MICROSOFT MAKES NO WARRANTIES, EXPRESS, IMPLIED OR STATUTORY, AS TO THE INFORMATION IN THIS PRESENTATION.</a:t>
+            </a:r>
+          </a:p>
+          <a:p>
+            <a:endParaRPr lang="en-US" dirty="0">
+              <a:latin typeface="Trebuchet MS" pitchFamily="34" charset="0"/>
+            </a:endParaRPr>
+          </a:p>
+        </p:txBody>
+      </p:sp>
+      <p:sp>
+        <p:nvSpPr>
+          <p:cNvPr id="7" name="Slide Number Placeholder 6"/>
+          <p:cNvSpPr>
+            <a:spLocks noGrp="1"/>
+          </p:cNvSpPr>
+          <p:nvPr>
+            <p:ph type="sldNum" sz="quarter" idx="13"/>
+          </p:nvPr>
+        </p:nvSpPr>
+        <p:spPr/>
+        <p:txBody>
+          <a:bodyPr/>
+          <a:lstStyle/>
+          <a:p>
+            <a:fld id="{EC87E0CF-87F6-4B58-B8B8-DCAB2DAAF3CA}" type="slidenum">
+              <a:rPr lang="en-US" smtClean="0"/>
+              <a:pPr/>
+              <a:t>13</a:t>
+            </a:fld>
+            <a:endParaRPr lang="en-US" dirty="0"/>
+          </a:p>
+        </p:txBody>
+      </p:sp>
+    </p:spTree>
+  </p:cSld>
+  <p:clrMapOvr>
+    <a:masterClrMapping/>
+  </p:clrMapOvr>
+</p:notes>
+</file>
+
+<file path=ppt/notesSlides/notesSlide14.xml><?xml version="1.0" encoding="utf-8"?>
+<p:notes xmlns:a="http://schemas.openxmlformats.org/drawingml/2006/main" xmlns:r="http://schemas.openxmlformats.org/officeDocument/2006/relationships" xmlns:p="http://schemas.openxmlformats.org/presentationml/2006/main">
+  <p:cSld>
+    <p:spTree>
+      <p:nvGrpSpPr>
+        <p:cNvPr id="1" name=""/>
+        <p:cNvGrpSpPr/>
+        <p:nvPr/>
+      </p:nvGrpSpPr>
+      <p:grpSpPr>
+        <a:xfrm>
+          <a:off x="0" y="0"/>
+          <a:ext cx="0" cy="0"/>
+          <a:chOff x="0" y="0"/>
+          <a:chExt cx="0" cy="0"/>
+        </a:xfrm>
+      </p:grpSpPr>
+      <p:sp>
+        <p:nvSpPr>
+          <p:cNvPr id="2" name="Slide Image Placeholder 1"/>
+          <p:cNvSpPr>
+            <a:spLocks noGrp="1" noRot="1" noChangeAspect="1"/>
+          </p:cNvSpPr>
+          <p:nvPr>
+            <p:ph type="sldImg"/>
+          </p:nvPr>
+        </p:nvSpPr>
+        <p:spPr/>
+      </p:sp>
+      <p:sp>
+        <p:nvSpPr>
+          <p:cNvPr id="3" name="Notes Placeholder 2"/>
+          <p:cNvSpPr>
+            <a:spLocks noGrp="1"/>
+          </p:cNvSpPr>
+          <p:nvPr>
+            <p:ph type="body" idx="1"/>
+          </p:nvPr>
+        </p:nvSpPr>
+        <p:spPr/>
+        <p:txBody>
+          <a:bodyPr>
+            <a:normAutofit/>
+          </a:bodyPr>
+          <a:lstStyle/>
+          <a:p>
+            <a:endParaRPr lang="en-US"/>
+          </a:p>
+        </p:txBody>
+      </p:sp>
+      <p:sp>
+        <p:nvSpPr>
+          <p:cNvPr id="4" name="Header Placeholder 3"/>
+          <p:cNvSpPr>
+            <a:spLocks noGrp="1"/>
+          </p:cNvSpPr>
+          <p:nvPr>
+            <p:ph type="hdr" sz="quarter" idx="10"/>
+          </p:nvPr>
+        </p:nvSpPr>
+        <p:spPr/>
+        <p:txBody>
+          <a:bodyPr/>
+          <a:lstStyle/>
+          <a:p>
+            <a:endParaRPr lang="en-US" dirty="0"/>
+          </a:p>
+        </p:txBody>
+      </p:sp>
+      <p:sp>
+        <p:nvSpPr>
+          <p:cNvPr id="5" name="Date Placeholder 4"/>
+          <p:cNvSpPr>
+            <a:spLocks noGrp="1"/>
+          </p:cNvSpPr>
+          <p:nvPr>
+            <p:ph type="dt" idx="11"/>
+          </p:nvPr>
+        </p:nvSpPr>
+        <p:spPr/>
+        <p:txBody>
+          <a:bodyPr/>
+          <a:lstStyle/>
+          <a:p>
+            <a:fld id="{81331B57-0BE5-4F82-AA58-76F53EFF3ADA}" type="datetime8">
+              <a:rPr lang="en-US" smtClean="0"/>
+              <a:pPr/>
+              <a:t>1/21/2017 5:21 PM</a:t>
+            </a:fld>
+            <a:endParaRPr lang="en-US"/>
+          </a:p>
+        </p:txBody>
+      </p:sp>
+      <p:sp>
+        <p:nvSpPr>
+          <p:cNvPr id="6" name="Footer Placeholder 5"/>
+          <p:cNvSpPr>
+            <a:spLocks noGrp="1"/>
+          </p:cNvSpPr>
+          <p:nvPr>
+            <p:ph type="ftr" sz="quarter" idx="12"/>
+          </p:nvPr>
+        </p:nvSpPr>
+        <p:spPr/>
+        <p:txBody>
+          <a:bodyPr/>
+          <a:lstStyle/>
+          <a:p>
+            <a:r>
+              <a:rPr lang="en-US" dirty="0" smtClean="0">
+                <a:solidFill>
+                  <a:srgbClr val="000000"/>
+                </a:solidFill>
+                <a:latin typeface="Trebuchet MS" pitchFamily="34" charset="0"/>
+              </a:rPr>
+              <a:t>© 2007 Microsoft Corporation. All rights reserved. Microsoft, Windows, Windows Vista and other product names are or may be registered trademarks and/or trademarks in the U.S. and/or other countries.</a:t>
+            </a:r>
+          </a:p>
+          <a:p>
+            <a:r>
+              <a:rPr lang="en-US" dirty="0" smtClean="0">
+                <a:solidFill>
+                  <a:srgbClr val="000000"/>
+                </a:solidFill>
+                <a:latin typeface="Trebuchet MS" pitchFamily="34" charset="0"/>
+              </a:rPr>
+              <a:t>The information herein is for informational purposes only and represents the current view of Microsoft Corporation as of the date of this presentation.  Because Microsoft must respond to changing market conditions, it should not be interpreted to be a commitment on the part of Microsoft, and Microsoft cannot guarantee the accuracy of any information provided after the date of this presentation.  </a:t>
+            </a:r>
+            <a:br>
+              <a:rPr lang="en-US" dirty="0" smtClean="0">
+                <a:solidFill>
+                  <a:srgbClr val="000000"/>
+                </a:solidFill>
+                <a:latin typeface="Trebuchet MS" pitchFamily="34" charset="0"/>
+              </a:rPr>
+            </a:br>
+            <a:r>
+              <a:rPr lang="en-US" dirty="0" smtClean="0">
+                <a:solidFill>
+                  <a:srgbClr val="000000"/>
+                </a:solidFill>
+                <a:latin typeface="Trebuchet MS" pitchFamily="34" charset="0"/>
+              </a:rPr>
+              <a:t>MICROSOFT MAKES NO WARRANTIES, EXPRESS, IMPLIED OR STATUTORY, AS TO THE INFORMATION IN THIS PRESENTATION.</a:t>
+            </a:r>
+          </a:p>
+          <a:p>
+            <a:endParaRPr lang="en-US" dirty="0">
+              <a:latin typeface="Trebuchet MS" pitchFamily="34" charset="0"/>
+            </a:endParaRPr>
+          </a:p>
+        </p:txBody>
+      </p:sp>
+      <p:sp>
+        <p:nvSpPr>
+          <p:cNvPr id="7" name="Slide Number Placeholder 6"/>
+          <p:cNvSpPr>
+            <a:spLocks noGrp="1"/>
+          </p:cNvSpPr>
+          <p:nvPr>
+            <p:ph type="sldNum" sz="quarter" idx="13"/>
+          </p:nvPr>
+        </p:nvSpPr>
+        <p:spPr/>
+        <p:txBody>
+          <a:bodyPr/>
+          <a:lstStyle/>
+          <a:p>
+            <a:fld id="{EC87E0CF-87F6-4B58-B8B8-DCAB2DAAF3CA}" type="slidenum">
+              <a:rPr lang="en-US" smtClean="0"/>
+              <a:pPr/>
+              <a:t>14</a:t>
             </a:fld>
             <a:endParaRPr lang="en-US" dirty="0"/>
           </a:p>
@@ -751,7 +1683,7 @@
             <a:fld id="{81331B57-0BE5-4F82-AA58-76F53EFF3ADA}" type="datetime8">
               <a:rPr lang="en-US" smtClean="0"/>
               <a:pPr/>
-              <a:t>11/19/2016 9:02 PM</a:t>
+              <a:t>1/21/2017 4:26 PM</a:t>
             </a:fld>
             <a:endParaRPr lang="en-US"/>
           </a:p>
@@ -936,7 +1868,7 @@
             <a:fld id="{81331B57-0BE5-4F82-AA58-76F53EFF3ADA}" type="datetime8">
               <a:rPr lang="en-US" smtClean="0"/>
               <a:pPr/>
-              <a:t>11/19/2016 9:02 PM</a:t>
+              <a:t>1/21/2017 4:26 PM</a:t>
             </a:fld>
             <a:endParaRPr lang="en-US"/>
           </a:p>
@@ -1121,7 +2053,7 @@
             <a:fld id="{81331B57-0BE5-4F82-AA58-76F53EFF3ADA}" type="datetime8">
               <a:rPr lang="en-US" smtClean="0"/>
               <a:pPr/>
-              <a:t>11/19/2016 9:02 PM</a:t>
+              <a:t>1/21/2017 4:26 PM</a:t>
             </a:fld>
             <a:endParaRPr lang="en-US"/>
           </a:p>
@@ -1306,7 +2238,7 @@
             <a:fld id="{81331B57-0BE5-4F82-AA58-76F53EFF3ADA}" type="datetime8">
               <a:rPr lang="en-US" smtClean="0"/>
               <a:pPr/>
-              <a:t>11/19/2016 9:02 PM</a:t>
+              <a:t>1/21/2017 4:26 PM</a:t>
             </a:fld>
             <a:endParaRPr lang="en-US"/>
           </a:p>
@@ -1491,7 +2423,7 @@
             <a:fld id="{81331B57-0BE5-4F82-AA58-76F53EFF3ADA}" type="datetime8">
               <a:rPr lang="en-US" smtClean="0"/>
               <a:pPr/>
-              <a:t>11/19/2016 9:02 PM</a:t>
+              <a:t>1/21/2017 4:43 PM</a:t>
             </a:fld>
             <a:endParaRPr lang="en-US"/>
           </a:p>
@@ -1635,7 +2567,7 @@
           </a:bodyPr>
           <a:lstStyle/>
           <a:p>
-            <a:endParaRPr lang="en-US"/>
+            <a:endParaRPr lang="en-US" dirty="0"/>
           </a:p>
         </p:txBody>
       </p:sp>
@@ -1676,7 +2608,7 @@
             <a:fld id="{81331B57-0BE5-4F82-AA58-76F53EFF3ADA}" type="datetime8">
               <a:rPr lang="en-US" smtClean="0"/>
               <a:pPr/>
-              <a:t>11/19/2016 9:02 PM</a:t>
+              <a:t>1/21/2017 4:26 PM</a:t>
             </a:fld>
             <a:endParaRPr lang="en-US"/>
           </a:p>
@@ -1761,6 +2693,376 @@
               <a:rPr lang="en-US" smtClean="0"/>
               <a:pPr/>
               <a:t>7</a:t>
+            </a:fld>
+            <a:endParaRPr lang="en-US" dirty="0"/>
+          </a:p>
+        </p:txBody>
+      </p:sp>
+    </p:spTree>
+  </p:cSld>
+  <p:clrMapOvr>
+    <a:masterClrMapping/>
+  </p:clrMapOvr>
+</p:notes>
+</file>
+
+<file path=ppt/notesSlides/notesSlide8.xml><?xml version="1.0" encoding="utf-8"?>
+<p:notes xmlns:a="http://schemas.openxmlformats.org/drawingml/2006/main" xmlns:r="http://schemas.openxmlformats.org/officeDocument/2006/relationships" xmlns:p="http://schemas.openxmlformats.org/presentationml/2006/main">
+  <p:cSld>
+    <p:spTree>
+      <p:nvGrpSpPr>
+        <p:cNvPr id="1" name=""/>
+        <p:cNvGrpSpPr/>
+        <p:nvPr/>
+      </p:nvGrpSpPr>
+      <p:grpSpPr>
+        <a:xfrm>
+          <a:off x="0" y="0"/>
+          <a:ext cx="0" cy="0"/>
+          <a:chOff x="0" y="0"/>
+          <a:chExt cx="0" cy="0"/>
+        </a:xfrm>
+      </p:grpSpPr>
+      <p:sp>
+        <p:nvSpPr>
+          <p:cNvPr id="2" name="Slide Image Placeholder 1"/>
+          <p:cNvSpPr>
+            <a:spLocks noGrp="1" noRot="1" noChangeAspect="1"/>
+          </p:cNvSpPr>
+          <p:nvPr>
+            <p:ph type="sldImg"/>
+          </p:nvPr>
+        </p:nvSpPr>
+        <p:spPr/>
+      </p:sp>
+      <p:sp>
+        <p:nvSpPr>
+          <p:cNvPr id="3" name="Notes Placeholder 2"/>
+          <p:cNvSpPr>
+            <a:spLocks noGrp="1"/>
+          </p:cNvSpPr>
+          <p:nvPr>
+            <p:ph type="body" idx="1"/>
+          </p:nvPr>
+        </p:nvSpPr>
+        <p:spPr/>
+        <p:txBody>
+          <a:bodyPr>
+            <a:normAutofit/>
+          </a:bodyPr>
+          <a:lstStyle/>
+          <a:p>
+            <a:endParaRPr lang="en-US"/>
+          </a:p>
+        </p:txBody>
+      </p:sp>
+      <p:sp>
+        <p:nvSpPr>
+          <p:cNvPr id="4" name="Header Placeholder 3"/>
+          <p:cNvSpPr>
+            <a:spLocks noGrp="1"/>
+          </p:cNvSpPr>
+          <p:nvPr>
+            <p:ph type="hdr" sz="quarter" idx="10"/>
+          </p:nvPr>
+        </p:nvSpPr>
+        <p:spPr/>
+        <p:txBody>
+          <a:bodyPr/>
+          <a:lstStyle/>
+          <a:p>
+            <a:endParaRPr lang="en-US" dirty="0"/>
+          </a:p>
+        </p:txBody>
+      </p:sp>
+      <p:sp>
+        <p:nvSpPr>
+          <p:cNvPr id="5" name="Date Placeholder 4"/>
+          <p:cNvSpPr>
+            <a:spLocks noGrp="1"/>
+          </p:cNvSpPr>
+          <p:nvPr>
+            <p:ph type="dt" idx="11"/>
+          </p:nvPr>
+        </p:nvSpPr>
+        <p:spPr/>
+        <p:txBody>
+          <a:bodyPr/>
+          <a:lstStyle/>
+          <a:p>
+            <a:fld id="{81331B57-0BE5-4F82-AA58-76F53EFF3ADA}" type="datetime8">
+              <a:rPr lang="en-US" smtClean="0"/>
+              <a:pPr/>
+              <a:t>1/21/2017 4:59 PM</a:t>
+            </a:fld>
+            <a:endParaRPr lang="en-US"/>
+          </a:p>
+        </p:txBody>
+      </p:sp>
+      <p:sp>
+        <p:nvSpPr>
+          <p:cNvPr id="6" name="Footer Placeholder 5"/>
+          <p:cNvSpPr>
+            <a:spLocks noGrp="1"/>
+          </p:cNvSpPr>
+          <p:nvPr>
+            <p:ph type="ftr" sz="quarter" idx="12"/>
+          </p:nvPr>
+        </p:nvSpPr>
+        <p:spPr/>
+        <p:txBody>
+          <a:bodyPr/>
+          <a:lstStyle/>
+          <a:p>
+            <a:r>
+              <a:rPr lang="en-US" dirty="0" smtClean="0">
+                <a:solidFill>
+                  <a:srgbClr val="000000"/>
+                </a:solidFill>
+                <a:latin typeface="Trebuchet MS" pitchFamily="34" charset="0"/>
+              </a:rPr>
+              <a:t>© 2007 Microsoft Corporation. All rights reserved. Microsoft, Windows, Windows Vista and other product names are or may be registered trademarks and/or trademarks in the U.S. and/or other countries.</a:t>
+            </a:r>
+          </a:p>
+          <a:p>
+            <a:r>
+              <a:rPr lang="en-US" dirty="0" smtClean="0">
+                <a:solidFill>
+                  <a:srgbClr val="000000"/>
+                </a:solidFill>
+                <a:latin typeface="Trebuchet MS" pitchFamily="34" charset="0"/>
+              </a:rPr>
+              <a:t>The information herein is for informational purposes only and represents the current view of Microsoft Corporation as of the date of this presentation.  Because Microsoft must respond to changing market conditions, it should not be interpreted to be a commitment on the part of Microsoft, and Microsoft cannot guarantee the accuracy of any information provided after the date of this presentation.  </a:t>
+            </a:r>
+            <a:br>
+              <a:rPr lang="en-US" dirty="0" smtClean="0">
+                <a:solidFill>
+                  <a:srgbClr val="000000"/>
+                </a:solidFill>
+                <a:latin typeface="Trebuchet MS" pitchFamily="34" charset="0"/>
+              </a:rPr>
+            </a:br>
+            <a:r>
+              <a:rPr lang="en-US" dirty="0" smtClean="0">
+                <a:solidFill>
+                  <a:srgbClr val="000000"/>
+                </a:solidFill>
+                <a:latin typeface="Trebuchet MS" pitchFamily="34" charset="0"/>
+              </a:rPr>
+              <a:t>MICROSOFT MAKES NO WARRANTIES, EXPRESS, IMPLIED OR STATUTORY, AS TO THE INFORMATION IN THIS PRESENTATION.</a:t>
+            </a:r>
+          </a:p>
+          <a:p>
+            <a:endParaRPr lang="en-US" dirty="0">
+              <a:latin typeface="Trebuchet MS" pitchFamily="34" charset="0"/>
+            </a:endParaRPr>
+          </a:p>
+        </p:txBody>
+      </p:sp>
+      <p:sp>
+        <p:nvSpPr>
+          <p:cNvPr id="7" name="Slide Number Placeholder 6"/>
+          <p:cNvSpPr>
+            <a:spLocks noGrp="1"/>
+          </p:cNvSpPr>
+          <p:nvPr>
+            <p:ph type="sldNum" sz="quarter" idx="13"/>
+          </p:nvPr>
+        </p:nvSpPr>
+        <p:spPr/>
+        <p:txBody>
+          <a:bodyPr/>
+          <a:lstStyle/>
+          <a:p>
+            <a:fld id="{EC87E0CF-87F6-4B58-B8B8-DCAB2DAAF3CA}" type="slidenum">
+              <a:rPr lang="en-US" smtClean="0"/>
+              <a:pPr/>
+              <a:t>8</a:t>
+            </a:fld>
+            <a:endParaRPr lang="en-US" dirty="0"/>
+          </a:p>
+        </p:txBody>
+      </p:sp>
+    </p:spTree>
+  </p:cSld>
+  <p:clrMapOvr>
+    <a:masterClrMapping/>
+  </p:clrMapOvr>
+</p:notes>
+</file>
+
+<file path=ppt/notesSlides/notesSlide9.xml><?xml version="1.0" encoding="utf-8"?>
+<p:notes xmlns:a="http://schemas.openxmlformats.org/drawingml/2006/main" xmlns:r="http://schemas.openxmlformats.org/officeDocument/2006/relationships" xmlns:p="http://schemas.openxmlformats.org/presentationml/2006/main">
+  <p:cSld>
+    <p:spTree>
+      <p:nvGrpSpPr>
+        <p:cNvPr id="1" name=""/>
+        <p:cNvGrpSpPr/>
+        <p:nvPr/>
+      </p:nvGrpSpPr>
+      <p:grpSpPr>
+        <a:xfrm>
+          <a:off x="0" y="0"/>
+          <a:ext cx="0" cy="0"/>
+          <a:chOff x="0" y="0"/>
+          <a:chExt cx="0" cy="0"/>
+        </a:xfrm>
+      </p:grpSpPr>
+      <p:sp>
+        <p:nvSpPr>
+          <p:cNvPr id="2" name="Slide Image Placeholder 1"/>
+          <p:cNvSpPr>
+            <a:spLocks noGrp="1" noRot="1" noChangeAspect="1"/>
+          </p:cNvSpPr>
+          <p:nvPr>
+            <p:ph type="sldImg"/>
+          </p:nvPr>
+        </p:nvSpPr>
+        <p:spPr/>
+      </p:sp>
+      <p:sp>
+        <p:nvSpPr>
+          <p:cNvPr id="3" name="Notes Placeholder 2"/>
+          <p:cNvSpPr>
+            <a:spLocks noGrp="1"/>
+          </p:cNvSpPr>
+          <p:nvPr>
+            <p:ph type="body" idx="1"/>
+          </p:nvPr>
+        </p:nvSpPr>
+        <p:spPr/>
+        <p:txBody>
+          <a:bodyPr>
+            <a:normAutofit/>
+          </a:bodyPr>
+          <a:lstStyle/>
+          <a:p>
+            <a:endParaRPr lang="en-US"/>
+          </a:p>
+        </p:txBody>
+      </p:sp>
+      <p:sp>
+        <p:nvSpPr>
+          <p:cNvPr id="4" name="Header Placeholder 3"/>
+          <p:cNvSpPr>
+            <a:spLocks noGrp="1"/>
+          </p:cNvSpPr>
+          <p:nvPr>
+            <p:ph type="hdr" sz="quarter" idx="10"/>
+          </p:nvPr>
+        </p:nvSpPr>
+        <p:spPr/>
+        <p:txBody>
+          <a:bodyPr/>
+          <a:lstStyle/>
+          <a:p>
+            <a:endParaRPr lang="en-US" dirty="0"/>
+          </a:p>
+        </p:txBody>
+      </p:sp>
+      <p:sp>
+        <p:nvSpPr>
+          <p:cNvPr id="5" name="Date Placeholder 4"/>
+          <p:cNvSpPr>
+            <a:spLocks noGrp="1"/>
+          </p:cNvSpPr>
+          <p:nvPr>
+            <p:ph type="dt" idx="11"/>
+          </p:nvPr>
+        </p:nvSpPr>
+        <p:spPr/>
+        <p:txBody>
+          <a:bodyPr/>
+          <a:lstStyle/>
+          <a:p>
+            <a:fld id="{81331B57-0BE5-4F82-AA58-76F53EFF3ADA}" type="datetime8">
+              <a:rPr lang="en-US" smtClean="0"/>
+              <a:pPr/>
+              <a:t>1/21/2017 4:43 PM</a:t>
+            </a:fld>
+            <a:endParaRPr lang="en-US"/>
+          </a:p>
+        </p:txBody>
+      </p:sp>
+      <p:sp>
+        <p:nvSpPr>
+          <p:cNvPr id="6" name="Footer Placeholder 5"/>
+          <p:cNvSpPr>
+            <a:spLocks noGrp="1"/>
+          </p:cNvSpPr>
+          <p:nvPr>
+            <p:ph type="ftr" sz="quarter" idx="12"/>
+          </p:nvPr>
+        </p:nvSpPr>
+        <p:spPr/>
+        <p:txBody>
+          <a:bodyPr/>
+          <a:lstStyle/>
+          <a:p>
+            <a:r>
+              <a:rPr lang="en-US" dirty="0" smtClean="0">
+                <a:solidFill>
+                  <a:srgbClr val="000000"/>
+                </a:solidFill>
+                <a:latin typeface="Trebuchet MS" pitchFamily="34" charset="0"/>
+              </a:rPr>
+              <a:t>© 2007 Microsoft Corporation. All rights reserved. Microsoft, Windows, Windows Vista and other product names are or may be registered trademarks and/or trademarks in the U.S. and/or other countries.</a:t>
+            </a:r>
+          </a:p>
+          <a:p>
+            <a:r>
+              <a:rPr lang="en-US" dirty="0" smtClean="0">
+                <a:solidFill>
+                  <a:srgbClr val="000000"/>
+                </a:solidFill>
+                <a:latin typeface="Trebuchet MS" pitchFamily="34" charset="0"/>
+              </a:rPr>
+              <a:t>The information herein is for informational purposes only and represents the current view of Microsoft Corporation as of the date of this presentation.  Because Microsoft must respond to changing market conditions, it should not be interpreted to be a commitment on the part of Microsoft, and Microsoft cannot guarantee the accuracy of any information provided after the date of this presentation.  </a:t>
+            </a:r>
+            <a:br>
+              <a:rPr lang="en-US" dirty="0" smtClean="0">
+                <a:solidFill>
+                  <a:srgbClr val="000000"/>
+                </a:solidFill>
+                <a:latin typeface="Trebuchet MS" pitchFamily="34" charset="0"/>
+              </a:rPr>
+            </a:br>
+            <a:r>
+              <a:rPr lang="en-US" dirty="0" smtClean="0">
+                <a:solidFill>
+                  <a:srgbClr val="000000"/>
+                </a:solidFill>
+                <a:latin typeface="Trebuchet MS" pitchFamily="34" charset="0"/>
+              </a:rPr>
+              <a:t>MICROSOFT MAKES NO WARRANTIES, EXPRESS, IMPLIED OR STATUTORY, AS TO THE INFORMATION IN THIS PRESENTATION.</a:t>
+            </a:r>
+          </a:p>
+          <a:p>
+            <a:endParaRPr lang="en-US" dirty="0">
+              <a:latin typeface="Trebuchet MS" pitchFamily="34" charset="0"/>
+            </a:endParaRPr>
+          </a:p>
+        </p:txBody>
+      </p:sp>
+      <p:sp>
+        <p:nvSpPr>
+          <p:cNvPr id="7" name="Slide Number Placeholder 6"/>
+          <p:cNvSpPr>
+            <a:spLocks noGrp="1"/>
+          </p:cNvSpPr>
+          <p:nvPr>
+            <p:ph type="sldNum" sz="quarter" idx="13"/>
+          </p:nvPr>
+        </p:nvSpPr>
+        <p:spPr/>
+        <p:txBody>
+          <a:bodyPr/>
+          <a:lstStyle/>
+          <a:p>
+            <a:fld id="{EC87E0CF-87F6-4B58-B8B8-DCAB2DAAF3CA}" type="slidenum">
+              <a:rPr lang="en-US" smtClean="0"/>
+              <a:pPr/>
+              <a:t>9</a:t>
             </a:fld>
             <a:endParaRPr lang="en-US" dirty="0"/>
           </a:p>
@@ -5034,20 +6336,2516 @@
           <a:p>
             <a:r>
               <a:rPr lang="en-US" dirty="0" smtClean="0"/>
-              <a:t>Nov </a:t>
-            </a:r>
+              <a:t>Nov 19, 2016</a:t>
+            </a:r>
+          </a:p>
+        </p:txBody>
+      </p:sp>
+    </p:spTree>
+  </p:cSld>
+  <p:clrMapOvr>
+    <a:masterClrMapping/>
+  </p:clrMapOvr>
+  <p:transition>
+    <p:fade/>
+  </p:transition>
+  <p:timing>
+    <p:tnLst>
+      <p:par>
+        <p:cTn id="1" dur="indefinite" restart="never" nodeType="tmRoot"/>
+      </p:par>
+    </p:tnLst>
+  </p:timing>
+</p:sld>
+</file>
+
+<file path=ppt/slides/slide10.xml><?xml version="1.0" encoding="utf-8"?>
+<p:sld xmlns:a="http://schemas.openxmlformats.org/drawingml/2006/main" xmlns:r="http://schemas.openxmlformats.org/officeDocument/2006/relationships" xmlns:p="http://schemas.openxmlformats.org/presentationml/2006/main">
+  <p:cSld>
+    <p:spTree>
+      <p:nvGrpSpPr>
+        <p:cNvPr id="1" name=""/>
+        <p:cNvGrpSpPr/>
+        <p:nvPr/>
+      </p:nvGrpSpPr>
+      <p:grpSpPr>
+        <a:xfrm>
+          <a:off x="0" y="0"/>
+          <a:ext cx="0" cy="0"/>
+          <a:chOff x="0" y="0"/>
+          <a:chExt cx="0" cy="0"/>
+        </a:xfrm>
+      </p:grpSpPr>
+      <p:sp>
+        <p:nvSpPr>
+          <p:cNvPr id="2" name="Title 1"/>
+          <p:cNvSpPr>
+            <a:spLocks noGrp="1"/>
+          </p:cNvSpPr>
+          <p:nvPr>
+            <p:ph type="title"/>
+          </p:nvPr>
+        </p:nvSpPr>
+        <p:spPr/>
+        <p:txBody>
+          <a:bodyPr/>
+          <a:lstStyle/>
+          <a:p>
             <a:r>
               <a:rPr lang="en-US" dirty="0" smtClean="0"/>
-              <a:t>19, </a:t>
+              <a:t>Storage</a:t>
             </a:r>
             <a:r>
               <a:rPr lang="en-US" dirty="0" smtClean="0"/>
-              <a:t>2016</a:t>
-            </a:r>
-          </a:p>
-        </p:txBody>
-      </p:sp>
+              <a:t> Stage</a:t>
+            </a:r>
+            <a:endParaRPr lang="en-US" dirty="0"/>
+          </a:p>
+        </p:txBody>
+      </p:sp>
+      <p:sp>
+        <p:nvSpPr>
+          <p:cNvPr id="3" name="Text Placeholder 2"/>
+          <p:cNvSpPr>
+            <a:spLocks noGrp="1"/>
+          </p:cNvSpPr>
+          <p:nvPr>
+            <p:ph type="body" sz="quarter" idx="10"/>
+          </p:nvPr>
+        </p:nvSpPr>
+        <p:spPr>
+          <a:xfrm>
+            <a:off x="304606" y="1502076"/>
+            <a:ext cx="8382000" cy="4593923"/>
+          </a:xfrm>
+        </p:spPr>
+        <p:txBody>
+          <a:bodyPr/>
+          <a:lstStyle/>
+          <a:p>
+            <a:pPr marL="0" indent="0">
+              <a:buNone/>
+            </a:pPr>
+            <a:endParaRPr lang="en-US" dirty="0" smtClean="0"/>
+          </a:p>
+          <a:p>
+            <a:pPr marL="0" indent="0">
+              <a:buNone/>
+            </a:pPr>
+            <a:endParaRPr lang="en-US" dirty="0"/>
+          </a:p>
+          <a:p>
+            <a:pPr marL="0" indent="0">
+              <a:buNone/>
+            </a:pPr>
+            <a:endParaRPr lang="en-US" dirty="0" smtClean="0"/>
+          </a:p>
+          <a:p>
+            <a:pPr marL="0" indent="0">
+              <a:buNone/>
+            </a:pPr>
+            <a:endParaRPr lang="en-US" dirty="0"/>
+          </a:p>
+          <a:p>
+            <a:pPr marL="0" indent="0">
+              <a:buNone/>
+            </a:pPr>
+            <a:endParaRPr lang="en-US" dirty="0" smtClean="0"/>
+          </a:p>
+          <a:p>
+            <a:pPr marL="0" indent="0">
+              <a:buNone/>
+            </a:pPr>
+            <a:endParaRPr lang="en-US" dirty="0"/>
+          </a:p>
+          <a:p>
+            <a:pPr marL="0" indent="0">
+              <a:buNone/>
+            </a:pPr>
+            <a:endParaRPr lang="en-US" dirty="0" smtClean="0"/>
+          </a:p>
+          <a:p>
+            <a:pPr marL="0" indent="0">
+              <a:buNone/>
+            </a:pPr>
+            <a:endParaRPr lang="en-US" dirty="0" smtClean="0"/>
+          </a:p>
+        </p:txBody>
+      </p:sp>
+      <p:sp>
+        <p:nvSpPr>
+          <p:cNvPr id="4" name="Rounded Rectangle 3"/>
+          <p:cNvSpPr/>
+          <p:nvPr/>
+        </p:nvSpPr>
+        <p:spPr bwMode="auto">
+          <a:xfrm>
+            <a:off x="508858" y="1603077"/>
+            <a:ext cx="2057400" cy="1219200"/>
+          </a:xfrm>
+          <a:prstGeom prst="roundRect">
+            <a:avLst/>
+          </a:prstGeom>
+          <a:solidFill>
+            <a:schemeClr val="accent1"/>
+          </a:solidFill>
+          <a:ln>
+            <a:headEnd type="none" w="med" len="med"/>
+            <a:tailEnd type="none" w="med" len="med"/>
+          </a:ln>
+        </p:spPr>
+        <p:style>
+          <a:lnRef idx="0">
+            <a:schemeClr val="accent2"/>
+          </a:lnRef>
+          <a:fillRef idx="3">
+            <a:schemeClr val="accent2"/>
+          </a:fillRef>
+          <a:effectRef idx="3">
+            <a:schemeClr val="accent2"/>
+          </a:effectRef>
+          <a:fontRef idx="minor">
+            <a:schemeClr val="lt1"/>
+          </a:fontRef>
+        </p:style>
+        <p:txBody>
+          <a:bodyPr vert="horz" wrap="square" lIns="91436" tIns="45718" rIns="91436" bIns="45718" numCol="1" rtlCol="0" anchor="ctr" anchorCtr="0" compatLnSpc="1">
+            <a:prstTxWarp prst="textNoShape">
+              <a:avLst/>
+            </a:prstTxWarp>
+          </a:bodyPr>
+          <a:lstStyle/>
+          <a:p>
+            <a:pPr algn="ctr" defTabSz="914099" fontAlgn="base">
+              <a:spcBef>
+                <a:spcPct val="0"/>
+              </a:spcBef>
+              <a:spcAft>
+                <a:spcPct val="0"/>
+              </a:spcAft>
+            </a:pPr>
+            <a:r>
+              <a:rPr lang="en-US" sz="2300" dirty="0" smtClean="0">
+                <a:solidFill>
+                  <a:srgbClr val="FFFFFF"/>
+                </a:solidFill>
+                <a:effectLst>
+                  <a:outerShdw blurRad="38100" dist="38100" dir="2700000" algn="tl">
+                    <a:srgbClr val="000000">
+                      <a:alpha val="43137"/>
+                    </a:srgbClr>
+                  </a:outerShdw>
+                </a:effectLst>
+                <a:latin typeface="Trebuchet MS" pitchFamily="34" charset="0"/>
+              </a:rPr>
+              <a:t>Data Store</a:t>
+            </a:r>
+            <a:endParaRPr lang="en-US" sz="2300" dirty="0" smtClean="0">
+              <a:solidFill>
+                <a:srgbClr val="FFFFFF"/>
+              </a:solidFill>
+              <a:effectLst>
+                <a:outerShdw blurRad="38100" dist="38100" dir="2700000" algn="tl">
+                  <a:srgbClr val="000000">
+                    <a:alpha val="43137"/>
+                  </a:srgbClr>
+                </a:outerShdw>
+              </a:effectLst>
+              <a:latin typeface="Trebuchet MS" pitchFamily="34" charset="0"/>
+            </a:endParaRPr>
+          </a:p>
+        </p:txBody>
+      </p:sp>
+      <p:sp>
+        <p:nvSpPr>
+          <p:cNvPr id="5" name="Rounded Rectangle 4"/>
+          <p:cNvSpPr/>
+          <p:nvPr/>
+        </p:nvSpPr>
+        <p:spPr bwMode="auto">
+          <a:xfrm>
+            <a:off x="2947646" y="1627849"/>
+            <a:ext cx="2057400" cy="1219200"/>
+          </a:xfrm>
+          <a:prstGeom prst="roundRect">
+            <a:avLst/>
+          </a:prstGeom>
+          <a:solidFill>
+            <a:schemeClr val="accent1"/>
+          </a:solidFill>
+          <a:ln>
+            <a:headEnd type="none" w="med" len="med"/>
+            <a:tailEnd type="none" w="med" len="med"/>
+          </a:ln>
+        </p:spPr>
+        <p:style>
+          <a:lnRef idx="0">
+            <a:schemeClr val="accent2"/>
+          </a:lnRef>
+          <a:fillRef idx="3">
+            <a:schemeClr val="accent2"/>
+          </a:fillRef>
+          <a:effectRef idx="3">
+            <a:schemeClr val="accent2"/>
+          </a:effectRef>
+          <a:fontRef idx="minor">
+            <a:schemeClr val="lt1"/>
+          </a:fontRef>
+        </p:style>
+        <p:txBody>
+          <a:bodyPr vert="horz" wrap="square" lIns="91436" tIns="45718" rIns="91436" bIns="45718" numCol="1" rtlCol="0" anchor="ctr" anchorCtr="0" compatLnSpc="1">
+            <a:prstTxWarp prst="textNoShape">
+              <a:avLst/>
+            </a:prstTxWarp>
+          </a:bodyPr>
+          <a:lstStyle/>
+          <a:p>
+            <a:pPr algn="ctr" defTabSz="914099" fontAlgn="base">
+              <a:spcBef>
+                <a:spcPct val="0"/>
+              </a:spcBef>
+              <a:spcAft>
+                <a:spcPct val="0"/>
+              </a:spcAft>
+            </a:pPr>
+            <a:r>
+              <a:rPr lang="en-US" sz="2300" dirty="0" smtClean="0">
+                <a:solidFill>
+                  <a:srgbClr val="FFFFFF"/>
+                </a:solidFill>
+                <a:effectLst>
+                  <a:outerShdw blurRad="38100" dist="38100" dir="2700000" algn="tl">
+                    <a:srgbClr val="000000">
+                      <a:alpha val="43137"/>
+                    </a:srgbClr>
+                  </a:outerShdw>
+                </a:effectLst>
+                <a:latin typeface="Trebuchet MS" pitchFamily="34" charset="0"/>
+              </a:rPr>
+              <a:t>Random Access Write</a:t>
+            </a:r>
+            <a:endParaRPr lang="en-US" sz="2300" dirty="0" smtClean="0">
+              <a:solidFill>
+                <a:srgbClr val="FFFFFF"/>
+              </a:solidFill>
+              <a:effectLst>
+                <a:outerShdw blurRad="38100" dist="38100" dir="2700000" algn="tl">
+                  <a:srgbClr val="000000">
+                    <a:alpha val="43137"/>
+                  </a:srgbClr>
+                </a:outerShdw>
+              </a:effectLst>
+              <a:latin typeface="Trebuchet MS" pitchFamily="34" charset="0"/>
+            </a:endParaRPr>
+          </a:p>
+        </p:txBody>
+      </p:sp>
+      <p:sp>
+        <p:nvSpPr>
+          <p:cNvPr id="10" name="Rounded Rectangle 9"/>
+          <p:cNvSpPr/>
+          <p:nvPr/>
+        </p:nvSpPr>
+        <p:spPr bwMode="auto">
+          <a:xfrm>
+            <a:off x="6014668" y="5070703"/>
+            <a:ext cx="2057400" cy="1219200"/>
+          </a:xfrm>
+          <a:prstGeom prst="roundRect">
+            <a:avLst/>
+          </a:prstGeom>
+          <a:solidFill>
+            <a:schemeClr val="accent1"/>
+          </a:solidFill>
+          <a:ln>
+            <a:headEnd type="none" w="med" len="med"/>
+            <a:tailEnd type="none" w="med" len="med"/>
+          </a:ln>
+        </p:spPr>
+        <p:style>
+          <a:lnRef idx="0">
+            <a:schemeClr val="accent2"/>
+          </a:lnRef>
+          <a:fillRef idx="3">
+            <a:schemeClr val="accent2"/>
+          </a:fillRef>
+          <a:effectRef idx="3">
+            <a:schemeClr val="accent2"/>
+          </a:effectRef>
+          <a:fontRef idx="minor">
+            <a:schemeClr val="lt1"/>
+          </a:fontRef>
+        </p:style>
+        <p:txBody>
+          <a:bodyPr vert="horz" wrap="square" lIns="91436" tIns="45718" rIns="91436" bIns="45718" numCol="1" rtlCol="0" anchor="ctr" anchorCtr="0" compatLnSpc="1">
+            <a:prstTxWarp prst="textNoShape">
+              <a:avLst/>
+            </a:prstTxWarp>
+          </a:bodyPr>
+          <a:lstStyle/>
+          <a:p>
+            <a:pPr algn="ctr" defTabSz="914099" fontAlgn="base">
+              <a:spcBef>
+                <a:spcPct val="0"/>
+              </a:spcBef>
+              <a:spcAft>
+                <a:spcPct val="0"/>
+              </a:spcAft>
+            </a:pPr>
+            <a:r>
+              <a:rPr lang="en-US" sz="2300" dirty="0" smtClean="0">
+                <a:solidFill>
+                  <a:srgbClr val="FFFFFF"/>
+                </a:solidFill>
+                <a:effectLst>
+                  <a:outerShdw blurRad="38100" dist="38100" dir="2700000" algn="tl">
+                    <a:srgbClr val="000000">
+                      <a:alpha val="43137"/>
+                    </a:srgbClr>
+                  </a:outerShdw>
+                </a:effectLst>
+                <a:latin typeface="Trebuchet MS" pitchFamily="34" charset="0"/>
+              </a:rPr>
+              <a:t>Index(s)</a:t>
+            </a:r>
+            <a:endParaRPr lang="en-US" sz="2300" dirty="0" smtClean="0">
+              <a:solidFill>
+                <a:srgbClr val="FFFFFF"/>
+              </a:solidFill>
+              <a:effectLst>
+                <a:outerShdw blurRad="38100" dist="38100" dir="2700000" algn="tl">
+                  <a:srgbClr val="000000">
+                    <a:alpha val="43137"/>
+                  </a:srgbClr>
+                </a:outerShdw>
+              </a:effectLst>
+              <a:latin typeface="Trebuchet MS" pitchFamily="34" charset="0"/>
+            </a:endParaRPr>
+          </a:p>
+        </p:txBody>
+      </p:sp>
+      <p:sp>
+        <p:nvSpPr>
+          <p:cNvPr id="17" name="Left Arrow 16"/>
+          <p:cNvSpPr/>
+          <p:nvPr/>
+        </p:nvSpPr>
+        <p:spPr bwMode="auto">
+          <a:xfrm rot="10954309">
+            <a:off x="2566258" y="2039522"/>
+            <a:ext cx="381388" cy="381002"/>
+          </a:xfrm>
+          <a:prstGeom prst="leftArrow">
+            <a:avLst/>
+          </a:prstGeom>
+          <a:solidFill>
+            <a:schemeClr val="accent1"/>
+          </a:solidFill>
+          <a:ln>
+            <a:headEnd type="none" w="med" len="med"/>
+            <a:tailEnd type="none" w="med" len="med"/>
+          </a:ln>
+        </p:spPr>
+        <p:style>
+          <a:lnRef idx="0">
+            <a:schemeClr val="accent2"/>
+          </a:lnRef>
+          <a:fillRef idx="3">
+            <a:schemeClr val="accent2"/>
+          </a:fillRef>
+          <a:effectRef idx="3">
+            <a:schemeClr val="accent2"/>
+          </a:effectRef>
+          <a:fontRef idx="minor">
+            <a:schemeClr val="lt1"/>
+          </a:fontRef>
+        </p:style>
+        <p:txBody>
+          <a:bodyPr vert="horz" wrap="square" lIns="91436" tIns="45718" rIns="91436" bIns="45718" numCol="1" rtlCol="0" anchor="ctr" anchorCtr="0" compatLnSpc="1">
+            <a:prstTxWarp prst="textNoShape">
+              <a:avLst/>
+            </a:prstTxWarp>
+          </a:bodyPr>
+          <a:lstStyle/>
+          <a:p>
+            <a:pPr algn="ctr" defTabSz="914099" fontAlgn="base">
+              <a:spcBef>
+                <a:spcPct val="0"/>
+              </a:spcBef>
+              <a:spcAft>
+                <a:spcPct val="0"/>
+              </a:spcAft>
+            </a:pPr>
+            <a:endParaRPr lang="en-US" sz="2300" dirty="0" smtClean="0">
+              <a:solidFill>
+                <a:srgbClr val="FFFFFF"/>
+              </a:solidFill>
+              <a:effectLst>
+                <a:outerShdw blurRad="38100" dist="38100" dir="2700000" algn="tl">
+                  <a:srgbClr val="000000">
+                    <a:alpha val="43137"/>
+                  </a:srgbClr>
+                </a:outerShdw>
+              </a:effectLst>
+              <a:latin typeface="Trebuchet MS" pitchFamily="34" charset="0"/>
+            </a:endParaRPr>
+          </a:p>
+        </p:txBody>
+      </p:sp>
+      <p:sp>
+        <p:nvSpPr>
+          <p:cNvPr id="27" name="Rounded Rectangle 26"/>
+          <p:cNvSpPr/>
+          <p:nvPr/>
+        </p:nvSpPr>
+        <p:spPr bwMode="auto">
+          <a:xfrm>
+            <a:off x="1939829" y="3471208"/>
+            <a:ext cx="2057400" cy="1219200"/>
+          </a:xfrm>
+          <a:prstGeom prst="roundRect">
+            <a:avLst/>
+          </a:prstGeom>
+          <a:solidFill>
+            <a:schemeClr val="accent1"/>
+          </a:solidFill>
+          <a:ln>
+            <a:headEnd type="none" w="med" len="med"/>
+            <a:tailEnd type="none" w="med" len="med"/>
+          </a:ln>
+        </p:spPr>
+        <p:style>
+          <a:lnRef idx="0">
+            <a:schemeClr val="accent2"/>
+          </a:lnRef>
+          <a:fillRef idx="3">
+            <a:schemeClr val="accent2"/>
+          </a:fillRef>
+          <a:effectRef idx="3">
+            <a:schemeClr val="accent2"/>
+          </a:effectRef>
+          <a:fontRef idx="minor">
+            <a:schemeClr val="lt1"/>
+          </a:fontRef>
+        </p:style>
+        <p:txBody>
+          <a:bodyPr vert="horz" wrap="square" lIns="91436" tIns="45718" rIns="91436" bIns="45718" numCol="1" rtlCol="0" anchor="ctr" anchorCtr="0" compatLnSpc="1">
+            <a:prstTxWarp prst="textNoShape">
+              <a:avLst/>
+            </a:prstTxWarp>
+          </a:bodyPr>
+          <a:lstStyle/>
+          <a:p>
+            <a:pPr algn="ctr" defTabSz="914099" fontAlgn="base">
+              <a:spcBef>
+                <a:spcPct val="0"/>
+              </a:spcBef>
+              <a:spcAft>
+                <a:spcPct val="0"/>
+              </a:spcAft>
+            </a:pPr>
+            <a:r>
+              <a:rPr lang="en-US" sz="2300" dirty="0" smtClean="0">
+                <a:solidFill>
+                  <a:srgbClr val="FFFFFF"/>
+                </a:solidFill>
+                <a:effectLst>
+                  <a:outerShdw blurRad="38100" dist="38100" dir="2700000" algn="tl">
+                    <a:srgbClr val="000000">
+                      <a:alpha val="43137"/>
+                    </a:srgbClr>
+                  </a:outerShdw>
+                </a:effectLst>
+                <a:latin typeface="Trebuchet MS" pitchFamily="34" charset="0"/>
+              </a:rPr>
+              <a:t>Single</a:t>
+            </a:r>
+          </a:p>
+          <a:p>
+            <a:pPr algn="ctr" defTabSz="914099" fontAlgn="base">
+              <a:spcBef>
+                <a:spcPct val="0"/>
+              </a:spcBef>
+              <a:spcAft>
+                <a:spcPct val="0"/>
+              </a:spcAft>
+            </a:pPr>
+            <a:r>
+              <a:rPr lang="en-US" sz="2300" dirty="0" smtClean="0">
+                <a:solidFill>
+                  <a:srgbClr val="FFFFFF"/>
+                </a:solidFill>
+                <a:effectLst>
+                  <a:outerShdw blurRad="38100" dist="38100" dir="2700000" algn="tl">
+                    <a:srgbClr val="000000">
+                      <a:alpha val="43137"/>
+                    </a:srgbClr>
+                  </a:outerShdw>
+                </a:effectLst>
+                <a:latin typeface="Trebuchet MS" pitchFamily="34" charset="0"/>
+              </a:rPr>
+              <a:t>Monolithic</a:t>
+            </a:r>
+          </a:p>
+          <a:p>
+            <a:pPr algn="ctr" defTabSz="914099" fontAlgn="base">
+              <a:spcBef>
+                <a:spcPct val="0"/>
+              </a:spcBef>
+              <a:spcAft>
+                <a:spcPct val="0"/>
+              </a:spcAft>
+            </a:pPr>
+            <a:r>
+              <a:rPr lang="en-US" sz="2300" dirty="0" smtClean="0">
+                <a:solidFill>
+                  <a:srgbClr val="FFFFFF"/>
+                </a:solidFill>
+                <a:effectLst>
+                  <a:outerShdw blurRad="38100" dist="38100" dir="2700000" algn="tl">
+                    <a:srgbClr val="000000">
+                      <a:alpha val="43137"/>
+                    </a:srgbClr>
+                  </a:outerShdw>
+                </a:effectLst>
+                <a:latin typeface="Trebuchet MS" pitchFamily="34" charset="0"/>
+              </a:rPr>
+              <a:t>File</a:t>
+            </a:r>
+            <a:endParaRPr lang="en-US" sz="2300" dirty="0" smtClean="0">
+              <a:solidFill>
+                <a:srgbClr val="FFFFFF"/>
+              </a:solidFill>
+              <a:effectLst>
+                <a:outerShdw blurRad="38100" dist="38100" dir="2700000" algn="tl">
+                  <a:srgbClr val="000000">
+                    <a:alpha val="43137"/>
+                  </a:srgbClr>
+                </a:outerShdw>
+              </a:effectLst>
+              <a:latin typeface="Trebuchet MS" pitchFamily="34" charset="0"/>
+            </a:endParaRPr>
+          </a:p>
+        </p:txBody>
+      </p:sp>
+      <p:sp>
+        <p:nvSpPr>
+          <p:cNvPr id="21" name="Rounded Rectangle 20"/>
+          <p:cNvSpPr/>
+          <p:nvPr/>
+        </p:nvSpPr>
+        <p:spPr bwMode="auto">
+          <a:xfrm>
+            <a:off x="4343400" y="3471209"/>
+            <a:ext cx="2057400" cy="1219200"/>
+          </a:xfrm>
+          <a:prstGeom prst="roundRect">
+            <a:avLst/>
+          </a:prstGeom>
+          <a:solidFill>
+            <a:schemeClr val="accent1"/>
+          </a:solidFill>
+          <a:ln>
+            <a:headEnd type="none" w="med" len="med"/>
+            <a:tailEnd type="none" w="med" len="med"/>
+          </a:ln>
+        </p:spPr>
+        <p:style>
+          <a:lnRef idx="0">
+            <a:schemeClr val="accent2"/>
+          </a:lnRef>
+          <a:fillRef idx="3">
+            <a:schemeClr val="accent2"/>
+          </a:fillRef>
+          <a:effectRef idx="3">
+            <a:schemeClr val="accent2"/>
+          </a:effectRef>
+          <a:fontRef idx="minor">
+            <a:schemeClr val="lt1"/>
+          </a:fontRef>
+        </p:style>
+        <p:txBody>
+          <a:bodyPr vert="horz" wrap="square" lIns="91436" tIns="45718" rIns="91436" bIns="45718" numCol="1" rtlCol="0" anchor="ctr" anchorCtr="0" compatLnSpc="1">
+            <a:prstTxWarp prst="textNoShape">
+              <a:avLst/>
+            </a:prstTxWarp>
+          </a:bodyPr>
+          <a:lstStyle/>
+          <a:p>
+            <a:pPr algn="ctr" defTabSz="914099" fontAlgn="base">
+              <a:spcBef>
+                <a:spcPct val="0"/>
+              </a:spcBef>
+              <a:spcAft>
+                <a:spcPct val="0"/>
+              </a:spcAft>
+            </a:pPr>
+            <a:r>
+              <a:rPr lang="en-US" sz="2300" dirty="0" err="1" smtClean="0">
+                <a:solidFill>
+                  <a:srgbClr val="FFFFFF"/>
+                </a:solidFill>
+                <a:effectLst>
+                  <a:outerShdw blurRad="38100" dist="38100" dir="2700000" algn="tl">
+                    <a:srgbClr val="000000">
+                      <a:alpha val="43137"/>
+                    </a:srgbClr>
+                  </a:outerShdw>
+                </a:effectLst>
+                <a:latin typeface="Trebuchet MS" pitchFamily="34" charset="0"/>
+              </a:rPr>
+              <a:t>Sharding</a:t>
+            </a:r>
+            <a:endParaRPr lang="en-US" sz="2300" dirty="0" smtClean="0">
+              <a:solidFill>
+                <a:srgbClr val="FFFFFF"/>
+              </a:solidFill>
+              <a:effectLst>
+                <a:outerShdw blurRad="38100" dist="38100" dir="2700000" algn="tl">
+                  <a:srgbClr val="000000">
+                    <a:alpha val="43137"/>
+                  </a:srgbClr>
+                </a:outerShdw>
+              </a:effectLst>
+              <a:latin typeface="Trebuchet MS" pitchFamily="34" charset="0"/>
+            </a:endParaRPr>
+          </a:p>
+          <a:p>
+            <a:pPr algn="ctr" defTabSz="914099" fontAlgn="base">
+              <a:spcBef>
+                <a:spcPct val="0"/>
+              </a:spcBef>
+              <a:spcAft>
+                <a:spcPct val="0"/>
+              </a:spcAft>
+            </a:pPr>
+            <a:r>
+              <a:rPr lang="en-US" sz="2300" dirty="0" smtClean="0">
+                <a:solidFill>
+                  <a:srgbClr val="FFFFFF"/>
+                </a:solidFill>
+                <a:effectLst>
+                  <a:outerShdw blurRad="38100" dist="38100" dir="2700000" algn="tl">
+                    <a:srgbClr val="000000">
+                      <a:alpha val="43137"/>
+                    </a:srgbClr>
+                  </a:outerShdw>
+                </a:effectLst>
+                <a:latin typeface="Trebuchet MS" pitchFamily="34" charset="0"/>
+              </a:rPr>
+              <a:t>(Multiple Files)</a:t>
+            </a:r>
+            <a:endParaRPr lang="en-US" sz="2300" dirty="0" smtClean="0">
+              <a:solidFill>
+                <a:srgbClr val="FFFFFF"/>
+              </a:solidFill>
+              <a:effectLst>
+                <a:outerShdw blurRad="38100" dist="38100" dir="2700000" algn="tl">
+                  <a:srgbClr val="000000">
+                    <a:alpha val="43137"/>
+                  </a:srgbClr>
+                </a:outerShdw>
+              </a:effectLst>
+              <a:latin typeface="Trebuchet MS" pitchFamily="34" charset="0"/>
+            </a:endParaRPr>
+          </a:p>
+        </p:txBody>
+      </p:sp>
+      <p:sp>
+        <p:nvSpPr>
+          <p:cNvPr id="25" name="Left Arrow 24"/>
+          <p:cNvSpPr/>
+          <p:nvPr/>
+        </p:nvSpPr>
+        <p:spPr bwMode="auto">
+          <a:xfrm rot="18639373">
+            <a:off x="2947428" y="2988121"/>
+            <a:ext cx="690191" cy="316468"/>
+          </a:xfrm>
+          <a:prstGeom prst="leftArrow">
+            <a:avLst/>
+          </a:prstGeom>
+          <a:solidFill>
+            <a:schemeClr val="accent1"/>
+          </a:solidFill>
+          <a:ln>
+            <a:headEnd type="none" w="med" len="med"/>
+            <a:tailEnd type="none" w="med" len="med"/>
+          </a:ln>
+        </p:spPr>
+        <p:style>
+          <a:lnRef idx="0">
+            <a:schemeClr val="accent2"/>
+          </a:lnRef>
+          <a:fillRef idx="3">
+            <a:schemeClr val="accent2"/>
+          </a:fillRef>
+          <a:effectRef idx="3">
+            <a:schemeClr val="accent2"/>
+          </a:effectRef>
+          <a:fontRef idx="minor">
+            <a:schemeClr val="lt1"/>
+          </a:fontRef>
+        </p:style>
+        <p:txBody>
+          <a:bodyPr vert="horz" wrap="square" lIns="91436" tIns="45718" rIns="91436" bIns="45718" numCol="1" rtlCol="0" anchor="ctr" anchorCtr="0" compatLnSpc="1">
+            <a:prstTxWarp prst="textNoShape">
+              <a:avLst/>
+            </a:prstTxWarp>
+          </a:bodyPr>
+          <a:lstStyle/>
+          <a:p>
+            <a:pPr algn="ctr" defTabSz="914099" fontAlgn="base">
+              <a:spcBef>
+                <a:spcPct val="0"/>
+              </a:spcBef>
+              <a:spcAft>
+                <a:spcPct val="0"/>
+              </a:spcAft>
+            </a:pPr>
+            <a:endParaRPr lang="en-US" sz="2300" dirty="0" smtClean="0">
+              <a:solidFill>
+                <a:srgbClr val="FFFFFF"/>
+              </a:solidFill>
+              <a:effectLst>
+                <a:outerShdw blurRad="38100" dist="38100" dir="2700000" algn="tl">
+                  <a:srgbClr val="000000">
+                    <a:alpha val="43137"/>
+                  </a:srgbClr>
+                </a:outerShdw>
+              </a:effectLst>
+              <a:latin typeface="Trebuchet MS" pitchFamily="34" charset="0"/>
+            </a:endParaRPr>
+          </a:p>
+        </p:txBody>
+      </p:sp>
+      <p:sp>
+        <p:nvSpPr>
+          <p:cNvPr id="31" name="Left Arrow 30"/>
+          <p:cNvSpPr/>
+          <p:nvPr/>
+        </p:nvSpPr>
+        <p:spPr bwMode="auto">
+          <a:xfrm rot="13773955">
+            <a:off x="4228041" y="3000786"/>
+            <a:ext cx="755555" cy="316468"/>
+          </a:xfrm>
+          <a:prstGeom prst="leftArrow">
+            <a:avLst/>
+          </a:prstGeom>
+          <a:solidFill>
+            <a:schemeClr val="accent1"/>
+          </a:solidFill>
+          <a:ln>
+            <a:headEnd type="none" w="med" len="med"/>
+            <a:tailEnd type="none" w="med" len="med"/>
+          </a:ln>
+        </p:spPr>
+        <p:style>
+          <a:lnRef idx="0">
+            <a:schemeClr val="accent2"/>
+          </a:lnRef>
+          <a:fillRef idx="3">
+            <a:schemeClr val="accent2"/>
+          </a:fillRef>
+          <a:effectRef idx="3">
+            <a:schemeClr val="accent2"/>
+          </a:effectRef>
+          <a:fontRef idx="minor">
+            <a:schemeClr val="lt1"/>
+          </a:fontRef>
+        </p:style>
+        <p:txBody>
+          <a:bodyPr vert="horz" wrap="square" lIns="91436" tIns="45718" rIns="91436" bIns="45718" numCol="1" rtlCol="0" anchor="ctr" anchorCtr="0" compatLnSpc="1">
+            <a:prstTxWarp prst="textNoShape">
+              <a:avLst/>
+            </a:prstTxWarp>
+          </a:bodyPr>
+          <a:lstStyle/>
+          <a:p>
+            <a:pPr algn="ctr" defTabSz="914099" fontAlgn="base">
+              <a:spcBef>
+                <a:spcPct val="0"/>
+              </a:spcBef>
+              <a:spcAft>
+                <a:spcPct val="0"/>
+              </a:spcAft>
+            </a:pPr>
+            <a:endParaRPr lang="en-US" sz="2300" dirty="0" smtClean="0">
+              <a:solidFill>
+                <a:srgbClr val="FFFFFF"/>
+              </a:solidFill>
+              <a:effectLst>
+                <a:outerShdw blurRad="38100" dist="38100" dir="2700000" algn="tl">
+                  <a:srgbClr val="000000">
+                    <a:alpha val="43137"/>
+                  </a:srgbClr>
+                </a:outerShdw>
+              </a:effectLst>
+              <a:latin typeface="Trebuchet MS" pitchFamily="34" charset="0"/>
+            </a:endParaRPr>
+          </a:p>
+        </p:txBody>
+      </p:sp>
+      <p:cxnSp>
+        <p:nvCxnSpPr>
+          <p:cNvPr id="20" name="Straight Connector 19"/>
+          <p:cNvCxnSpPr/>
+          <p:nvPr/>
+        </p:nvCxnSpPr>
+        <p:spPr>
+          <a:xfrm flipH="1" flipV="1">
+            <a:off x="4988666" y="2237450"/>
+            <a:ext cx="2052005" cy="1"/>
+          </a:xfrm>
+          <a:prstGeom prst="line">
+            <a:avLst/>
+          </a:prstGeom>
+          <a:ln w="38100"/>
+        </p:spPr>
+        <p:style>
+          <a:lnRef idx="1">
+            <a:schemeClr val="accent1"/>
+          </a:lnRef>
+          <a:fillRef idx="0">
+            <a:schemeClr val="accent1"/>
+          </a:fillRef>
+          <a:effectRef idx="0">
+            <a:schemeClr val="accent1"/>
+          </a:effectRef>
+          <a:fontRef idx="minor">
+            <a:schemeClr val="tx1"/>
+          </a:fontRef>
+        </p:style>
+      </p:cxnSp>
+      <p:cxnSp>
+        <p:nvCxnSpPr>
+          <p:cNvPr id="26" name="Straight Arrow Connector 25"/>
+          <p:cNvCxnSpPr>
+            <a:endCxn id="10" idx="0"/>
+          </p:cNvCxnSpPr>
+          <p:nvPr/>
+        </p:nvCxnSpPr>
+        <p:spPr>
+          <a:xfrm>
+            <a:off x="7010400" y="2237451"/>
+            <a:ext cx="32968" cy="2833252"/>
+          </a:xfrm>
+          <a:prstGeom prst="straightConnector1">
+            <a:avLst/>
+          </a:prstGeom>
+          <a:ln w="38100">
+            <a:tailEnd type="arrow"/>
+          </a:ln>
+        </p:spPr>
+        <p:style>
+          <a:lnRef idx="1">
+            <a:schemeClr val="accent1"/>
+          </a:lnRef>
+          <a:fillRef idx="0">
+            <a:schemeClr val="accent1"/>
+          </a:fillRef>
+          <a:effectRef idx="0">
+            <a:schemeClr val="accent1"/>
+          </a:effectRef>
+          <a:fontRef idx="minor">
+            <a:schemeClr val="tx1"/>
+          </a:fontRef>
+        </p:style>
+      </p:cxnSp>
     </p:spTree>
+    <p:extLst>
+      <p:ext uri="{BB962C8B-B14F-4D97-AF65-F5344CB8AC3E}">
+        <p14:creationId xmlns:p14="http://schemas.microsoft.com/office/powerpoint/2010/main" val="1755178762"/>
+      </p:ext>
+    </p:extLst>
+  </p:cSld>
+  <p:clrMapOvr>
+    <a:masterClrMapping/>
+  </p:clrMapOvr>
+  <p:transition>
+    <p:fade/>
+  </p:transition>
+  <p:timing>
+    <p:tnLst>
+      <p:par>
+        <p:cTn id="1" dur="indefinite" restart="never" nodeType="tmRoot"/>
+      </p:par>
+    </p:tnLst>
+  </p:timing>
+</p:sld>
+</file>
+
+<file path=ppt/slides/slide11.xml><?xml version="1.0" encoding="utf-8"?>
+<p:sld xmlns:a="http://schemas.openxmlformats.org/drawingml/2006/main" xmlns:r="http://schemas.openxmlformats.org/officeDocument/2006/relationships" xmlns:p="http://schemas.openxmlformats.org/presentationml/2006/main">
+  <p:cSld>
+    <p:spTree>
+      <p:nvGrpSpPr>
+        <p:cNvPr id="1" name=""/>
+        <p:cNvGrpSpPr/>
+        <p:nvPr/>
+      </p:nvGrpSpPr>
+      <p:grpSpPr>
+        <a:xfrm>
+          <a:off x="0" y="0"/>
+          <a:ext cx="0" cy="0"/>
+          <a:chOff x="0" y="0"/>
+          <a:chExt cx="0" cy="0"/>
+        </a:xfrm>
+      </p:grpSpPr>
+      <p:sp>
+        <p:nvSpPr>
+          <p:cNvPr id="2" name="Title 1"/>
+          <p:cNvSpPr>
+            <a:spLocks noGrp="1"/>
+          </p:cNvSpPr>
+          <p:nvPr>
+            <p:ph type="title"/>
+          </p:nvPr>
+        </p:nvSpPr>
+        <p:spPr/>
+        <p:txBody>
+          <a:bodyPr/>
+          <a:lstStyle/>
+          <a:p>
+            <a:r>
+              <a:rPr lang="en-US" dirty="0" smtClean="0"/>
+              <a:t>Data Storage Stage</a:t>
+            </a:r>
+            <a:endParaRPr lang="en-US" dirty="0"/>
+          </a:p>
+        </p:txBody>
+      </p:sp>
+      <p:sp>
+        <p:nvSpPr>
+          <p:cNvPr id="3" name="Text Placeholder 2"/>
+          <p:cNvSpPr>
+            <a:spLocks noGrp="1"/>
+          </p:cNvSpPr>
+          <p:nvPr>
+            <p:ph type="body" sz="quarter" idx="10"/>
+          </p:nvPr>
+        </p:nvSpPr>
+        <p:spPr>
+          <a:xfrm>
+            <a:off x="381000" y="1096423"/>
+            <a:ext cx="8382000" cy="5687711"/>
+          </a:xfrm>
+        </p:spPr>
+        <p:txBody>
+          <a:bodyPr/>
+          <a:lstStyle/>
+          <a:p>
+            <a:r>
+              <a:rPr lang="en-US" dirty="0" smtClean="0">
+                <a:solidFill>
+                  <a:schemeClr val="tx2">
+                    <a:lumMod val="50000"/>
+                  </a:schemeClr>
+                </a:solidFill>
+              </a:rPr>
+              <a:t>Storage</a:t>
+            </a:r>
+          </a:p>
+          <a:p>
+            <a:pPr lvl="1"/>
+            <a:r>
+              <a:rPr lang="en-US" dirty="0" smtClean="0"/>
+              <a:t>Handles physical storage (on disk) of data</a:t>
+            </a:r>
+          </a:p>
+          <a:p>
+            <a:pPr lvl="2"/>
+            <a:r>
+              <a:rPr lang="en-US" dirty="0" smtClean="0"/>
+              <a:t>Single Monolithic File Storage</a:t>
+            </a:r>
+          </a:p>
+          <a:p>
+            <a:pPr lvl="2"/>
+            <a:r>
+              <a:rPr lang="en-US" dirty="0" smtClean="0"/>
+              <a:t>Multiple File Storage for </a:t>
+            </a:r>
+            <a:r>
+              <a:rPr lang="en-US" dirty="0" err="1" smtClean="0"/>
+              <a:t>Sharding</a:t>
+            </a:r>
+            <a:endParaRPr lang="en-US" dirty="0" smtClean="0"/>
+          </a:p>
+          <a:p>
+            <a:pPr lvl="1"/>
+            <a:r>
+              <a:rPr lang="en-US" dirty="0" smtClean="0"/>
+              <a:t>Virtual I/O</a:t>
+            </a:r>
+          </a:p>
+          <a:p>
+            <a:pPr lvl="2"/>
+            <a:r>
+              <a:rPr lang="en-US" dirty="0" smtClean="0"/>
+              <a:t>Open / Close</a:t>
+            </a:r>
+          </a:p>
+          <a:p>
+            <a:pPr lvl="2"/>
+            <a:r>
+              <a:rPr lang="en-US" dirty="0" smtClean="0"/>
+              <a:t>Read / Write by Data Type</a:t>
+            </a:r>
+          </a:p>
+          <a:p>
+            <a:pPr lvl="2"/>
+            <a:r>
+              <a:rPr lang="en-US" dirty="0" smtClean="0"/>
+              <a:t>Seek</a:t>
+            </a:r>
+          </a:p>
+          <a:p>
+            <a:pPr lvl="1"/>
+            <a:r>
+              <a:rPr lang="en-US" dirty="0" smtClean="0"/>
+              <a:t>Writes Index(s) which map back to Data items via virtual storage addresses</a:t>
+            </a:r>
+          </a:p>
+          <a:p>
+            <a:pPr lvl="1"/>
+            <a:r>
+              <a:rPr lang="en-US" dirty="0" smtClean="0"/>
+              <a:t>Storage type can dynamically change w/o affecting virtual storage addresses</a:t>
+            </a:r>
+            <a:endParaRPr lang="en-US" dirty="0" smtClean="0"/>
+          </a:p>
+          <a:p>
+            <a:pPr marL="0" indent="0">
+              <a:buNone/>
+            </a:pPr>
+            <a:endParaRPr lang="en-US" dirty="0" smtClean="0">
+              <a:solidFill>
+                <a:schemeClr val="tx2">
+                  <a:lumMod val="50000"/>
+                </a:schemeClr>
+              </a:solidFill>
+            </a:endParaRPr>
+          </a:p>
+        </p:txBody>
+      </p:sp>
+    </p:spTree>
+    <p:extLst>
+      <p:ext uri="{BB962C8B-B14F-4D97-AF65-F5344CB8AC3E}">
+        <p14:creationId xmlns:p14="http://schemas.microsoft.com/office/powerpoint/2010/main" val="3924890074"/>
+      </p:ext>
+    </p:extLst>
+  </p:cSld>
+  <p:clrMapOvr>
+    <a:masterClrMapping/>
+  </p:clrMapOvr>
+  <p:transition>
+    <p:fade/>
+  </p:transition>
+  <p:timing>
+    <p:tnLst>
+      <p:par>
+        <p:cTn id="1" dur="indefinite" restart="never" nodeType="tmRoot"/>
+      </p:par>
+    </p:tnLst>
+  </p:timing>
+</p:sld>
+</file>
+
+<file path=ppt/slides/slide12.xml><?xml version="1.0" encoding="utf-8"?>
+<p:sld xmlns:a="http://schemas.openxmlformats.org/drawingml/2006/main" xmlns:r="http://schemas.openxmlformats.org/officeDocument/2006/relationships" xmlns:p="http://schemas.openxmlformats.org/presentationml/2006/main">
+  <p:cSld>
+    <p:spTree>
+      <p:nvGrpSpPr>
+        <p:cNvPr id="1" name=""/>
+        <p:cNvGrpSpPr/>
+        <p:nvPr/>
+      </p:nvGrpSpPr>
+      <p:grpSpPr>
+        <a:xfrm>
+          <a:off x="0" y="0"/>
+          <a:ext cx="0" cy="0"/>
+          <a:chOff x="0" y="0"/>
+          <a:chExt cx="0" cy="0"/>
+        </a:xfrm>
+      </p:grpSpPr>
+      <p:sp>
+        <p:nvSpPr>
+          <p:cNvPr id="2" name="Title 1"/>
+          <p:cNvSpPr>
+            <a:spLocks noGrp="1"/>
+          </p:cNvSpPr>
+          <p:nvPr>
+            <p:ph type="title"/>
+          </p:nvPr>
+        </p:nvSpPr>
+        <p:spPr/>
+        <p:txBody>
+          <a:bodyPr/>
+          <a:lstStyle/>
+          <a:p>
+            <a:r>
+              <a:rPr lang="en-US" dirty="0" smtClean="0"/>
+              <a:t>Clustering / Replication</a:t>
+            </a:r>
+            <a:endParaRPr lang="en-US" dirty="0"/>
+          </a:p>
+        </p:txBody>
+      </p:sp>
+      <p:sp>
+        <p:nvSpPr>
+          <p:cNvPr id="3" name="Text Placeholder 2"/>
+          <p:cNvSpPr>
+            <a:spLocks noGrp="1"/>
+          </p:cNvSpPr>
+          <p:nvPr>
+            <p:ph type="body" sz="quarter" idx="10"/>
+          </p:nvPr>
+        </p:nvSpPr>
+        <p:spPr>
+          <a:xfrm>
+            <a:off x="381000" y="1096423"/>
+            <a:ext cx="8382000" cy="5029069"/>
+          </a:xfrm>
+        </p:spPr>
+        <p:txBody>
+          <a:bodyPr/>
+          <a:lstStyle/>
+          <a:p>
+            <a:pPr marL="0" indent="0">
+              <a:buNone/>
+            </a:pPr>
+            <a:endParaRPr lang="en-US" dirty="0" smtClean="0"/>
+          </a:p>
+          <a:p>
+            <a:r>
+              <a:rPr lang="en-US" dirty="0" smtClean="0">
+                <a:solidFill>
+                  <a:schemeClr val="tx2">
+                    <a:lumMod val="50000"/>
+                  </a:schemeClr>
+                </a:solidFill>
+              </a:rPr>
+              <a:t>Clustering</a:t>
+            </a:r>
+          </a:p>
+          <a:p>
+            <a:pPr lvl="1"/>
+            <a:r>
+              <a:rPr lang="en-US" dirty="0" smtClean="0"/>
+              <a:t>Handles Processes and Storage across Multiple Processors and Storage Devices.</a:t>
+            </a:r>
+          </a:p>
+          <a:p>
+            <a:pPr lvl="1"/>
+            <a:r>
+              <a:rPr lang="en-US" dirty="0" smtClean="0"/>
+              <a:t>Interconnected using Micro-Services</a:t>
+            </a:r>
+          </a:p>
+          <a:p>
+            <a:pPr marL="0" indent="0">
+              <a:buNone/>
+            </a:pPr>
+            <a:endParaRPr lang="en-US" dirty="0" smtClean="0">
+              <a:solidFill>
+                <a:schemeClr val="tx2">
+                  <a:lumMod val="50000"/>
+                </a:schemeClr>
+              </a:solidFill>
+            </a:endParaRPr>
+          </a:p>
+          <a:p>
+            <a:r>
+              <a:rPr lang="en-US" dirty="0" smtClean="0">
+                <a:solidFill>
+                  <a:schemeClr val="tx2">
+                    <a:lumMod val="50000"/>
+                  </a:schemeClr>
+                </a:solidFill>
+              </a:rPr>
+              <a:t>Replication</a:t>
+            </a:r>
+          </a:p>
+          <a:p>
+            <a:pPr lvl="1"/>
+            <a:r>
+              <a:rPr lang="en-US" dirty="0" smtClean="0"/>
+              <a:t>Handles Data Duplication</a:t>
+            </a:r>
+            <a:endParaRPr lang="en-US" dirty="0" smtClean="0"/>
+          </a:p>
+          <a:p>
+            <a:endParaRPr lang="en-US" dirty="0" smtClean="0">
+              <a:solidFill>
+                <a:schemeClr val="tx2">
+                  <a:lumMod val="50000"/>
+                </a:schemeClr>
+              </a:solidFill>
+            </a:endParaRPr>
+          </a:p>
+          <a:p>
+            <a:endParaRPr lang="en-US" dirty="0" smtClean="0">
+              <a:solidFill>
+                <a:schemeClr val="tx2">
+                  <a:lumMod val="50000"/>
+                </a:schemeClr>
+              </a:solidFill>
+            </a:endParaRPr>
+          </a:p>
+        </p:txBody>
+      </p:sp>
+    </p:spTree>
+    <p:extLst>
+      <p:ext uri="{BB962C8B-B14F-4D97-AF65-F5344CB8AC3E}">
+        <p14:creationId xmlns:p14="http://schemas.microsoft.com/office/powerpoint/2010/main" val="470928539"/>
+      </p:ext>
+    </p:extLst>
+  </p:cSld>
+  <p:clrMapOvr>
+    <a:masterClrMapping/>
+  </p:clrMapOvr>
+  <p:transition>
+    <p:fade/>
+  </p:transition>
+  <p:timing>
+    <p:tnLst>
+      <p:par>
+        <p:cTn id="1" dur="indefinite" restart="never" nodeType="tmRoot"/>
+      </p:par>
+    </p:tnLst>
+  </p:timing>
+</p:sld>
+</file>
+
+<file path=ppt/slides/slide13.xml><?xml version="1.0" encoding="utf-8"?>
+<p:sld xmlns:a="http://schemas.openxmlformats.org/drawingml/2006/main" xmlns:r="http://schemas.openxmlformats.org/officeDocument/2006/relationships" xmlns:p="http://schemas.openxmlformats.org/presentationml/2006/main">
+  <p:cSld>
+    <p:spTree>
+      <p:nvGrpSpPr>
+        <p:cNvPr id="1" name=""/>
+        <p:cNvGrpSpPr/>
+        <p:nvPr/>
+      </p:nvGrpSpPr>
+      <p:grpSpPr>
+        <a:xfrm>
+          <a:off x="0" y="0"/>
+          <a:ext cx="0" cy="0"/>
+          <a:chOff x="0" y="0"/>
+          <a:chExt cx="0" cy="0"/>
+        </a:xfrm>
+      </p:grpSpPr>
+      <p:sp>
+        <p:nvSpPr>
+          <p:cNvPr id="2" name="Title 1"/>
+          <p:cNvSpPr>
+            <a:spLocks noGrp="1"/>
+          </p:cNvSpPr>
+          <p:nvPr>
+            <p:ph type="title"/>
+          </p:nvPr>
+        </p:nvSpPr>
+        <p:spPr/>
+        <p:txBody>
+          <a:bodyPr/>
+          <a:lstStyle/>
+          <a:p>
+            <a:r>
+              <a:rPr lang="en-US" dirty="0" smtClean="0"/>
+              <a:t>Query</a:t>
+            </a:r>
+            <a:r>
+              <a:rPr lang="en-US" dirty="0" smtClean="0"/>
+              <a:t> Stage</a:t>
+            </a:r>
+            <a:endParaRPr lang="en-US" dirty="0"/>
+          </a:p>
+        </p:txBody>
+      </p:sp>
+      <p:sp>
+        <p:nvSpPr>
+          <p:cNvPr id="3" name="Text Placeholder 2"/>
+          <p:cNvSpPr>
+            <a:spLocks noGrp="1"/>
+          </p:cNvSpPr>
+          <p:nvPr>
+            <p:ph type="body" sz="quarter" idx="10"/>
+          </p:nvPr>
+        </p:nvSpPr>
+        <p:spPr>
+          <a:xfrm>
+            <a:off x="304606" y="1502076"/>
+            <a:ext cx="8382000" cy="4593923"/>
+          </a:xfrm>
+        </p:spPr>
+        <p:txBody>
+          <a:bodyPr/>
+          <a:lstStyle/>
+          <a:p>
+            <a:pPr marL="0" indent="0">
+              <a:buNone/>
+            </a:pPr>
+            <a:endParaRPr lang="en-US" dirty="0" smtClean="0"/>
+          </a:p>
+          <a:p>
+            <a:pPr marL="0" indent="0">
+              <a:buNone/>
+            </a:pPr>
+            <a:endParaRPr lang="en-US" dirty="0"/>
+          </a:p>
+          <a:p>
+            <a:pPr marL="0" indent="0">
+              <a:buNone/>
+            </a:pPr>
+            <a:endParaRPr lang="en-US" dirty="0" smtClean="0"/>
+          </a:p>
+          <a:p>
+            <a:pPr marL="0" indent="0">
+              <a:buNone/>
+            </a:pPr>
+            <a:endParaRPr lang="en-US" dirty="0"/>
+          </a:p>
+          <a:p>
+            <a:pPr marL="0" indent="0">
+              <a:buNone/>
+            </a:pPr>
+            <a:endParaRPr lang="en-US" dirty="0" smtClean="0"/>
+          </a:p>
+          <a:p>
+            <a:pPr marL="0" indent="0">
+              <a:buNone/>
+            </a:pPr>
+            <a:endParaRPr lang="en-US" dirty="0"/>
+          </a:p>
+          <a:p>
+            <a:pPr marL="0" indent="0">
+              <a:buNone/>
+            </a:pPr>
+            <a:endParaRPr lang="en-US" dirty="0" smtClean="0"/>
+          </a:p>
+          <a:p>
+            <a:pPr marL="0" indent="0">
+              <a:buNone/>
+            </a:pPr>
+            <a:endParaRPr lang="en-US" dirty="0" smtClean="0"/>
+          </a:p>
+        </p:txBody>
+      </p:sp>
+      <p:sp>
+        <p:nvSpPr>
+          <p:cNvPr id="4" name="Rounded Rectangle 3"/>
+          <p:cNvSpPr/>
+          <p:nvPr/>
+        </p:nvSpPr>
+        <p:spPr bwMode="auto">
+          <a:xfrm>
+            <a:off x="2078283" y="5174174"/>
+            <a:ext cx="2057400" cy="1219200"/>
+          </a:xfrm>
+          <a:prstGeom prst="roundRect">
+            <a:avLst/>
+          </a:prstGeom>
+          <a:solidFill>
+            <a:schemeClr val="accent1"/>
+          </a:solidFill>
+          <a:ln>
+            <a:headEnd type="none" w="med" len="med"/>
+            <a:tailEnd type="none" w="med" len="med"/>
+          </a:ln>
+        </p:spPr>
+        <p:style>
+          <a:lnRef idx="0">
+            <a:schemeClr val="accent2"/>
+          </a:lnRef>
+          <a:fillRef idx="3">
+            <a:schemeClr val="accent2"/>
+          </a:fillRef>
+          <a:effectRef idx="3">
+            <a:schemeClr val="accent2"/>
+          </a:effectRef>
+          <a:fontRef idx="minor">
+            <a:schemeClr val="lt1"/>
+          </a:fontRef>
+        </p:style>
+        <p:txBody>
+          <a:bodyPr vert="horz" wrap="square" lIns="91436" tIns="45718" rIns="91436" bIns="45718" numCol="1" rtlCol="0" anchor="ctr" anchorCtr="0" compatLnSpc="1">
+            <a:prstTxWarp prst="textNoShape">
+              <a:avLst/>
+            </a:prstTxWarp>
+          </a:bodyPr>
+          <a:lstStyle/>
+          <a:p>
+            <a:pPr algn="ctr" defTabSz="914099" fontAlgn="base">
+              <a:spcBef>
+                <a:spcPct val="0"/>
+              </a:spcBef>
+              <a:spcAft>
+                <a:spcPct val="0"/>
+              </a:spcAft>
+            </a:pPr>
+            <a:r>
+              <a:rPr lang="en-US" sz="2300" dirty="0" smtClean="0">
+                <a:solidFill>
+                  <a:srgbClr val="FFFFFF"/>
+                </a:solidFill>
+                <a:effectLst>
+                  <a:outerShdw blurRad="38100" dist="38100" dir="2700000" algn="tl">
+                    <a:srgbClr val="000000">
+                      <a:alpha val="43137"/>
+                    </a:srgbClr>
+                  </a:outerShdw>
+                </a:effectLst>
+                <a:latin typeface="Trebuchet MS" pitchFamily="34" charset="0"/>
+              </a:rPr>
+              <a:t>Sorting</a:t>
+            </a:r>
+            <a:endParaRPr lang="en-US" sz="2300" dirty="0" smtClean="0">
+              <a:solidFill>
+                <a:srgbClr val="FFFFFF"/>
+              </a:solidFill>
+              <a:effectLst>
+                <a:outerShdw blurRad="38100" dist="38100" dir="2700000" algn="tl">
+                  <a:srgbClr val="000000">
+                    <a:alpha val="43137"/>
+                  </a:srgbClr>
+                </a:outerShdw>
+              </a:effectLst>
+              <a:latin typeface="Trebuchet MS" pitchFamily="34" charset="0"/>
+            </a:endParaRPr>
+          </a:p>
+        </p:txBody>
+      </p:sp>
+      <p:sp>
+        <p:nvSpPr>
+          <p:cNvPr id="5" name="Rounded Rectangle 4"/>
+          <p:cNvSpPr/>
+          <p:nvPr/>
+        </p:nvSpPr>
+        <p:spPr bwMode="auto">
+          <a:xfrm>
+            <a:off x="2057400" y="1620423"/>
+            <a:ext cx="2057400" cy="1219200"/>
+          </a:xfrm>
+          <a:prstGeom prst="roundRect">
+            <a:avLst/>
+          </a:prstGeom>
+          <a:solidFill>
+            <a:schemeClr val="accent1"/>
+          </a:solidFill>
+          <a:ln>
+            <a:headEnd type="none" w="med" len="med"/>
+            <a:tailEnd type="none" w="med" len="med"/>
+          </a:ln>
+        </p:spPr>
+        <p:style>
+          <a:lnRef idx="0">
+            <a:schemeClr val="accent2"/>
+          </a:lnRef>
+          <a:fillRef idx="3">
+            <a:schemeClr val="accent2"/>
+          </a:fillRef>
+          <a:effectRef idx="3">
+            <a:schemeClr val="accent2"/>
+          </a:effectRef>
+          <a:fontRef idx="minor">
+            <a:schemeClr val="lt1"/>
+          </a:fontRef>
+        </p:style>
+        <p:txBody>
+          <a:bodyPr vert="horz" wrap="square" lIns="91436" tIns="45718" rIns="91436" bIns="45718" numCol="1" rtlCol="0" anchor="ctr" anchorCtr="0" compatLnSpc="1">
+            <a:prstTxWarp prst="textNoShape">
+              <a:avLst/>
+            </a:prstTxWarp>
+          </a:bodyPr>
+          <a:lstStyle/>
+          <a:p>
+            <a:pPr algn="ctr" defTabSz="914099" fontAlgn="base">
+              <a:spcBef>
+                <a:spcPct val="0"/>
+              </a:spcBef>
+              <a:spcAft>
+                <a:spcPct val="0"/>
+              </a:spcAft>
+            </a:pPr>
+            <a:r>
+              <a:rPr lang="en-US" sz="2300" dirty="0" smtClean="0">
+                <a:solidFill>
+                  <a:srgbClr val="FFFFFF"/>
+                </a:solidFill>
+                <a:effectLst>
+                  <a:outerShdw blurRad="38100" dist="38100" dir="2700000" algn="tl">
+                    <a:srgbClr val="000000">
+                      <a:alpha val="43137"/>
+                    </a:srgbClr>
+                  </a:outerShdw>
+                </a:effectLst>
+                <a:latin typeface="Trebuchet MS" pitchFamily="34" charset="0"/>
+              </a:rPr>
+              <a:t>Collection</a:t>
+            </a:r>
+            <a:endParaRPr lang="en-US" sz="2300" dirty="0" smtClean="0">
+              <a:solidFill>
+                <a:srgbClr val="FFFFFF"/>
+              </a:solidFill>
+              <a:effectLst>
+                <a:outerShdw blurRad="38100" dist="38100" dir="2700000" algn="tl">
+                  <a:srgbClr val="000000">
+                    <a:alpha val="43137"/>
+                  </a:srgbClr>
+                </a:outerShdw>
+              </a:effectLst>
+              <a:latin typeface="Trebuchet MS" pitchFamily="34" charset="0"/>
+            </a:endParaRPr>
+          </a:p>
+        </p:txBody>
+      </p:sp>
+      <p:sp>
+        <p:nvSpPr>
+          <p:cNvPr id="10" name="Rounded Rectangle 9"/>
+          <p:cNvSpPr/>
+          <p:nvPr/>
+        </p:nvSpPr>
+        <p:spPr bwMode="auto">
+          <a:xfrm>
+            <a:off x="4824754" y="2417923"/>
+            <a:ext cx="2057400" cy="1219200"/>
+          </a:xfrm>
+          <a:prstGeom prst="roundRect">
+            <a:avLst/>
+          </a:prstGeom>
+          <a:solidFill>
+            <a:schemeClr val="accent1"/>
+          </a:solidFill>
+          <a:ln>
+            <a:headEnd type="none" w="med" len="med"/>
+            <a:tailEnd type="none" w="med" len="med"/>
+          </a:ln>
+        </p:spPr>
+        <p:style>
+          <a:lnRef idx="0">
+            <a:schemeClr val="accent2"/>
+          </a:lnRef>
+          <a:fillRef idx="3">
+            <a:schemeClr val="accent2"/>
+          </a:fillRef>
+          <a:effectRef idx="3">
+            <a:schemeClr val="accent2"/>
+          </a:effectRef>
+          <a:fontRef idx="minor">
+            <a:schemeClr val="lt1"/>
+          </a:fontRef>
+        </p:style>
+        <p:txBody>
+          <a:bodyPr vert="horz" wrap="square" lIns="91436" tIns="45718" rIns="91436" bIns="45718" numCol="1" rtlCol="0" anchor="ctr" anchorCtr="0" compatLnSpc="1">
+            <a:prstTxWarp prst="textNoShape">
+              <a:avLst/>
+            </a:prstTxWarp>
+          </a:bodyPr>
+          <a:lstStyle/>
+          <a:p>
+            <a:pPr algn="ctr" defTabSz="914099" fontAlgn="base">
+              <a:spcBef>
+                <a:spcPct val="0"/>
+              </a:spcBef>
+              <a:spcAft>
+                <a:spcPct val="0"/>
+              </a:spcAft>
+            </a:pPr>
+            <a:r>
+              <a:rPr lang="en-US" sz="2300" dirty="0" smtClean="0">
+                <a:solidFill>
+                  <a:srgbClr val="FFFFFF"/>
+                </a:solidFill>
+                <a:effectLst>
+                  <a:outerShdw blurRad="38100" dist="38100" dir="2700000" algn="tl">
+                    <a:srgbClr val="000000">
+                      <a:alpha val="43137"/>
+                    </a:srgbClr>
+                  </a:outerShdw>
+                </a:effectLst>
+                <a:latin typeface="Trebuchet MS" pitchFamily="34" charset="0"/>
+              </a:rPr>
+              <a:t>Index(s)</a:t>
+            </a:r>
+            <a:endParaRPr lang="en-US" sz="2300" dirty="0" smtClean="0">
+              <a:solidFill>
+                <a:srgbClr val="FFFFFF"/>
+              </a:solidFill>
+              <a:effectLst>
+                <a:outerShdw blurRad="38100" dist="38100" dir="2700000" algn="tl">
+                  <a:srgbClr val="000000">
+                    <a:alpha val="43137"/>
+                  </a:srgbClr>
+                </a:outerShdw>
+              </a:effectLst>
+              <a:latin typeface="Trebuchet MS" pitchFamily="34" charset="0"/>
+            </a:endParaRPr>
+          </a:p>
+        </p:txBody>
+      </p:sp>
+      <p:sp>
+        <p:nvSpPr>
+          <p:cNvPr id="17" name="Left Arrow 16"/>
+          <p:cNvSpPr/>
+          <p:nvPr/>
+        </p:nvSpPr>
+        <p:spPr bwMode="auto">
+          <a:xfrm rot="10954309">
+            <a:off x="1676012" y="2032096"/>
+            <a:ext cx="381388" cy="381002"/>
+          </a:xfrm>
+          <a:prstGeom prst="leftArrow">
+            <a:avLst/>
+          </a:prstGeom>
+          <a:solidFill>
+            <a:schemeClr val="accent1"/>
+          </a:solidFill>
+          <a:ln>
+            <a:headEnd type="none" w="med" len="med"/>
+            <a:tailEnd type="none" w="med" len="med"/>
+          </a:ln>
+        </p:spPr>
+        <p:style>
+          <a:lnRef idx="0">
+            <a:schemeClr val="accent2"/>
+          </a:lnRef>
+          <a:fillRef idx="3">
+            <a:schemeClr val="accent2"/>
+          </a:fillRef>
+          <a:effectRef idx="3">
+            <a:schemeClr val="accent2"/>
+          </a:effectRef>
+          <a:fontRef idx="minor">
+            <a:schemeClr val="lt1"/>
+          </a:fontRef>
+        </p:style>
+        <p:txBody>
+          <a:bodyPr vert="horz" wrap="square" lIns="91436" tIns="45718" rIns="91436" bIns="45718" numCol="1" rtlCol="0" anchor="ctr" anchorCtr="0" compatLnSpc="1">
+            <a:prstTxWarp prst="textNoShape">
+              <a:avLst/>
+            </a:prstTxWarp>
+          </a:bodyPr>
+          <a:lstStyle/>
+          <a:p>
+            <a:pPr algn="ctr" defTabSz="914099" fontAlgn="base">
+              <a:spcBef>
+                <a:spcPct val="0"/>
+              </a:spcBef>
+              <a:spcAft>
+                <a:spcPct val="0"/>
+              </a:spcAft>
+            </a:pPr>
+            <a:endParaRPr lang="en-US" sz="2300" dirty="0" smtClean="0">
+              <a:solidFill>
+                <a:srgbClr val="FFFFFF"/>
+              </a:solidFill>
+              <a:effectLst>
+                <a:outerShdw blurRad="38100" dist="38100" dir="2700000" algn="tl">
+                  <a:srgbClr val="000000">
+                    <a:alpha val="43137"/>
+                  </a:srgbClr>
+                </a:outerShdw>
+              </a:effectLst>
+              <a:latin typeface="Trebuchet MS" pitchFamily="34" charset="0"/>
+            </a:endParaRPr>
+          </a:p>
+        </p:txBody>
+      </p:sp>
+      <p:sp>
+        <p:nvSpPr>
+          <p:cNvPr id="27" name="Rounded Rectangle 26"/>
+          <p:cNvSpPr/>
+          <p:nvPr/>
+        </p:nvSpPr>
+        <p:spPr bwMode="auto">
+          <a:xfrm>
+            <a:off x="2095506" y="3352800"/>
+            <a:ext cx="2057400" cy="1219200"/>
+          </a:xfrm>
+          <a:prstGeom prst="roundRect">
+            <a:avLst/>
+          </a:prstGeom>
+          <a:solidFill>
+            <a:schemeClr val="accent1"/>
+          </a:solidFill>
+          <a:ln>
+            <a:headEnd type="none" w="med" len="med"/>
+            <a:tailEnd type="none" w="med" len="med"/>
+          </a:ln>
+        </p:spPr>
+        <p:style>
+          <a:lnRef idx="0">
+            <a:schemeClr val="accent2"/>
+          </a:lnRef>
+          <a:fillRef idx="3">
+            <a:schemeClr val="accent2"/>
+          </a:fillRef>
+          <a:effectRef idx="3">
+            <a:schemeClr val="accent2"/>
+          </a:effectRef>
+          <a:fontRef idx="minor">
+            <a:schemeClr val="lt1"/>
+          </a:fontRef>
+        </p:style>
+        <p:txBody>
+          <a:bodyPr vert="horz" wrap="square" lIns="91436" tIns="45718" rIns="91436" bIns="45718" numCol="1" rtlCol="0" anchor="ctr" anchorCtr="0" compatLnSpc="1">
+            <a:prstTxWarp prst="textNoShape">
+              <a:avLst/>
+            </a:prstTxWarp>
+          </a:bodyPr>
+          <a:lstStyle/>
+          <a:p>
+            <a:pPr algn="ctr" defTabSz="914099" fontAlgn="base">
+              <a:spcBef>
+                <a:spcPct val="0"/>
+              </a:spcBef>
+              <a:spcAft>
+                <a:spcPct val="0"/>
+              </a:spcAft>
+            </a:pPr>
+            <a:r>
+              <a:rPr lang="en-US" sz="2300" dirty="0" smtClean="0">
+                <a:solidFill>
+                  <a:srgbClr val="FFFFFF"/>
+                </a:solidFill>
+                <a:effectLst>
+                  <a:outerShdw blurRad="38100" dist="38100" dir="2700000" algn="tl">
+                    <a:srgbClr val="000000">
+                      <a:alpha val="43137"/>
+                    </a:srgbClr>
+                  </a:outerShdw>
+                </a:effectLst>
+                <a:latin typeface="Trebuchet MS" pitchFamily="34" charset="0"/>
+              </a:rPr>
+              <a:t>Filtering</a:t>
+            </a:r>
+            <a:endParaRPr lang="en-US" sz="2300" dirty="0" smtClean="0">
+              <a:solidFill>
+                <a:srgbClr val="FFFFFF"/>
+              </a:solidFill>
+              <a:effectLst>
+                <a:outerShdw blurRad="38100" dist="38100" dir="2700000" algn="tl">
+                  <a:srgbClr val="000000">
+                    <a:alpha val="43137"/>
+                  </a:srgbClr>
+                </a:outerShdw>
+              </a:effectLst>
+              <a:latin typeface="Trebuchet MS" pitchFamily="34" charset="0"/>
+            </a:endParaRPr>
+          </a:p>
+        </p:txBody>
+      </p:sp>
+      <p:sp>
+        <p:nvSpPr>
+          <p:cNvPr id="21" name="Rounded Rectangle 20"/>
+          <p:cNvSpPr/>
+          <p:nvPr/>
+        </p:nvSpPr>
+        <p:spPr bwMode="auto">
+          <a:xfrm>
+            <a:off x="4824754" y="861983"/>
+            <a:ext cx="2057400" cy="1219200"/>
+          </a:xfrm>
+          <a:prstGeom prst="roundRect">
+            <a:avLst/>
+          </a:prstGeom>
+          <a:solidFill>
+            <a:schemeClr val="accent1"/>
+          </a:solidFill>
+          <a:ln>
+            <a:headEnd type="none" w="med" len="med"/>
+            <a:tailEnd type="none" w="med" len="med"/>
+          </a:ln>
+        </p:spPr>
+        <p:style>
+          <a:lnRef idx="0">
+            <a:schemeClr val="accent2"/>
+          </a:lnRef>
+          <a:fillRef idx="3">
+            <a:schemeClr val="accent2"/>
+          </a:fillRef>
+          <a:effectRef idx="3">
+            <a:schemeClr val="accent2"/>
+          </a:effectRef>
+          <a:fontRef idx="minor">
+            <a:schemeClr val="lt1"/>
+          </a:fontRef>
+        </p:style>
+        <p:txBody>
+          <a:bodyPr vert="horz" wrap="square" lIns="91436" tIns="45718" rIns="91436" bIns="45718" numCol="1" rtlCol="0" anchor="ctr" anchorCtr="0" compatLnSpc="1">
+            <a:prstTxWarp prst="textNoShape">
+              <a:avLst/>
+            </a:prstTxWarp>
+          </a:bodyPr>
+          <a:lstStyle/>
+          <a:p>
+            <a:pPr algn="ctr" defTabSz="914099" fontAlgn="base">
+              <a:spcBef>
+                <a:spcPct val="0"/>
+              </a:spcBef>
+              <a:spcAft>
+                <a:spcPct val="0"/>
+              </a:spcAft>
+            </a:pPr>
+            <a:r>
+              <a:rPr lang="en-US" sz="2300" dirty="0" smtClean="0">
+                <a:solidFill>
+                  <a:srgbClr val="FFFFFF"/>
+                </a:solidFill>
+                <a:effectLst>
+                  <a:outerShdw blurRad="38100" dist="38100" dir="2700000" algn="tl">
+                    <a:srgbClr val="000000">
+                      <a:alpha val="43137"/>
+                    </a:srgbClr>
+                  </a:outerShdw>
+                </a:effectLst>
+                <a:latin typeface="Trebuchet MS" pitchFamily="34" charset="0"/>
+              </a:rPr>
+              <a:t>Data Store</a:t>
+            </a:r>
+            <a:endParaRPr lang="en-US" sz="2300" dirty="0" smtClean="0">
+              <a:solidFill>
+                <a:srgbClr val="FFFFFF"/>
+              </a:solidFill>
+              <a:effectLst>
+                <a:outerShdw blurRad="38100" dist="38100" dir="2700000" algn="tl">
+                  <a:srgbClr val="000000">
+                    <a:alpha val="43137"/>
+                  </a:srgbClr>
+                </a:outerShdw>
+              </a:effectLst>
+              <a:latin typeface="Trebuchet MS" pitchFamily="34" charset="0"/>
+            </a:endParaRPr>
+          </a:p>
+        </p:txBody>
+      </p:sp>
+      <p:sp>
+        <p:nvSpPr>
+          <p:cNvPr id="25" name="Left Arrow 24"/>
+          <p:cNvSpPr/>
+          <p:nvPr/>
+        </p:nvSpPr>
+        <p:spPr bwMode="auto">
+          <a:xfrm rot="1606427">
+            <a:off x="4082593" y="2734335"/>
+            <a:ext cx="781226" cy="316468"/>
+          </a:xfrm>
+          <a:prstGeom prst="leftArrow">
+            <a:avLst/>
+          </a:prstGeom>
+          <a:solidFill>
+            <a:schemeClr val="accent1"/>
+          </a:solidFill>
+          <a:ln>
+            <a:headEnd type="none" w="med" len="med"/>
+            <a:tailEnd type="none" w="med" len="med"/>
+          </a:ln>
+        </p:spPr>
+        <p:style>
+          <a:lnRef idx="0">
+            <a:schemeClr val="accent2"/>
+          </a:lnRef>
+          <a:fillRef idx="3">
+            <a:schemeClr val="accent2"/>
+          </a:fillRef>
+          <a:effectRef idx="3">
+            <a:schemeClr val="accent2"/>
+          </a:effectRef>
+          <a:fontRef idx="minor">
+            <a:schemeClr val="lt1"/>
+          </a:fontRef>
+        </p:style>
+        <p:txBody>
+          <a:bodyPr vert="horz" wrap="square" lIns="91436" tIns="45718" rIns="91436" bIns="45718" numCol="1" rtlCol="0" anchor="ctr" anchorCtr="0" compatLnSpc="1">
+            <a:prstTxWarp prst="textNoShape">
+              <a:avLst/>
+            </a:prstTxWarp>
+          </a:bodyPr>
+          <a:lstStyle/>
+          <a:p>
+            <a:pPr algn="ctr" defTabSz="914099" fontAlgn="base">
+              <a:spcBef>
+                <a:spcPct val="0"/>
+              </a:spcBef>
+              <a:spcAft>
+                <a:spcPct val="0"/>
+              </a:spcAft>
+            </a:pPr>
+            <a:endParaRPr lang="en-US" sz="2300" dirty="0" smtClean="0">
+              <a:solidFill>
+                <a:srgbClr val="FFFFFF"/>
+              </a:solidFill>
+              <a:effectLst>
+                <a:outerShdw blurRad="38100" dist="38100" dir="2700000" algn="tl">
+                  <a:srgbClr val="000000">
+                    <a:alpha val="43137"/>
+                  </a:srgbClr>
+                </a:outerShdw>
+              </a:effectLst>
+              <a:latin typeface="Trebuchet MS" pitchFamily="34" charset="0"/>
+            </a:endParaRPr>
+          </a:p>
+        </p:txBody>
+      </p:sp>
+      <p:sp>
+        <p:nvSpPr>
+          <p:cNvPr id="31" name="Left Arrow 30"/>
+          <p:cNvSpPr/>
+          <p:nvPr/>
+        </p:nvSpPr>
+        <p:spPr bwMode="auto">
+          <a:xfrm rot="19857984">
+            <a:off x="4052867" y="1462189"/>
+            <a:ext cx="814753" cy="316468"/>
+          </a:xfrm>
+          <a:prstGeom prst="leftArrow">
+            <a:avLst/>
+          </a:prstGeom>
+          <a:solidFill>
+            <a:schemeClr val="accent1"/>
+          </a:solidFill>
+          <a:ln>
+            <a:headEnd type="none" w="med" len="med"/>
+            <a:tailEnd type="none" w="med" len="med"/>
+          </a:ln>
+        </p:spPr>
+        <p:style>
+          <a:lnRef idx="0">
+            <a:schemeClr val="accent2"/>
+          </a:lnRef>
+          <a:fillRef idx="3">
+            <a:schemeClr val="accent2"/>
+          </a:fillRef>
+          <a:effectRef idx="3">
+            <a:schemeClr val="accent2"/>
+          </a:effectRef>
+          <a:fontRef idx="minor">
+            <a:schemeClr val="lt1"/>
+          </a:fontRef>
+        </p:style>
+        <p:txBody>
+          <a:bodyPr vert="horz" wrap="square" lIns="91436" tIns="45718" rIns="91436" bIns="45718" numCol="1" rtlCol="0" anchor="ctr" anchorCtr="0" compatLnSpc="1">
+            <a:prstTxWarp prst="textNoShape">
+              <a:avLst/>
+            </a:prstTxWarp>
+          </a:bodyPr>
+          <a:lstStyle/>
+          <a:p>
+            <a:pPr algn="ctr" defTabSz="914099" fontAlgn="base">
+              <a:spcBef>
+                <a:spcPct val="0"/>
+              </a:spcBef>
+              <a:spcAft>
+                <a:spcPct val="0"/>
+              </a:spcAft>
+            </a:pPr>
+            <a:endParaRPr lang="en-US" sz="2300" dirty="0" smtClean="0">
+              <a:solidFill>
+                <a:srgbClr val="FFFFFF"/>
+              </a:solidFill>
+              <a:effectLst>
+                <a:outerShdw blurRad="38100" dist="38100" dir="2700000" algn="tl">
+                  <a:srgbClr val="000000">
+                    <a:alpha val="43137"/>
+                  </a:srgbClr>
+                </a:outerShdw>
+              </a:effectLst>
+              <a:latin typeface="Trebuchet MS" pitchFamily="34" charset="0"/>
+            </a:endParaRPr>
+          </a:p>
+        </p:txBody>
+      </p:sp>
+      <p:sp>
+        <p:nvSpPr>
+          <p:cNvPr id="14" name="TextBox 13"/>
+          <p:cNvSpPr txBox="1"/>
+          <p:nvPr/>
+        </p:nvSpPr>
+        <p:spPr>
+          <a:xfrm>
+            <a:off x="632738" y="2037931"/>
+            <a:ext cx="833690" cy="369332"/>
+          </a:xfrm>
+          <a:prstGeom prst="rect">
+            <a:avLst/>
+          </a:prstGeom>
+          <a:noFill/>
+        </p:spPr>
+        <p:txBody>
+          <a:bodyPr wrap="none" rtlCol="0">
+            <a:spAutoFit/>
+          </a:bodyPr>
+          <a:lstStyle/>
+          <a:p>
+            <a:r>
+              <a:rPr lang="en-US" dirty="0" smtClean="0"/>
+              <a:t>QUERY</a:t>
+            </a:r>
+            <a:endParaRPr lang="en-US" dirty="0"/>
+          </a:p>
+        </p:txBody>
+      </p:sp>
+      <p:sp>
+        <p:nvSpPr>
+          <p:cNvPr id="15" name="Rounded Rectangle 14"/>
+          <p:cNvSpPr/>
+          <p:nvPr/>
+        </p:nvSpPr>
+        <p:spPr bwMode="auto">
+          <a:xfrm>
+            <a:off x="5029200" y="5178349"/>
+            <a:ext cx="2057400" cy="1219200"/>
+          </a:xfrm>
+          <a:prstGeom prst="roundRect">
+            <a:avLst/>
+          </a:prstGeom>
+          <a:solidFill>
+            <a:schemeClr val="accent1"/>
+          </a:solidFill>
+          <a:ln>
+            <a:headEnd type="none" w="med" len="med"/>
+            <a:tailEnd type="none" w="med" len="med"/>
+          </a:ln>
+        </p:spPr>
+        <p:style>
+          <a:lnRef idx="0">
+            <a:schemeClr val="accent2"/>
+          </a:lnRef>
+          <a:fillRef idx="3">
+            <a:schemeClr val="accent2"/>
+          </a:fillRef>
+          <a:effectRef idx="3">
+            <a:schemeClr val="accent2"/>
+          </a:effectRef>
+          <a:fontRef idx="minor">
+            <a:schemeClr val="lt1"/>
+          </a:fontRef>
+        </p:style>
+        <p:txBody>
+          <a:bodyPr vert="horz" wrap="square" lIns="91436" tIns="45718" rIns="91436" bIns="45718" numCol="1" rtlCol="0" anchor="ctr" anchorCtr="0" compatLnSpc="1">
+            <a:prstTxWarp prst="textNoShape">
+              <a:avLst/>
+            </a:prstTxWarp>
+          </a:bodyPr>
+          <a:lstStyle/>
+          <a:p>
+            <a:pPr algn="ctr" defTabSz="914099" fontAlgn="base">
+              <a:spcBef>
+                <a:spcPct val="0"/>
+              </a:spcBef>
+              <a:spcAft>
+                <a:spcPct val="0"/>
+              </a:spcAft>
+            </a:pPr>
+            <a:r>
+              <a:rPr lang="en-US" sz="2300" dirty="0" smtClean="0">
+                <a:solidFill>
+                  <a:srgbClr val="FFFFFF"/>
+                </a:solidFill>
+                <a:effectLst>
+                  <a:outerShdw blurRad="38100" dist="38100" dir="2700000" algn="tl">
+                    <a:srgbClr val="000000">
+                      <a:alpha val="43137"/>
+                    </a:srgbClr>
+                  </a:outerShdw>
+                </a:effectLst>
+                <a:latin typeface="Trebuchet MS" pitchFamily="34" charset="0"/>
+              </a:rPr>
+              <a:t>Application Output</a:t>
+            </a:r>
+            <a:endParaRPr lang="en-US" sz="2300" dirty="0" smtClean="0">
+              <a:solidFill>
+                <a:srgbClr val="FFFFFF"/>
+              </a:solidFill>
+              <a:effectLst>
+                <a:outerShdw blurRad="38100" dist="38100" dir="2700000" algn="tl">
+                  <a:srgbClr val="000000">
+                    <a:alpha val="43137"/>
+                  </a:srgbClr>
+                </a:outerShdw>
+              </a:effectLst>
+              <a:latin typeface="Trebuchet MS" pitchFamily="34" charset="0"/>
+            </a:endParaRPr>
+          </a:p>
+        </p:txBody>
+      </p:sp>
+      <p:sp>
+        <p:nvSpPr>
+          <p:cNvPr id="16" name="Left Arrow 15"/>
+          <p:cNvSpPr/>
+          <p:nvPr/>
+        </p:nvSpPr>
+        <p:spPr bwMode="auto">
+          <a:xfrm rot="16200000">
+            <a:off x="2834649" y="2934803"/>
+            <a:ext cx="518131" cy="316468"/>
+          </a:xfrm>
+          <a:prstGeom prst="leftArrow">
+            <a:avLst/>
+          </a:prstGeom>
+          <a:solidFill>
+            <a:schemeClr val="accent1"/>
+          </a:solidFill>
+          <a:ln>
+            <a:headEnd type="none" w="med" len="med"/>
+            <a:tailEnd type="none" w="med" len="med"/>
+          </a:ln>
+        </p:spPr>
+        <p:style>
+          <a:lnRef idx="0">
+            <a:schemeClr val="accent2"/>
+          </a:lnRef>
+          <a:fillRef idx="3">
+            <a:schemeClr val="accent2"/>
+          </a:fillRef>
+          <a:effectRef idx="3">
+            <a:schemeClr val="accent2"/>
+          </a:effectRef>
+          <a:fontRef idx="minor">
+            <a:schemeClr val="lt1"/>
+          </a:fontRef>
+        </p:style>
+        <p:txBody>
+          <a:bodyPr vert="horz" wrap="square" lIns="91436" tIns="45718" rIns="91436" bIns="45718" numCol="1" rtlCol="0" anchor="ctr" anchorCtr="0" compatLnSpc="1">
+            <a:prstTxWarp prst="textNoShape">
+              <a:avLst/>
+            </a:prstTxWarp>
+          </a:bodyPr>
+          <a:lstStyle/>
+          <a:p>
+            <a:pPr algn="ctr" defTabSz="914099" fontAlgn="base">
+              <a:spcBef>
+                <a:spcPct val="0"/>
+              </a:spcBef>
+              <a:spcAft>
+                <a:spcPct val="0"/>
+              </a:spcAft>
+            </a:pPr>
+            <a:endParaRPr lang="en-US" sz="2300" dirty="0" smtClean="0">
+              <a:solidFill>
+                <a:srgbClr val="FFFFFF"/>
+              </a:solidFill>
+              <a:effectLst>
+                <a:outerShdw blurRad="38100" dist="38100" dir="2700000" algn="tl">
+                  <a:srgbClr val="000000">
+                    <a:alpha val="43137"/>
+                  </a:srgbClr>
+                </a:outerShdw>
+              </a:effectLst>
+              <a:latin typeface="Trebuchet MS" pitchFamily="34" charset="0"/>
+            </a:endParaRPr>
+          </a:p>
+        </p:txBody>
+      </p:sp>
+      <p:sp>
+        <p:nvSpPr>
+          <p:cNvPr id="18" name="Left Arrow 17"/>
+          <p:cNvSpPr/>
+          <p:nvPr/>
+        </p:nvSpPr>
+        <p:spPr bwMode="auto">
+          <a:xfrm rot="16200000">
+            <a:off x="2861573" y="4701021"/>
+            <a:ext cx="518131" cy="316468"/>
+          </a:xfrm>
+          <a:prstGeom prst="leftArrow">
+            <a:avLst/>
+          </a:prstGeom>
+          <a:solidFill>
+            <a:schemeClr val="accent1"/>
+          </a:solidFill>
+          <a:ln>
+            <a:headEnd type="none" w="med" len="med"/>
+            <a:tailEnd type="none" w="med" len="med"/>
+          </a:ln>
+        </p:spPr>
+        <p:style>
+          <a:lnRef idx="0">
+            <a:schemeClr val="accent2"/>
+          </a:lnRef>
+          <a:fillRef idx="3">
+            <a:schemeClr val="accent2"/>
+          </a:fillRef>
+          <a:effectRef idx="3">
+            <a:schemeClr val="accent2"/>
+          </a:effectRef>
+          <a:fontRef idx="minor">
+            <a:schemeClr val="lt1"/>
+          </a:fontRef>
+        </p:style>
+        <p:txBody>
+          <a:bodyPr vert="horz" wrap="square" lIns="91436" tIns="45718" rIns="91436" bIns="45718" numCol="1" rtlCol="0" anchor="ctr" anchorCtr="0" compatLnSpc="1">
+            <a:prstTxWarp prst="textNoShape">
+              <a:avLst/>
+            </a:prstTxWarp>
+          </a:bodyPr>
+          <a:lstStyle/>
+          <a:p>
+            <a:pPr algn="ctr" defTabSz="914099" fontAlgn="base">
+              <a:spcBef>
+                <a:spcPct val="0"/>
+              </a:spcBef>
+              <a:spcAft>
+                <a:spcPct val="0"/>
+              </a:spcAft>
+            </a:pPr>
+            <a:endParaRPr lang="en-US" sz="2300" dirty="0" smtClean="0">
+              <a:solidFill>
+                <a:srgbClr val="FFFFFF"/>
+              </a:solidFill>
+              <a:effectLst>
+                <a:outerShdw blurRad="38100" dist="38100" dir="2700000" algn="tl">
+                  <a:srgbClr val="000000">
+                    <a:alpha val="43137"/>
+                  </a:srgbClr>
+                </a:outerShdw>
+              </a:effectLst>
+              <a:latin typeface="Trebuchet MS" pitchFamily="34" charset="0"/>
+            </a:endParaRPr>
+          </a:p>
+        </p:txBody>
+      </p:sp>
+      <p:sp>
+        <p:nvSpPr>
+          <p:cNvPr id="19" name="Left Arrow 18"/>
+          <p:cNvSpPr/>
+          <p:nvPr/>
+        </p:nvSpPr>
+        <p:spPr bwMode="auto">
+          <a:xfrm rot="10800000">
+            <a:off x="4214140" y="5629715"/>
+            <a:ext cx="815059" cy="316468"/>
+          </a:xfrm>
+          <a:prstGeom prst="leftArrow">
+            <a:avLst/>
+          </a:prstGeom>
+          <a:solidFill>
+            <a:schemeClr val="accent1"/>
+          </a:solidFill>
+          <a:ln>
+            <a:headEnd type="none" w="med" len="med"/>
+            <a:tailEnd type="none" w="med" len="med"/>
+          </a:ln>
+        </p:spPr>
+        <p:style>
+          <a:lnRef idx="0">
+            <a:schemeClr val="accent2"/>
+          </a:lnRef>
+          <a:fillRef idx="3">
+            <a:schemeClr val="accent2"/>
+          </a:fillRef>
+          <a:effectRef idx="3">
+            <a:schemeClr val="accent2"/>
+          </a:effectRef>
+          <a:fontRef idx="minor">
+            <a:schemeClr val="lt1"/>
+          </a:fontRef>
+        </p:style>
+        <p:txBody>
+          <a:bodyPr vert="horz" wrap="square" lIns="91436" tIns="45718" rIns="91436" bIns="45718" numCol="1" rtlCol="0" anchor="ctr" anchorCtr="0" compatLnSpc="1">
+            <a:prstTxWarp prst="textNoShape">
+              <a:avLst/>
+            </a:prstTxWarp>
+          </a:bodyPr>
+          <a:lstStyle/>
+          <a:p>
+            <a:pPr algn="ctr" defTabSz="914099" fontAlgn="base">
+              <a:spcBef>
+                <a:spcPct val="0"/>
+              </a:spcBef>
+              <a:spcAft>
+                <a:spcPct val="0"/>
+              </a:spcAft>
+            </a:pPr>
+            <a:endParaRPr lang="en-US" sz="2300" dirty="0" smtClean="0">
+              <a:solidFill>
+                <a:srgbClr val="FFFFFF"/>
+              </a:solidFill>
+              <a:effectLst>
+                <a:outerShdw blurRad="38100" dist="38100" dir="2700000" algn="tl">
+                  <a:srgbClr val="000000">
+                    <a:alpha val="43137"/>
+                  </a:srgbClr>
+                </a:outerShdw>
+              </a:effectLst>
+              <a:latin typeface="Trebuchet MS" pitchFamily="34" charset="0"/>
+            </a:endParaRPr>
+          </a:p>
+        </p:txBody>
+      </p:sp>
+    </p:spTree>
+    <p:extLst>
+      <p:ext uri="{BB962C8B-B14F-4D97-AF65-F5344CB8AC3E}">
+        <p14:creationId xmlns:p14="http://schemas.microsoft.com/office/powerpoint/2010/main" val="3829349404"/>
+      </p:ext>
+    </p:extLst>
+  </p:cSld>
+  <p:clrMapOvr>
+    <a:masterClrMapping/>
+  </p:clrMapOvr>
+  <p:transition>
+    <p:fade/>
+  </p:transition>
+  <p:timing>
+    <p:tnLst>
+      <p:par>
+        <p:cTn id="1" dur="indefinite" restart="never" nodeType="tmRoot"/>
+      </p:par>
+    </p:tnLst>
+  </p:timing>
+</p:sld>
+</file>
+
+<file path=ppt/slides/slide14.xml><?xml version="1.0" encoding="utf-8"?>
+<p:sld xmlns:a="http://schemas.openxmlformats.org/drawingml/2006/main" xmlns:r="http://schemas.openxmlformats.org/officeDocument/2006/relationships" xmlns:p="http://schemas.openxmlformats.org/presentationml/2006/main">
+  <p:cSld>
+    <p:spTree>
+      <p:nvGrpSpPr>
+        <p:cNvPr id="1" name=""/>
+        <p:cNvGrpSpPr/>
+        <p:nvPr/>
+      </p:nvGrpSpPr>
+      <p:grpSpPr>
+        <a:xfrm>
+          <a:off x="0" y="0"/>
+          <a:ext cx="0" cy="0"/>
+          <a:chOff x="0" y="0"/>
+          <a:chExt cx="0" cy="0"/>
+        </a:xfrm>
+      </p:grpSpPr>
+      <p:sp>
+        <p:nvSpPr>
+          <p:cNvPr id="2" name="Title 1"/>
+          <p:cNvSpPr>
+            <a:spLocks noGrp="1"/>
+          </p:cNvSpPr>
+          <p:nvPr>
+            <p:ph type="title"/>
+          </p:nvPr>
+        </p:nvSpPr>
+        <p:spPr/>
+        <p:txBody>
+          <a:bodyPr/>
+          <a:lstStyle/>
+          <a:p>
+            <a:r>
+              <a:rPr lang="en-US" dirty="0" smtClean="0"/>
+              <a:t>Query Stage</a:t>
+            </a:r>
+            <a:endParaRPr lang="en-US" dirty="0"/>
+          </a:p>
+        </p:txBody>
+      </p:sp>
+      <p:sp>
+        <p:nvSpPr>
+          <p:cNvPr id="3" name="Text Placeholder 2"/>
+          <p:cNvSpPr>
+            <a:spLocks noGrp="1"/>
+          </p:cNvSpPr>
+          <p:nvPr>
+            <p:ph type="body" sz="quarter" idx="10"/>
+          </p:nvPr>
+        </p:nvSpPr>
+        <p:spPr>
+          <a:xfrm>
+            <a:off x="381000" y="1096423"/>
+            <a:ext cx="8382000" cy="5152180"/>
+          </a:xfrm>
+        </p:spPr>
+        <p:txBody>
+          <a:bodyPr/>
+          <a:lstStyle/>
+          <a:p>
+            <a:pPr marL="0" indent="0">
+              <a:buNone/>
+            </a:pPr>
+            <a:endParaRPr lang="en-US" dirty="0" smtClean="0"/>
+          </a:p>
+          <a:p>
+            <a:r>
+              <a:rPr lang="en-US" dirty="0" smtClean="0">
+                <a:solidFill>
+                  <a:schemeClr val="tx2">
+                    <a:lumMod val="50000"/>
+                  </a:schemeClr>
+                </a:solidFill>
+              </a:rPr>
+              <a:t>Query</a:t>
+            </a:r>
+            <a:endParaRPr lang="en-US" dirty="0" smtClean="0">
+              <a:solidFill>
+                <a:schemeClr val="tx2">
+                  <a:lumMod val="50000"/>
+                </a:schemeClr>
+              </a:solidFill>
+            </a:endParaRPr>
+          </a:p>
+          <a:p>
+            <a:pPr lvl="1"/>
+            <a:r>
+              <a:rPr lang="en-US" dirty="0" smtClean="0"/>
+              <a:t>Handles </a:t>
+            </a:r>
+            <a:r>
+              <a:rPr lang="en-US" dirty="0" smtClean="0"/>
+              <a:t>Application Process request for data from the Data Store</a:t>
+            </a:r>
+          </a:p>
+          <a:p>
+            <a:pPr lvl="2"/>
+            <a:r>
+              <a:rPr lang="en-US" dirty="0" smtClean="0"/>
+              <a:t>Data accessed via Index(s) and direct search (non-indexed)</a:t>
+            </a:r>
+            <a:endParaRPr lang="en-US" dirty="0"/>
+          </a:p>
+          <a:p>
+            <a:pPr lvl="1"/>
+            <a:r>
+              <a:rPr lang="en-US" dirty="0" smtClean="0"/>
+              <a:t>Transformations</a:t>
+            </a:r>
+          </a:p>
+          <a:p>
+            <a:pPr lvl="2"/>
+            <a:r>
+              <a:rPr lang="en-US" dirty="0" smtClean="0"/>
+              <a:t>Filtering (where clauses)</a:t>
+            </a:r>
+          </a:p>
+          <a:p>
+            <a:pPr lvl="2"/>
+            <a:r>
+              <a:rPr lang="en-US" dirty="0" smtClean="0"/>
+              <a:t>Sorting (e.g., ascending / descending)</a:t>
+            </a:r>
+          </a:p>
+          <a:p>
+            <a:pPr lvl="2"/>
+            <a:r>
+              <a:rPr lang="en-US" dirty="0" smtClean="0"/>
+              <a:t>Transformation to output format specific to application process.</a:t>
+            </a:r>
+            <a:endParaRPr lang="en-US" dirty="0" smtClean="0"/>
+          </a:p>
+          <a:p>
+            <a:endParaRPr lang="en-US" dirty="0" smtClean="0">
+              <a:solidFill>
+                <a:schemeClr val="tx2">
+                  <a:lumMod val="50000"/>
+                </a:schemeClr>
+              </a:solidFill>
+            </a:endParaRPr>
+          </a:p>
+        </p:txBody>
+      </p:sp>
+    </p:spTree>
+    <p:extLst>
+      <p:ext uri="{BB962C8B-B14F-4D97-AF65-F5344CB8AC3E}">
+        <p14:creationId xmlns:p14="http://schemas.microsoft.com/office/powerpoint/2010/main" val="2487371758"/>
+      </p:ext>
+    </p:extLst>
   </p:cSld>
   <p:clrMapOvr>
     <a:masterClrMapping/>
@@ -6380,15 +10178,23 @@
             <a:pPr lvl="1"/>
             <a:r>
               <a:rPr lang="en-US" dirty="0" smtClean="0"/>
-              <a:t>Interface for handling process of </a:t>
+              <a:t>Interface for handling process of user and stored procedure queries on </a:t>
             </a:r>
             <a:r>
               <a:rPr lang="en-US" dirty="0" smtClean="0"/>
-              <a:t>user and stored procedure </a:t>
+              <a:t>the data </a:t>
             </a:r>
             <a:r>
               <a:rPr lang="en-US" dirty="0" smtClean="0"/>
-              <a:t>queries on date in data stores.</a:t>
+              <a:t>in </a:t>
+            </a:r>
+            <a:r>
+              <a:rPr lang="en-US" dirty="0" smtClean="0"/>
+              <a:t>the data </a:t>
+            </a:r>
+            <a:r>
+              <a:rPr lang="en-US" dirty="0" smtClean="0"/>
+              <a:t>stores.</a:t>
             </a:r>
           </a:p>
           <a:p>
@@ -6402,13 +10208,8 @@
             <a:pPr lvl="1"/>
             <a:r>
               <a:rPr lang="en-US" dirty="0" smtClean="0"/>
-              <a:t>REST API interface </a:t>
-            </a:r>
-            <a:r>
-              <a:rPr lang="en-US" dirty="0" smtClean="0"/>
-              <a:t>(micro-services)</a:t>
-            </a:r>
-            <a:endParaRPr lang="en-US" dirty="0" smtClean="0"/>
+              <a:t>REST API interface (micro-services)</a:t>
+            </a:r>
           </a:p>
           <a:p>
             <a:pPr lvl="1"/>
@@ -7084,7 +10885,7 @@
                 </a:effectLst>
                 <a:latin typeface="Trebuchet MS" pitchFamily="34" charset="0"/>
               </a:rPr>
-              <a:t>Tabular</a:t>
+              <a:t>Columnar</a:t>
             </a:r>
             <a:br>
               <a:rPr lang="en-US" sz="2300" dirty="0" smtClean="0">
@@ -7115,7 +10916,23 @@
                 </a:effectLst>
                 <a:latin typeface="Trebuchet MS" pitchFamily="34" charset="0"/>
               </a:rPr>
-              <a:t>(CSV)</a:t>
+              <a:t>(CSV</a:t>
+            </a:r>
+            <a:r>
+              <a:rPr lang="en-US" sz="2300" dirty="0" smtClean="0">
+                <a:solidFill>
+                  <a:srgbClr val="FFFFFF"/>
+                </a:solidFill>
+                <a:effectLst>
+                  <a:outerShdw blurRad="38100" dist="38100" dir="2700000" algn="tl">
+                    <a:srgbClr val="000000">
+                      <a:alpha val="43137"/>
+                    </a:srgbClr>
+                  </a:outerShdw>
+                </a:effectLst>
+                <a:latin typeface="Trebuchet MS" pitchFamily="34" charset="0"/>
+              </a:rPr>
+              <a:t>)</a:t>
             </a:r>
           </a:p>
         </p:txBody>
@@ -7515,7 +11332,15 @@
           <a:p>
             <a:r>
               <a:rPr lang="en-US" dirty="0" smtClean="0"/>
-              <a:t>Input Stage – Tabular Format (e.g., CSV)</a:t>
+              <a:t>Input Stage – </a:t>
+            </a:r>
+            <a:r>
+              <a:rPr lang="en-US" dirty="0" smtClean="0"/>
+              <a:t>Columnar </a:t>
+            </a:r>
+            <a:r>
+              <a:rPr lang="en-US" dirty="0" smtClean="0"/>
+              <a:t>Format (e.g., CSV)</a:t>
             </a:r>
             <a:endParaRPr lang="en-US" dirty="0"/>
           </a:p>
@@ -7534,7 +11359,7 @@
         <p:spPr>
           <a:xfrm>
             <a:off x="381000" y="1676400"/>
-            <a:ext cx="8382000" cy="4343400"/>
+            <a:ext cx="8382000" cy="5299912"/>
           </a:xfrm>
         </p:spPr>
         <p:txBody>
@@ -7556,14 +11381,22 @@
             <a:pPr lvl="1"/>
             <a:r>
               <a:rPr lang="en-US" dirty="0" smtClean="0"/>
-              <a:t>File with Matching Header</a:t>
+              <a:t>Input File </a:t>
+            </a:r>
+            <a:r>
+              <a:rPr lang="en-US" dirty="0" smtClean="0"/>
+              <a:t>with Matching Header</a:t>
             </a:r>
           </a:p>
           <a:p>
             <a:pPr lvl="1"/>
             <a:r>
               <a:rPr lang="en-US" dirty="0" smtClean="0"/>
-              <a:t>File with no matching header with matching number of columns.</a:t>
+              <a:t>Input File </a:t>
+            </a:r>
+            <a:r>
+              <a:rPr lang="en-US" dirty="0" smtClean="0"/>
+              <a:t>with no matching header with matching number of columns.</a:t>
             </a:r>
           </a:p>
           <a:p>
@@ -7702,15 +11535,7 @@
           <a:p>
             <a:r>
               <a:rPr lang="en-US" dirty="0" smtClean="0"/>
-              <a:t>Stages (</a:t>
-            </a:r>
-            <a:r>
-              <a:rPr lang="en-US" dirty="0" err="1" smtClean="0"/>
-              <a:t>cont</a:t>
-            </a:r>
-            <a:r>
-              <a:rPr lang="en-US" dirty="0" smtClean="0"/>
-              <a:t>)</a:t>
+              <a:t>Data Model</a:t>
             </a:r>
             <a:endParaRPr lang="en-US" dirty="0"/>
           </a:p>
@@ -7728,81 +11553,13 @@
         </p:nvSpPr>
         <p:spPr>
           <a:xfrm>
-            <a:off x="381000" y="1096423"/>
-            <a:ext cx="8382000" cy="7263527"/>
+            <a:off x="304606" y="1502076"/>
+            <a:ext cx="8382000" cy="4593923"/>
           </a:xfrm>
         </p:spPr>
         <p:txBody>
           <a:bodyPr/>
           <a:lstStyle/>
-          <a:p>
-            <a:r>
-              <a:rPr lang="en-US" dirty="0" smtClean="0">
-                <a:solidFill>
-                  <a:schemeClr val="tx2">
-                    <a:lumMod val="50000"/>
-                  </a:schemeClr>
-                </a:solidFill>
-              </a:rPr>
-              <a:t>Data Model</a:t>
-            </a:r>
-          </a:p>
-          <a:p>
-            <a:pPr lvl="1"/>
-            <a:r>
-              <a:rPr lang="en-US" dirty="0" smtClean="0">
-                <a:solidFill>
-                  <a:schemeClr val="tx1">
-                    <a:lumMod val="95000"/>
-                  </a:schemeClr>
-                </a:solidFill>
-              </a:rPr>
-              <a:t>Transform from input formats to internal </a:t>
-            </a:r>
-            <a:r>
-              <a:rPr lang="en-US" dirty="0" smtClean="0">
-                <a:solidFill>
-                  <a:schemeClr val="tx1">
-                    <a:lumMod val="95000"/>
-                  </a:schemeClr>
-                </a:solidFill>
-              </a:rPr>
-              <a:t>data representation</a:t>
-            </a:r>
-            <a:endParaRPr lang="en-US" dirty="0" smtClean="0">
-              <a:solidFill>
-                <a:schemeClr val="tx1">
-                  <a:lumMod val="95000"/>
-                </a:schemeClr>
-              </a:solidFill>
-            </a:endParaRPr>
-          </a:p>
-          <a:p>
-            <a:pPr lvl="1"/>
-            <a:r>
-              <a:rPr lang="en-US" dirty="0" smtClean="0">
-                <a:solidFill>
-                  <a:schemeClr val="tx1">
-                    <a:lumMod val="95000"/>
-                  </a:schemeClr>
-                </a:solidFill>
-              </a:rPr>
-              <a:t>Data Wrangling</a:t>
-            </a:r>
-          </a:p>
-          <a:p>
-            <a:pPr lvl="1"/>
-            <a:r>
-              <a:rPr lang="en-US" dirty="0" smtClean="0">
-                <a:solidFill>
-                  <a:schemeClr val="tx1">
-                    <a:lumMod val="95000"/>
-                  </a:schemeClr>
-                </a:solidFill>
-              </a:rPr>
-              <a:t>Data Manipulation</a:t>
-            </a:r>
-          </a:p>
           <a:p>
             <a:pPr marL="0" indent="0">
               <a:buNone/>
@@ -7810,83 +11567,1014 @@
             <a:endParaRPr lang="en-US" dirty="0" smtClean="0"/>
           </a:p>
           <a:p>
-            <a:r>
-              <a:rPr lang="en-US" dirty="0" smtClean="0">
-                <a:solidFill>
-                  <a:schemeClr val="tx2">
-                    <a:lumMod val="50000"/>
-                  </a:schemeClr>
-                </a:solidFill>
+            <a:pPr marL="0" indent="0">
+              <a:buNone/>
+            </a:pPr>
+            <a:endParaRPr lang="en-US" dirty="0"/>
+          </a:p>
+          <a:p>
+            <a:pPr marL="0" indent="0">
+              <a:buNone/>
+            </a:pPr>
+            <a:endParaRPr lang="en-US" dirty="0" smtClean="0"/>
+          </a:p>
+          <a:p>
+            <a:pPr marL="0" indent="0">
+              <a:buNone/>
+            </a:pPr>
+            <a:endParaRPr lang="en-US" dirty="0"/>
+          </a:p>
+          <a:p>
+            <a:pPr marL="0" indent="0">
+              <a:buNone/>
+            </a:pPr>
+            <a:endParaRPr lang="en-US" dirty="0" smtClean="0"/>
+          </a:p>
+          <a:p>
+            <a:pPr marL="0" indent="0">
+              <a:buNone/>
+            </a:pPr>
+            <a:endParaRPr lang="en-US" dirty="0"/>
+          </a:p>
+          <a:p>
+            <a:pPr marL="0" indent="0">
+              <a:buNone/>
+            </a:pPr>
+            <a:endParaRPr lang="en-US" dirty="0" smtClean="0"/>
+          </a:p>
+          <a:p>
+            <a:pPr marL="0" indent="0">
+              <a:buNone/>
+            </a:pPr>
+            <a:endParaRPr lang="en-US" dirty="0" smtClean="0"/>
+          </a:p>
+        </p:txBody>
+      </p:sp>
+      <p:sp>
+        <p:nvSpPr>
+          <p:cNvPr id="4" name="Rounded Rectangle 3"/>
+          <p:cNvSpPr/>
+          <p:nvPr/>
+        </p:nvSpPr>
+        <p:spPr bwMode="auto">
+          <a:xfrm>
+            <a:off x="497376" y="1369136"/>
+            <a:ext cx="2057400" cy="1219200"/>
+          </a:xfrm>
+          <a:prstGeom prst="roundRect">
+            <a:avLst/>
+          </a:prstGeom>
+          <a:solidFill>
+            <a:schemeClr val="accent1"/>
+          </a:solidFill>
+          <a:ln>
+            <a:headEnd type="none" w="med" len="med"/>
+            <a:tailEnd type="none" w="med" len="med"/>
+          </a:ln>
+        </p:spPr>
+        <p:style>
+          <a:lnRef idx="0">
+            <a:schemeClr val="accent2"/>
+          </a:lnRef>
+          <a:fillRef idx="3">
+            <a:schemeClr val="accent2"/>
+          </a:fillRef>
+          <a:effectRef idx="3">
+            <a:schemeClr val="accent2"/>
+          </a:effectRef>
+          <a:fontRef idx="minor">
+            <a:schemeClr val="lt1"/>
+          </a:fontRef>
+        </p:style>
+        <p:txBody>
+          <a:bodyPr vert="horz" wrap="square" lIns="91436" tIns="45718" rIns="91436" bIns="45718" numCol="1" rtlCol="0" anchor="ctr" anchorCtr="0" compatLnSpc="1">
+            <a:prstTxWarp prst="textNoShape">
+              <a:avLst/>
+            </a:prstTxWarp>
+          </a:bodyPr>
+          <a:lstStyle/>
+          <a:p>
+            <a:pPr algn="ctr" defTabSz="914099" fontAlgn="base">
+              <a:spcBef>
+                <a:spcPct val="0"/>
+              </a:spcBef>
+              <a:spcAft>
+                <a:spcPct val="0"/>
+              </a:spcAft>
+            </a:pPr>
+            <a:r>
+              <a:rPr lang="en-US" sz="2300" dirty="0" smtClean="0">
+                <a:solidFill>
+                  <a:srgbClr val="FFFFFF"/>
+                </a:solidFill>
+                <a:effectLst>
+                  <a:outerShdw blurRad="38100" dist="38100" dir="2700000" algn="tl">
+                    <a:srgbClr val="000000">
+                      <a:alpha val="43137"/>
+                    </a:srgbClr>
+                  </a:outerShdw>
+                </a:effectLst>
+                <a:latin typeface="Trebuchet MS" pitchFamily="34" charset="0"/>
               </a:rPr>
-              <a:t>Data Store</a:t>
-            </a:r>
-          </a:p>
-          <a:p>
-            <a:pPr lvl="1"/>
+              <a:t>Data</a:t>
+            </a:r>
+            <a:endParaRPr lang="en-US" sz="2300" dirty="0" smtClean="0">
+              <a:solidFill>
+                <a:srgbClr val="FFFFFF"/>
+              </a:solidFill>
+              <a:effectLst>
+                <a:outerShdw blurRad="38100" dist="38100" dir="2700000" algn="tl">
+                  <a:srgbClr val="000000">
+                    <a:alpha val="43137"/>
+                  </a:srgbClr>
+                </a:outerShdw>
+              </a:effectLst>
+              <a:latin typeface="Trebuchet MS" pitchFamily="34" charset="0"/>
+            </a:endParaRPr>
+          </a:p>
+        </p:txBody>
+      </p:sp>
+      <p:sp>
+        <p:nvSpPr>
+          <p:cNvPr id="5" name="Rounded Rectangle 4"/>
+          <p:cNvSpPr/>
+          <p:nvPr/>
+        </p:nvSpPr>
+        <p:spPr bwMode="auto">
+          <a:xfrm>
+            <a:off x="2936164" y="1393908"/>
+            <a:ext cx="2057400" cy="1219200"/>
+          </a:xfrm>
+          <a:prstGeom prst="roundRect">
+            <a:avLst/>
+          </a:prstGeom>
+          <a:solidFill>
+            <a:schemeClr val="accent1"/>
+          </a:solidFill>
+          <a:ln>
+            <a:headEnd type="none" w="med" len="med"/>
+            <a:tailEnd type="none" w="med" len="med"/>
+          </a:ln>
+        </p:spPr>
+        <p:style>
+          <a:lnRef idx="0">
+            <a:schemeClr val="accent2"/>
+          </a:lnRef>
+          <a:fillRef idx="3">
+            <a:schemeClr val="accent2"/>
+          </a:fillRef>
+          <a:effectRef idx="3">
+            <a:schemeClr val="accent2"/>
+          </a:effectRef>
+          <a:fontRef idx="minor">
+            <a:schemeClr val="lt1"/>
+          </a:fontRef>
+        </p:style>
+        <p:txBody>
+          <a:bodyPr vert="horz" wrap="square" lIns="91436" tIns="45718" rIns="91436" bIns="45718" numCol="1" rtlCol="0" anchor="ctr" anchorCtr="0" compatLnSpc="1">
+            <a:prstTxWarp prst="textNoShape">
+              <a:avLst/>
+            </a:prstTxWarp>
+          </a:bodyPr>
+          <a:lstStyle/>
+          <a:p>
+            <a:pPr algn="ctr" defTabSz="914099" fontAlgn="base">
+              <a:spcBef>
+                <a:spcPct val="0"/>
+              </a:spcBef>
+              <a:spcAft>
+                <a:spcPct val="0"/>
+              </a:spcAft>
+            </a:pPr>
+            <a:r>
+              <a:rPr lang="en-US" sz="2300" dirty="0" smtClean="0">
+                <a:solidFill>
+                  <a:srgbClr val="FFFFFF"/>
+                </a:solidFill>
+                <a:effectLst>
+                  <a:outerShdw blurRad="38100" dist="38100" dir="2700000" algn="tl">
+                    <a:srgbClr val="000000">
+                      <a:alpha val="43137"/>
+                    </a:srgbClr>
+                  </a:outerShdw>
+                </a:effectLst>
+                <a:latin typeface="Trebuchet MS" pitchFamily="34" charset="0"/>
+              </a:rPr>
+              <a:t>Parse</a:t>
+            </a:r>
+            <a:endParaRPr lang="en-US" sz="2300" dirty="0" smtClean="0">
+              <a:solidFill>
+                <a:srgbClr val="FFFFFF"/>
+              </a:solidFill>
+              <a:effectLst>
+                <a:outerShdw blurRad="38100" dist="38100" dir="2700000" algn="tl">
+                  <a:srgbClr val="000000">
+                    <a:alpha val="43137"/>
+                  </a:srgbClr>
+                </a:outerShdw>
+              </a:effectLst>
+              <a:latin typeface="Trebuchet MS" pitchFamily="34" charset="0"/>
+            </a:endParaRPr>
+          </a:p>
+        </p:txBody>
+      </p:sp>
+      <p:sp>
+        <p:nvSpPr>
+          <p:cNvPr id="10" name="Rounded Rectangle 9"/>
+          <p:cNvSpPr/>
+          <p:nvPr/>
+        </p:nvSpPr>
+        <p:spPr bwMode="auto">
+          <a:xfrm>
+            <a:off x="5374564" y="1369136"/>
+            <a:ext cx="2057400" cy="1219200"/>
+          </a:xfrm>
+          <a:prstGeom prst="roundRect">
+            <a:avLst/>
+          </a:prstGeom>
+          <a:solidFill>
+            <a:schemeClr val="accent1"/>
+          </a:solidFill>
+          <a:ln>
+            <a:headEnd type="none" w="med" len="med"/>
+            <a:tailEnd type="none" w="med" len="med"/>
+          </a:ln>
+        </p:spPr>
+        <p:style>
+          <a:lnRef idx="0">
+            <a:schemeClr val="accent2"/>
+          </a:lnRef>
+          <a:fillRef idx="3">
+            <a:schemeClr val="accent2"/>
+          </a:fillRef>
+          <a:effectRef idx="3">
+            <a:schemeClr val="accent2"/>
+          </a:effectRef>
+          <a:fontRef idx="minor">
+            <a:schemeClr val="lt1"/>
+          </a:fontRef>
+        </p:style>
+        <p:txBody>
+          <a:bodyPr vert="horz" wrap="square" lIns="91436" tIns="45718" rIns="91436" bIns="45718" numCol="1" rtlCol="0" anchor="ctr" anchorCtr="0" compatLnSpc="1">
+            <a:prstTxWarp prst="textNoShape">
+              <a:avLst/>
+            </a:prstTxWarp>
+          </a:bodyPr>
+          <a:lstStyle/>
+          <a:p>
+            <a:pPr algn="ctr" defTabSz="914099" fontAlgn="base">
+              <a:spcBef>
+                <a:spcPct val="0"/>
+              </a:spcBef>
+              <a:spcAft>
+                <a:spcPct val="0"/>
+              </a:spcAft>
+            </a:pPr>
+            <a:r>
+              <a:rPr lang="en-US" sz="2300" dirty="0" smtClean="0">
+                <a:solidFill>
+                  <a:srgbClr val="FFFFFF"/>
+                </a:solidFill>
+                <a:effectLst>
+                  <a:outerShdw blurRad="38100" dist="38100" dir="2700000" algn="tl">
+                    <a:srgbClr val="000000">
+                      <a:alpha val="43137"/>
+                    </a:srgbClr>
+                  </a:outerShdw>
+                </a:effectLst>
+                <a:latin typeface="Trebuchet MS" pitchFamily="34" charset="0"/>
+              </a:rPr>
+              <a:t>Wrangling</a:t>
+            </a:r>
+            <a:endParaRPr lang="en-US" sz="2300" dirty="0" smtClean="0">
+              <a:solidFill>
+                <a:srgbClr val="FFFFFF"/>
+              </a:solidFill>
+              <a:effectLst>
+                <a:outerShdw blurRad="38100" dist="38100" dir="2700000" algn="tl">
+                  <a:srgbClr val="000000">
+                    <a:alpha val="43137"/>
+                  </a:srgbClr>
+                </a:outerShdw>
+              </a:effectLst>
+              <a:latin typeface="Trebuchet MS" pitchFamily="34" charset="0"/>
+            </a:endParaRPr>
+          </a:p>
+        </p:txBody>
+      </p:sp>
+      <p:sp>
+        <p:nvSpPr>
+          <p:cNvPr id="17" name="Left Arrow 16"/>
+          <p:cNvSpPr/>
+          <p:nvPr/>
+        </p:nvSpPr>
+        <p:spPr bwMode="auto">
+          <a:xfrm rot="10954309">
+            <a:off x="2554776" y="1805581"/>
+            <a:ext cx="381388" cy="381002"/>
+          </a:xfrm>
+          <a:prstGeom prst="leftArrow">
+            <a:avLst/>
+          </a:prstGeom>
+          <a:solidFill>
+            <a:schemeClr val="accent1"/>
+          </a:solidFill>
+          <a:ln>
+            <a:headEnd type="none" w="med" len="med"/>
+            <a:tailEnd type="none" w="med" len="med"/>
+          </a:ln>
+        </p:spPr>
+        <p:style>
+          <a:lnRef idx="0">
+            <a:schemeClr val="accent2"/>
+          </a:lnRef>
+          <a:fillRef idx="3">
+            <a:schemeClr val="accent2"/>
+          </a:fillRef>
+          <a:effectRef idx="3">
+            <a:schemeClr val="accent2"/>
+          </a:effectRef>
+          <a:fontRef idx="minor">
+            <a:schemeClr val="lt1"/>
+          </a:fontRef>
+        </p:style>
+        <p:txBody>
+          <a:bodyPr vert="horz" wrap="square" lIns="91436" tIns="45718" rIns="91436" bIns="45718" numCol="1" rtlCol="0" anchor="ctr" anchorCtr="0" compatLnSpc="1">
+            <a:prstTxWarp prst="textNoShape">
+              <a:avLst/>
+            </a:prstTxWarp>
+          </a:bodyPr>
+          <a:lstStyle/>
+          <a:p>
+            <a:pPr algn="ctr" defTabSz="914099" fontAlgn="base">
+              <a:spcBef>
+                <a:spcPct val="0"/>
+              </a:spcBef>
+              <a:spcAft>
+                <a:spcPct val="0"/>
+              </a:spcAft>
+            </a:pPr>
+            <a:endParaRPr lang="en-US" sz="2300" dirty="0" smtClean="0">
+              <a:solidFill>
+                <a:srgbClr val="FFFFFF"/>
+              </a:solidFill>
+              <a:effectLst>
+                <a:outerShdw blurRad="38100" dist="38100" dir="2700000" algn="tl">
+                  <a:srgbClr val="000000">
+                    <a:alpha val="43137"/>
+                  </a:srgbClr>
+                </a:outerShdw>
+              </a:effectLst>
+              <a:latin typeface="Trebuchet MS" pitchFamily="34" charset="0"/>
+            </a:endParaRPr>
+          </a:p>
+        </p:txBody>
+      </p:sp>
+      <p:sp>
+        <p:nvSpPr>
+          <p:cNvPr id="22" name="Left Arrow 21"/>
+          <p:cNvSpPr/>
+          <p:nvPr/>
+        </p:nvSpPr>
+        <p:spPr bwMode="auto">
+          <a:xfrm rot="10800000">
+            <a:off x="4993564" y="1813007"/>
+            <a:ext cx="381000" cy="381002"/>
+          </a:xfrm>
+          <a:prstGeom prst="leftArrow">
+            <a:avLst/>
+          </a:prstGeom>
+          <a:solidFill>
+            <a:schemeClr val="accent1"/>
+          </a:solidFill>
+          <a:ln>
+            <a:headEnd type="none" w="med" len="med"/>
+            <a:tailEnd type="none" w="med" len="med"/>
+          </a:ln>
+        </p:spPr>
+        <p:style>
+          <a:lnRef idx="0">
+            <a:schemeClr val="accent2"/>
+          </a:lnRef>
+          <a:fillRef idx="3">
+            <a:schemeClr val="accent2"/>
+          </a:fillRef>
+          <a:effectRef idx="3">
+            <a:schemeClr val="accent2"/>
+          </a:effectRef>
+          <a:fontRef idx="minor">
+            <a:schemeClr val="lt1"/>
+          </a:fontRef>
+        </p:style>
+        <p:txBody>
+          <a:bodyPr vert="horz" wrap="square" lIns="91436" tIns="45718" rIns="91436" bIns="45718" numCol="1" rtlCol="0" anchor="ctr" anchorCtr="0" compatLnSpc="1">
+            <a:prstTxWarp prst="textNoShape">
+              <a:avLst/>
+            </a:prstTxWarp>
+          </a:bodyPr>
+          <a:lstStyle/>
+          <a:p>
+            <a:pPr algn="ctr" defTabSz="914099" fontAlgn="base">
+              <a:spcBef>
+                <a:spcPct val="0"/>
+              </a:spcBef>
+              <a:spcAft>
+                <a:spcPct val="0"/>
+              </a:spcAft>
+            </a:pPr>
+            <a:endParaRPr lang="en-US" sz="2300" dirty="0" smtClean="0">
+              <a:solidFill>
+                <a:srgbClr val="FFFFFF"/>
+              </a:solidFill>
+              <a:effectLst>
+                <a:outerShdw blurRad="38100" dist="38100" dir="2700000" algn="tl">
+                  <a:srgbClr val="000000">
+                    <a:alpha val="43137"/>
+                  </a:srgbClr>
+                </a:outerShdw>
+              </a:effectLst>
+              <a:latin typeface="Trebuchet MS" pitchFamily="34" charset="0"/>
+            </a:endParaRPr>
+          </a:p>
+        </p:txBody>
+      </p:sp>
+      <p:sp>
+        <p:nvSpPr>
+          <p:cNvPr id="27" name="Rounded Rectangle 26"/>
+          <p:cNvSpPr/>
+          <p:nvPr/>
+        </p:nvSpPr>
+        <p:spPr bwMode="auto">
+          <a:xfrm>
+            <a:off x="5374564" y="3503775"/>
+            <a:ext cx="2057400" cy="1219200"/>
+          </a:xfrm>
+          <a:prstGeom prst="roundRect">
+            <a:avLst/>
+          </a:prstGeom>
+          <a:solidFill>
+            <a:schemeClr val="accent1"/>
+          </a:solidFill>
+          <a:ln>
+            <a:headEnd type="none" w="med" len="med"/>
+            <a:tailEnd type="none" w="med" len="med"/>
+          </a:ln>
+        </p:spPr>
+        <p:style>
+          <a:lnRef idx="0">
+            <a:schemeClr val="accent2"/>
+          </a:lnRef>
+          <a:fillRef idx="3">
+            <a:schemeClr val="accent2"/>
+          </a:fillRef>
+          <a:effectRef idx="3">
+            <a:schemeClr val="accent2"/>
+          </a:effectRef>
+          <a:fontRef idx="minor">
+            <a:schemeClr val="lt1"/>
+          </a:fontRef>
+        </p:style>
+        <p:txBody>
+          <a:bodyPr vert="horz" wrap="square" lIns="91436" tIns="45718" rIns="91436" bIns="45718" numCol="1" rtlCol="0" anchor="ctr" anchorCtr="0" compatLnSpc="1">
+            <a:prstTxWarp prst="textNoShape">
+              <a:avLst/>
+            </a:prstTxWarp>
+          </a:bodyPr>
+          <a:lstStyle/>
+          <a:p>
+            <a:pPr algn="ctr" defTabSz="914099" fontAlgn="base">
+              <a:spcBef>
+                <a:spcPct val="0"/>
+              </a:spcBef>
+              <a:spcAft>
+                <a:spcPct val="0"/>
+              </a:spcAft>
+            </a:pPr>
+            <a:r>
+              <a:rPr lang="en-US" sz="2300" dirty="0" smtClean="0">
+                <a:solidFill>
+                  <a:srgbClr val="FFFFFF"/>
+                </a:solidFill>
+                <a:effectLst>
+                  <a:outerShdw blurRad="38100" dist="38100" dir="2700000" algn="tl">
+                    <a:srgbClr val="000000">
+                      <a:alpha val="43137"/>
+                    </a:srgbClr>
+                  </a:outerShdw>
+                </a:effectLst>
+                <a:latin typeface="Trebuchet MS" pitchFamily="34" charset="0"/>
+              </a:rPr>
+              <a:t>Ejection</a:t>
+            </a:r>
+            <a:endParaRPr lang="en-US" sz="2300" dirty="0" smtClean="0">
+              <a:solidFill>
+                <a:srgbClr val="FFFFFF"/>
+              </a:solidFill>
+              <a:effectLst>
+                <a:outerShdw blurRad="38100" dist="38100" dir="2700000" algn="tl">
+                  <a:srgbClr val="000000">
+                    <a:alpha val="43137"/>
+                  </a:srgbClr>
+                </a:outerShdw>
+              </a:effectLst>
+              <a:latin typeface="Trebuchet MS" pitchFamily="34" charset="0"/>
+            </a:endParaRPr>
+          </a:p>
+        </p:txBody>
+      </p:sp>
+      <p:sp>
+        <p:nvSpPr>
+          <p:cNvPr id="28" name="Rounded Rectangle 27"/>
+          <p:cNvSpPr/>
+          <p:nvPr/>
+        </p:nvSpPr>
+        <p:spPr bwMode="auto">
+          <a:xfrm>
+            <a:off x="2978800" y="3503775"/>
+            <a:ext cx="2057400" cy="1219200"/>
+          </a:xfrm>
+          <a:prstGeom prst="roundRect">
+            <a:avLst/>
+          </a:prstGeom>
+          <a:solidFill>
+            <a:schemeClr val="accent1"/>
+          </a:solidFill>
+          <a:ln>
+            <a:headEnd type="none" w="med" len="med"/>
+            <a:tailEnd type="none" w="med" len="med"/>
+          </a:ln>
+        </p:spPr>
+        <p:style>
+          <a:lnRef idx="0">
+            <a:schemeClr val="accent2"/>
+          </a:lnRef>
+          <a:fillRef idx="3">
+            <a:schemeClr val="accent2"/>
+          </a:fillRef>
+          <a:effectRef idx="3">
+            <a:schemeClr val="accent2"/>
+          </a:effectRef>
+          <a:fontRef idx="minor">
+            <a:schemeClr val="lt1"/>
+          </a:fontRef>
+        </p:style>
+        <p:txBody>
+          <a:bodyPr vert="horz" wrap="square" lIns="91436" tIns="45718" rIns="91436" bIns="45718" numCol="1" rtlCol="0" anchor="ctr" anchorCtr="0" compatLnSpc="1">
+            <a:prstTxWarp prst="textNoShape">
+              <a:avLst/>
+            </a:prstTxWarp>
+          </a:bodyPr>
+          <a:lstStyle/>
+          <a:p>
+            <a:pPr algn="ctr" defTabSz="914099" fontAlgn="base">
+              <a:spcBef>
+                <a:spcPct val="0"/>
+              </a:spcBef>
+              <a:spcAft>
+                <a:spcPct val="0"/>
+              </a:spcAft>
+            </a:pPr>
+            <a:r>
+              <a:rPr lang="en-US" sz="2300" dirty="0" smtClean="0">
+                <a:solidFill>
+                  <a:srgbClr val="FFFFFF"/>
+                </a:solidFill>
+                <a:effectLst>
+                  <a:outerShdw blurRad="38100" dist="38100" dir="2700000" algn="tl">
+                    <a:srgbClr val="000000">
+                      <a:alpha val="43137"/>
+                    </a:srgbClr>
+                  </a:outerShdw>
+                </a:effectLst>
+                <a:latin typeface="Trebuchet MS" pitchFamily="34" charset="0"/>
+              </a:rPr>
+              <a:t>Schema</a:t>
+            </a:r>
+            <a:endParaRPr lang="en-US" sz="2300" dirty="0" smtClean="0">
+              <a:solidFill>
+                <a:srgbClr val="FFFFFF"/>
+              </a:solidFill>
+              <a:effectLst>
+                <a:outerShdw blurRad="38100" dist="38100" dir="2700000" algn="tl">
+                  <a:srgbClr val="000000">
+                    <a:alpha val="43137"/>
+                  </a:srgbClr>
+                </a:outerShdw>
+              </a:effectLst>
+              <a:latin typeface="Trebuchet MS" pitchFamily="34" charset="0"/>
+            </a:endParaRPr>
+          </a:p>
+        </p:txBody>
+      </p:sp>
+      <p:sp>
+        <p:nvSpPr>
+          <p:cNvPr id="29" name="TextBox 28"/>
+          <p:cNvSpPr txBox="1"/>
+          <p:nvPr/>
+        </p:nvSpPr>
+        <p:spPr>
+          <a:xfrm>
+            <a:off x="1235080" y="2821071"/>
+            <a:ext cx="2810578" cy="369332"/>
+          </a:xfrm>
+          <a:prstGeom prst="rect">
+            <a:avLst/>
+          </a:prstGeom>
+          <a:noFill/>
+        </p:spPr>
+        <p:txBody>
+          <a:bodyPr wrap="none" rtlCol="0">
+            <a:spAutoFit/>
+          </a:bodyPr>
+          <a:lstStyle/>
+          <a:p>
             <a:r>
               <a:rPr lang="en-US" dirty="0" smtClean="0"/>
-              <a:t>Handles data representation for access in storage.</a:t>
-            </a:r>
-          </a:p>
-          <a:p>
-            <a:pPr lvl="1"/>
+              <a:t>When Schema </a:t>
+            </a:r>
             <a:r>
               <a:rPr lang="en-US" dirty="0" smtClean="0"/>
-              <a:t>Document Oriented (JSON, BSON)</a:t>
-            </a:r>
-          </a:p>
-          <a:p>
-            <a:pPr lvl="1"/>
+              <a:t>Pre-specified</a:t>
+            </a:r>
+            <a:endParaRPr lang="en-US" dirty="0"/>
+          </a:p>
+        </p:txBody>
+      </p:sp>
+      <p:sp>
+        <p:nvSpPr>
+          <p:cNvPr id="33" name="Left Arrow 32"/>
+          <p:cNvSpPr/>
+          <p:nvPr/>
+        </p:nvSpPr>
+        <p:spPr bwMode="auto">
+          <a:xfrm rot="16200000">
+            <a:off x="6020486" y="2881539"/>
+            <a:ext cx="765554" cy="316468"/>
+          </a:xfrm>
+          <a:prstGeom prst="leftArrow">
+            <a:avLst/>
+          </a:prstGeom>
+          <a:solidFill>
+            <a:schemeClr val="accent1"/>
+          </a:solidFill>
+          <a:ln>
+            <a:headEnd type="none" w="med" len="med"/>
+            <a:tailEnd type="none" w="med" len="med"/>
+          </a:ln>
+        </p:spPr>
+        <p:style>
+          <a:lnRef idx="0">
+            <a:schemeClr val="accent2"/>
+          </a:lnRef>
+          <a:fillRef idx="3">
+            <a:schemeClr val="accent2"/>
+          </a:fillRef>
+          <a:effectRef idx="3">
+            <a:schemeClr val="accent2"/>
+          </a:effectRef>
+          <a:fontRef idx="minor">
+            <a:schemeClr val="lt1"/>
+          </a:fontRef>
+        </p:style>
+        <p:txBody>
+          <a:bodyPr vert="horz" wrap="square" lIns="91436" tIns="45718" rIns="91436" bIns="45718" numCol="1" rtlCol="0" anchor="ctr" anchorCtr="0" compatLnSpc="1">
+            <a:prstTxWarp prst="textNoShape">
+              <a:avLst/>
+            </a:prstTxWarp>
+          </a:bodyPr>
+          <a:lstStyle/>
+          <a:p>
+            <a:pPr algn="ctr" defTabSz="914099" fontAlgn="base">
+              <a:spcBef>
+                <a:spcPct val="0"/>
+              </a:spcBef>
+              <a:spcAft>
+                <a:spcPct val="0"/>
+              </a:spcAft>
+            </a:pPr>
+            <a:endParaRPr lang="en-US" sz="2300" dirty="0" smtClean="0">
+              <a:solidFill>
+                <a:srgbClr val="FFFFFF"/>
+              </a:solidFill>
+              <a:effectLst>
+                <a:outerShdw blurRad="38100" dist="38100" dir="2700000" algn="tl">
+                  <a:srgbClr val="000000">
+                    <a:alpha val="43137"/>
+                  </a:srgbClr>
+                </a:outerShdw>
+              </a:effectLst>
+              <a:latin typeface="Trebuchet MS" pitchFamily="34" charset="0"/>
+            </a:endParaRPr>
+          </a:p>
+        </p:txBody>
+      </p:sp>
+      <p:sp>
+        <p:nvSpPr>
+          <p:cNvPr id="34" name="Left Arrow 33"/>
+          <p:cNvSpPr/>
+          <p:nvPr/>
+        </p:nvSpPr>
+        <p:spPr bwMode="auto">
+          <a:xfrm rot="5400000">
+            <a:off x="3709523" y="2858958"/>
+            <a:ext cx="807968" cy="316468"/>
+          </a:xfrm>
+          <a:prstGeom prst="leftArrow">
+            <a:avLst/>
+          </a:prstGeom>
+          <a:solidFill>
+            <a:schemeClr val="accent1"/>
+          </a:solidFill>
+          <a:ln>
+            <a:headEnd type="none" w="med" len="med"/>
+            <a:tailEnd type="none" w="med" len="med"/>
+          </a:ln>
+        </p:spPr>
+        <p:style>
+          <a:lnRef idx="0">
+            <a:schemeClr val="accent2"/>
+          </a:lnRef>
+          <a:fillRef idx="3">
+            <a:schemeClr val="accent2"/>
+          </a:fillRef>
+          <a:effectRef idx="3">
+            <a:schemeClr val="accent2"/>
+          </a:effectRef>
+          <a:fontRef idx="minor">
+            <a:schemeClr val="lt1"/>
+          </a:fontRef>
+        </p:style>
+        <p:txBody>
+          <a:bodyPr vert="horz" wrap="square" lIns="91436" tIns="45718" rIns="91436" bIns="45718" numCol="1" rtlCol="0" anchor="ctr" anchorCtr="0" compatLnSpc="1">
+            <a:prstTxWarp prst="textNoShape">
+              <a:avLst/>
+            </a:prstTxWarp>
+          </a:bodyPr>
+          <a:lstStyle/>
+          <a:p>
+            <a:pPr algn="ctr" defTabSz="914099" fontAlgn="base">
+              <a:spcBef>
+                <a:spcPct val="0"/>
+              </a:spcBef>
+              <a:spcAft>
+                <a:spcPct val="0"/>
+              </a:spcAft>
+            </a:pPr>
+            <a:endParaRPr lang="en-US" sz="2300" dirty="0" smtClean="0">
+              <a:solidFill>
+                <a:srgbClr val="FFFFFF"/>
+              </a:solidFill>
+              <a:effectLst>
+                <a:outerShdw blurRad="38100" dist="38100" dir="2700000" algn="tl">
+                  <a:srgbClr val="000000">
+                    <a:alpha val="43137"/>
+                  </a:srgbClr>
+                </a:outerShdw>
+              </a:effectLst>
+              <a:latin typeface="Trebuchet MS" pitchFamily="34" charset="0"/>
+            </a:endParaRPr>
+          </a:p>
+        </p:txBody>
+      </p:sp>
+      <p:sp>
+        <p:nvSpPr>
+          <p:cNvPr id="20" name="TextBox 19"/>
+          <p:cNvSpPr txBox="1"/>
+          <p:nvPr/>
+        </p:nvSpPr>
+        <p:spPr>
+          <a:xfrm>
+            <a:off x="4484276" y="2832526"/>
+            <a:ext cx="1918987" cy="369332"/>
+          </a:xfrm>
+          <a:prstGeom prst="rect">
+            <a:avLst/>
+          </a:prstGeom>
+          <a:noFill/>
+        </p:spPr>
+        <p:txBody>
+          <a:bodyPr wrap="none" rtlCol="0">
+            <a:spAutoFit/>
+          </a:bodyPr>
+          <a:lstStyle/>
+          <a:p>
             <a:r>
               <a:rPr lang="en-US" dirty="0" smtClean="0"/>
-              <a:t>Column Base (CSV, PSV, TSV)</a:t>
-            </a:r>
-          </a:p>
-          <a:p>
-            <a:pPr lvl="1"/>
-            <a:r>
-              <a:rPr lang="en-US" dirty="0" smtClean="0"/>
-              <a:t>RDBMS (fixed binary records)</a:t>
-            </a:r>
-          </a:p>
-          <a:p>
-            <a:pPr lvl="1"/>
-            <a:endParaRPr lang="en-US" dirty="0" smtClean="0"/>
-          </a:p>
-          <a:p>
-            <a:pPr lvl="1"/>
-            <a:endParaRPr lang="en-US" dirty="0" smtClean="0">
+              <a:t>Bad Data Handling</a:t>
+            </a:r>
+            <a:endParaRPr lang="en-US" dirty="0"/>
+          </a:p>
+        </p:txBody>
+      </p:sp>
+      <p:cxnSp>
+        <p:nvCxnSpPr>
+          <p:cNvPr id="26" name="Straight Connector 25"/>
+          <p:cNvCxnSpPr/>
+          <p:nvPr/>
+        </p:nvCxnSpPr>
+        <p:spPr>
+          <a:xfrm flipH="1" flipV="1">
+            <a:off x="7451797" y="2003508"/>
+            <a:ext cx="457200" cy="1"/>
+          </a:xfrm>
+          <a:prstGeom prst="line">
+            <a:avLst/>
+          </a:prstGeom>
+          <a:ln w="38100"/>
+        </p:spPr>
+        <p:style>
+          <a:lnRef idx="1">
+            <a:schemeClr val="accent1"/>
+          </a:lnRef>
+          <a:fillRef idx="0">
+            <a:schemeClr val="accent1"/>
+          </a:fillRef>
+          <a:effectRef idx="0">
+            <a:schemeClr val="accent1"/>
+          </a:effectRef>
+          <a:fontRef idx="minor">
+            <a:schemeClr val="tx1"/>
+          </a:fontRef>
+        </p:style>
+      </p:cxnSp>
+      <p:cxnSp>
+        <p:nvCxnSpPr>
+          <p:cNvPr id="30" name="Straight Connector 29"/>
+          <p:cNvCxnSpPr/>
+          <p:nvPr/>
+        </p:nvCxnSpPr>
+        <p:spPr>
+          <a:xfrm flipV="1">
+            <a:off x="7938080" y="1978736"/>
+            <a:ext cx="0" cy="3736264"/>
+          </a:xfrm>
+          <a:prstGeom prst="line">
+            <a:avLst/>
+          </a:prstGeom>
+          <a:ln w="38100"/>
+        </p:spPr>
+        <p:style>
+          <a:lnRef idx="1">
+            <a:schemeClr val="accent1"/>
+          </a:lnRef>
+          <a:fillRef idx="0">
+            <a:schemeClr val="accent1"/>
+          </a:fillRef>
+          <a:effectRef idx="0">
+            <a:schemeClr val="accent1"/>
+          </a:effectRef>
+          <a:fontRef idx="minor">
+            <a:schemeClr val="tx1"/>
+          </a:fontRef>
+        </p:style>
+      </p:cxnSp>
+      <p:sp>
+        <p:nvSpPr>
+          <p:cNvPr id="32" name="Rounded Rectangle 31"/>
+          <p:cNvSpPr/>
+          <p:nvPr/>
+        </p:nvSpPr>
+        <p:spPr bwMode="auto">
+          <a:xfrm>
+            <a:off x="5443769" y="5105400"/>
+            <a:ext cx="2057400" cy="1219200"/>
+          </a:xfrm>
+          <a:prstGeom prst="roundRect">
+            <a:avLst/>
+          </a:prstGeom>
+          <a:solidFill>
+            <a:schemeClr val="accent1"/>
+          </a:solidFill>
+          <a:ln>
+            <a:headEnd type="none" w="med" len="med"/>
+            <a:tailEnd type="none" w="med" len="med"/>
+          </a:ln>
+        </p:spPr>
+        <p:style>
+          <a:lnRef idx="0">
+            <a:schemeClr val="accent2"/>
+          </a:lnRef>
+          <a:fillRef idx="3">
+            <a:schemeClr val="accent2"/>
+          </a:fillRef>
+          <a:effectRef idx="3">
+            <a:schemeClr val="accent2"/>
+          </a:effectRef>
+          <a:fontRef idx="minor">
+            <a:schemeClr val="lt1"/>
+          </a:fontRef>
+        </p:style>
+        <p:txBody>
+          <a:bodyPr vert="horz" wrap="square" lIns="91436" tIns="45718" rIns="91436" bIns="45718" numCol="1" rtlCol="0" anchor="ctr" anchorCtr="0" compatLnSpc="1">
+            <a:prstTxWarp prst="textNoShape">
+              <a:avLst/>
+            </a:prstTxWarp>
+          </a:bodyPr>
+          <a:lstStyle/>
+          <a:p>
+            <a:pPr algn="ctr" defTabSz="914099" fontAlgn="base">
+              <a:spcBef>
+                <a:spcPct val="0"/>
+              </a:spcBef>
+              <a:spcAft>
+                <a:spcPct val="0"/>
+              </a:spcAft>
+            </a:pPr>
+            <a:r>
+              <a:rPr lang="en-US" sz="2300" dirty="0" smtClean="0">
+                <a:solidFill>
+                  <a:srgbClr val="FFFFFF"/>
+                </a:solidFill>
+                <a:effectLst>
+                  <a:outerShdw blurRad="38100" dist="38100" dir="2700000" algn="tl">
+                    <a:srgbClr val="000000">
+                      <a:alpha val="43137"/>
+                    </a:srgbClr>
+                  </a:outerShdw>
+                </a:effectLst>
+                <a:latin typeface="Trebuchet MS" pitchFamily="34" charset="0"/>
+              </a:rPr>
+              <a:t>Pre-Flight</a:t>
+            </a:r>
+          </a:p>
+          <a:p>
+            <a:pPr algn="ctr" defTabSz="914099" fontAlgn="base">
+              <a:spcBef>
+                <a:spcPct val="0"/>
+              </a:spcBef>
+              <a:spcAft>
+                <a:spcPct val="0"/>
+              </a:spcAft>
+            </a:pPr>
+            <a:r>
+              <a:rPr lang="en-US" sz="2300" dirty="0" smtClean="0">
+                <a:solidFill>
+                  <a:srgbClr val="FFFFFF"/>
+                </a:solidFill>
+                <a:effectLst>
+                  <a:outerShdw blurRad="38100" dist="38100" dir="2700000" algn="tl">
+                    <a:srgbClr val="000000">
+                      <a:alpha val="43137"/>
+                    </a:srgbClr>
+                  </a:outerShdw>
+                </a:effectLst>
+                <a:latin typeface="Trebuchet MS" pitchFamily="34" charset="0"/>
+              </a:rPr>
+              <a:t>Transformation</a:t>
+            </a:r>
+            <a:endParaRPr lang="en-US" sz="2300" dirty="0" smtClean="0">
               <a:solidFill>
-                <a:schemeClr val="tx2">
-                  <a:lumMod val="50000"/>
-                </a:schemeClr>
+                <a:srgbClr val="FFFFFF"/>
               </a:solidFill>
+              <a:effectLst>
+                <a:outerShdw blurRad="38100" dist="38100" dir="2700000" algn="tl">
+                  <a:srgbClr val="000000">
+                    <a:alpha val="43137"/>
+                  </a:srgbClr>
+                </a:outerShdw>
+              </a:effectLst>
+              <a:latin typeface="Trebuchet MS" pitchFamily="34" charset="0"/>
             </a:endParaRPr>
           </a:p>
-          <a:p>
-            <a:endParaRPr lang="en-US" dirty="0" smtClean="0">
-              <a:solidFill>
-                <a:schemeClr val="tx2">
-                  <a:lumMod val="50000"/>
-                </a:schemeClr>
-              </a:solidFill>
-            </a:endParaRPr>
-          </a:p>
-          <a:p>
-            <a:endParaRPr lang="en-US" dirty="0" smtClean="0">
-              <a:solidFill>
-                <a:schemeClr val="tx2">
-                  <a:lumMod val="50000"/>
-                </a:schemeClr>
-              </a:solidFill>
-            </a:endParaRPr>
-          </a:p>
-        </p:txBody>
-      </p:sp>
+        </p:txBody>
+      </p:sp>
+      <p:cxnSp>
+        <p:nvCxnSpPr>
+          <p:cNvPr id="35" name="Straight Arrow Connector 34"/>
+          <p:cNvCxnSpPr/>
+          <p:nvPr/>
+        </p:nvCxnSpPr>
+        <p:spPr>
+          <a:xfrm flipH="1">
+            <a:off x="7451798" y="5715000"/>
+            <a:ext cx="486282" cy="0"/>
+          </a:xfrm>
+          <a:prstGeom prst="straightConnector1">
+            <a:avLst/>
+          </a:prstGeom>
+          <a:ln w="38100">
+            <a:tailEnd type="arrow"/>
+          </a:ln>
+        </p:spPr>
+        <p:style>
+          <a:lnRef idx="1">
+            <a:schemeClr val="accent1"/>
+          </a:lnRef>
+          <a:fillRef idx="0">
+            <a:schemeClr val="accent1"/>
+          </a:fillRef>
+          <a:effectRef idx="0">
+            <a:schemeClr val="accent1"/>
+          </a:effectRef>
+          <a:fontRef idx="minor">
+            <a:schemeClr val="tx1"/>
+          </a:fontRef>
+        </p:style>
+      </p:cxnSp>
     </p:spTree>
     <p:extLst>
       <p:ext uri="{BB962C8B-B14F-4D97-AF65-F5344CB8AC3E}">
-        <p14:creationId xmlns:p14="http://schemas.microsoft.com/office/powerpoint/2010/main" val="38999932"/>
+        <p14:creationId xmlns:p14="http://schemas.microsoft.com/office/powerpoint/2010/main" val="2830090180"/>
       </p:ext>
     </p:extLst>
   </p:cSld>
@@ -7940,15 +12628,7 @@
           <a:p>
             <a:r>
               <a:rPr lang="en-US" dirty="0" smtClean="0"/>
-              <a:t>Stages (</a:t>
-            </a:r>
-            <a:r>
-              <a:rPr lang="en-US" dirty="0" err="1" smtClean="0"/>
-              <a:t>cont</a:t>
-            </a:r>
-            <a:r>
-              <a:rPr lang="en-US" dirty="0" smtClean="0"/>
-              <a:t>)</a:t>
+              <a:t>Data Model Stage</a:t>
             </a:r>
             <a:endParaRPr lang="en-US" dirty="0"/>
           </a:p>
@@ -7967,7 +12647,7 @@
         <p:spPr>
           <a:xfrm>
             <a:off x="381000" y="1096423"/>
-            <a:ext cx="8382000" cy="5380577"/>
+            <a:ext cx="8382000" cy="5355312"/>
           </a:xfrm>
         </p:spPr>
         <p:txBody>
@@ -7982,35 +12662,246 @@
                   </a:schemeClr>
                 </a:solidFill>
               </a:rPr>
-              <a:t>Storage</a:t>
+              <a:t>Data Model</a:t>
             </a:r>
           </a:p>
           <a:p>
             <a:pPr lvl="1"/>
             <a:r>
+              <a:rPr lang="en-US" dirty="0" smtClean="0">
+                <a:solidFill>
+                  <a:schemeClr val="tx1">
+                    <a:lumMod val="95000"/>
+                  </a:schemeClr>
+                </a:solidFill>
+              </a:rPr>
+              <a:t>Transform from input formats to internal data </a:t>
+            </a:r>
+            <a:r>
+              <a:rPr lang="en-US" dirty="0" smtClean="0">
+                <a:solidFill>
+                  <a:schemeClr val="tx1">
+                    <a:lumMod val="95000"/>
+                  </a:schemeClr>
+                </a:solidFill>
+              </a:rPr>
+              <a:t>representation</a:t>
+            </a:r>
+          </a:p>
+          <a:p>
+            <a:pPr lvl="2"/>
+            <a:r>
+              <a:rPr lang="en-US" dirty="0" smtClean="0">
+                <a:solidFill>
+                  <a:schemeClr val="tx1">
+                    <a:lumMod val="95000"/>
+                  </a:schemeClr>
+                </a:solidFill>
+              </a:rPr>
+              <a:t>Determine Type either by Schema</a:t>
+            </a:r>
+          </a:p>
+          <a:p>
+            <a:pPr lvl="2"/>
+            <a:r>
+              <a:rPr lang="en-US" dirty="0" smtClean="0">
+                <a:solidFill>
+                  <a:schemeClr val="tx1">
+                    <a:lumMod val="95000"/>
+                  </a:schemeClr>
+                </a:solidFill>
+              </a:rPr>
+              <a:t>Or by automated classification/recognition</a:t>
+            </a:r>
+            <a:endParaRPr lang="en-US" dirty="0" smtClean="0">
+              <a:solidFill>
+                <a:schemeClr val="tx1">
+                  <a:lumMod val="95000"/>
+                </a:schemeClr>
+              </a:solidFill>
+            </a:endParaRPr>
+          </a:p>
+          <a:p>
+            <a:pPr lvl="1"/>
+            <a:r>
+              <a:rPr lang="en-US" dirty="0" smtClean="0">
+                <a:solidFill>
+                  <a:schemeClr val="tx1">
+                    <a:lumMod val="95000"/>
+                  </a:schemeClr>
+                </a:solidFill>
+              </a:rPr>
+              <a:t>Data </a:t>
+            </a:r>
+            <a:r>
+              <a:rPr lang="en-US" dirty="0" smtClean="0">
+                <a:solidFill>
+                  <a:schemeClr val="tx1">
+                    <a:lumMod val="95000"/>
+                  </a:schemeClr>
+                </a:solidFill>
+              </a:rPr>
+              <a:t>Wrangling</a:t>
+            </a:r>
+          </a:p>
+          <a:p>
+            <a:pPr lvl="2"/>
+            <a:r>
+              <a:rPr lang="en-US" dirty="0" smtClean="0">
+                <a:solidFill>
+                  <a:schemeClr val="tx1">
+                    <a:lumMod val="95000"/>
+                  </a:schemeClr>
+                </a:solidFill>
+              </a:rPr>
+              <a:t>Recognize bad values (can’t parse according to format).</a:t>
+            </a:r>
+          </a:p>
+          <a:p>
+            <a:pPr lvl="2"/>
+            <a:r>
+              <a:rPr lang="en-US" dirty="0" smtClean="0">
+                <a:solidFill>
+                  <a:schemeClr val="tx1">
+                    <a:lumMod val="95000"/>
+                  </a:schemeClr>
+                </a:solidFill>
+              </a:rPr>
+              <a:t>Recognize outliers (e.g.,10 vs 10 million).</a:t>
+            </a:r>
+          </a:p>
+          <a:p>
+            <a:pPr lvl="2"/>
+            <a:r>
+              <a:rPr lang="en-US" dirty="0" smtClean="0">
+                <a:solidFill>
+                  <a:schemeClr val="tx1">
+                    <a:lumMod val="95000"/>
+                  </a:schemeClr>
+                </a:solidFill>
+              </a:rPr>
+              <a:t>Eject Bad Data sequences (rows) to process specific Ejection handling.</a:t>
+            </a:r>
+            <a:endParaRPr lang="en-US" dirty="0" smtClean="0">
+              <a:solidFill>
+                <a:schemeClr val="tx1">
+                  <a:lumMod val="95000"/>
+                </a:schemeClr>
+              </a:solidFill>
+            </a:endParaRPr>
+          </a:p>
+          <a:p>
+            <a:pPr lvl="1"/>
+            <a:r>
+              <a:rPr lang="en-US" dirty="0" smtClean="0">
+                <a:solidFill>
+                  <a:schemeClr val="tx1">
+                    <a:lumMod val="95000"/>
+                  </a:schemeClr>
+                </a:solidFill>
+              </a:rPr>
+              <a:t>Pre-flight Transformation</a:t>
+            </a:r>
+            <a:endParaRPr lang="en-US" dirty="0">
+              <a:solidFill>
+                <a:schemeClr val="tx2">
+                  <a:lumMod val="50000"/>
+                </a:schemeClr>
+              </a:solidFill>
+            </a:endParaRPr>
+          </a:p>
+          <a:p>
+            <a:pPr lvl="2"/>
+            <a:r>
               <a:rPr lang="en-US" dirty="0" smtClean="0"/>
-              <a:t>Handles physical storage (on disk) of data</a:t>
-            </a:r>
-          </a:p>
-          <a:p>
-            <a:pPr lvl="1"/>
+              <a:t>Transform data according to process specific Transformation handling (e.g., number to monetary).</a:t>
+            </a:r>
+            <a:endParaRPr lang="en-US" dirty="0" smtClean="0"/>
+          </a:p>
+        </p:txBody>
+      </p:sp>
+    </p:spTree>
+    <p:extLst>
+      <p:ext uri="{BB962C8B-B14F-4D97-AF65-F5344CB8AC3E}">
+        <p14:creationId xmlns:p14="http://schemas.microsoft.com/office/powerpoint/2010/main" val="38999932"/>
+      </p:ext>
+    </p:extLst>
+  </p:cSld>
+  <p:clrMapOvr>
+    <a:masterClrMapping/>
+  </p:clrMapOvr>
+  <p:transition>
+    <p:fade/>
+  </p:transition>
+  <p:timing>
+    <p:tnLst>
+      <p:par>
+        <p:cTn id="1" dur="indefinite" restart="never" nodeType="tmRoot"/>
+      </p:par>
+    </p:tnLst>
+  </p:timing>
+</p:sld>
+</file>
+
+<file path=ppt/slides/slide8.xml><?xml version="1.0" encoding="utf-8"?>
+<p:sld xmlns:a="http://schemas.openxmlformats.org/drawingml/2006/main" xmlns:r="http://schemas.openxmlformats.org/officeDocument/2006/relationships" xmlns:p="http://schemas.openxmlformats.org/presentationml/2006/main">
+  <p:cSld>
+    <p:spTree>
+      <p:nvGrpSpPr>
+        <p:cNvPr id="1" name=""/>
+        <p:cNvGrpSpPr/>
+        <p:nvPr/>
+      </p:nvGrpSpPr>
+      <p:grpSpPr>
+        <a:xfrm>
+          <a:off x="0" y="0"/>
+          <a:ext cx="0" cy="0"/>
+          <a:chOff x="0" y="0"/>
+          <a:chExt cx="0" cy="0"/>
+        </a:xfrm>
+      </p:grpSpPr>
+      <p:sp>
+        <p:nvSpPr>
+          <p:cNvPr id="2" name="Title 1"/>
+          <p:cNvSpPr>
+            <a:spLocks noGrp="1"/>
+          </p:cNvSpPr>
+          <p:nvPr>
+            <p:ph type="title"/>
+          </p:nvPr>
+        </p:nvSpPr>
+        <p:spPr/>
+        <p:txBody>
+          <a:bodyPr/>
+          <a:lstStyle/>
+          <a:p>
             <a:r>
               <a:rPr lang="en-US" dirty="0" smtClean="0"/>
-              <a:t>Single Monolithic File Storage</a:t>
-            </a:r>
-          </a:p>
-          <a:p>
-            <a:pPr lvl="1"/>
-            <a:r>
-              <a:rPr lang="en-US" dirty="0" smtClean="0"/>
-              <a:t>Multiple File Storage for </a:t>
-            </a:r>
-            <a:r>
-              <a:rPr lang="en-US" dirty="0" err="1" smtClean="0"/>
-              <a:t>Sharding</a:t>
-            </a:r>
-            <a:endParaRPr lang="en-US" dirty="0" smtClean="0"/>
-          </a:p>
+              <a:t>Data Store Stage</a:t>
+            </a:r>
+            <a:endParaRPr lang="en-US" dirty="0"/>
+          </a:p>
+        </p:txBody>
+      </p:sp>
+      <p:sp>
+        <p:nvSpPr>
+          <p:cNvPr id="3" name="Text Placeholder 2"/>
+          <p:cNvSpPr>
+            <a:spLocks noGrp="1"/>
+          </p:cNvSpPr>
+          <p:nvPr>
+            <p:ph type="body" sz="quarter" idx="10"/>
+          </p:nvPr>
+        </p:nvSpPr>
+        <p:spPr>
+          <a:xfrm>
+            <a:off x="304606" y="1502076"/>
+            <a:ext cx="8382000" cy="4593923"/>
+          </a:xfrm>
+        </p:spPr>
+        <p:txBody>
+          <a:bodyPr/>
+          <a:lstStyle/>
           <a:p>
             <a:pPr marL="0" indent="0">
               <a:buNone/>
@@ -8018,6 +12909,1409 @@
             <a:endParaRPr lang="en-US" dirty="0" smtClean="0"/>
           </a:p>
           <a:p>
+            <a:pPr marL="0" indent="0">
+              <a:buNone/>
+            </a:pPr>
+            <a:endParaRPr lang="en-US" dirty="0"/>
+          </a:p>
+          <a:p>
+            <a:pPr marL="0" indent="0">
+              <a:buNone/>
+            </a:pPr>
+            <a:endParaRPr lang="en-US" dirty="0" smtClean="0"/>
+          </a:p>
+          <a:p>
+            <a:pPr marL="0" indent="0">
+              <a:buNone/>
+            </a:pPr>
+            <a:endParaRPr lang="en-US" dirty="0"/>
+          </a:p>
+          <a:p>
+            <a:pPr marL="0" indent="0">
+              <a:buNone/>
+            </a:pPr>
+            <a:endParaRPr lang="en-US" dirty="0" smtClean="0"/>
+          </a:p>
+          <a:p>
+            <a:pPr marL="0" indent="0">
+              <a:buNone/>
+            </a:pPr>
+            <a:endParaRPr lang="en-US" dirty="0"/>
+          </a:p>
+          <a:p>
+            <a:pPr marL="0" indent="0">
+              <a:buNone/>
+            </a:pPr>
+            <a:endParaRPr lang="en-US" dirty="0" smtClean="0"/>
+          </a:p>
+          <a:p>
+            <a:pPr marL="0" indent="0">
+              <a:buNone/>
+            </a:pPr>
+            <a:endParaRPr lang="en-US" dirty="0" smtClean="0"/>
+          </a:p>
+        </p:txBody>
+      </p:sp>
+      <p:sp>
+        <p:nvSpPr>
+          <p:cNvPr id="4" name="Rounded Rectangle 3"/>
+          <p:cNvSpPr/>
+          <p:nvPr/>
+        </p:nvSpPr>
+        <p:spPr bwMode="auto">
+          <a:xfrm>
+            <a:off x="508858" y="1603077"/>
+            <a:ext cx="2057400" cy="1219200"/>
+          </a:xfrm>
+          <a:prstGeom prst="roundRect">
+            <a:avLst/>
+          </a:prstGeom>
+          <a:solidFill>
+            <a:schemeClr val="accent1"/>
+          </a:solidFill>
+          <a:ln>
+            <a:headEnd type="none" w="med" len="med"/>
+            <a:tailEnd type="none" w="med" len="med"/>
+          </a:ln>
+        </p:spPr>
+        <p:style>
+          <a:lnRef idx="0">
+            <a:schemeClr val="accent2"/>
+          </a:lnRef>
+          <a:fillRef idx="3">
+            <a:schemeClr val="accent2"/>
+          </a:fillRef>
+          <a:effectRef idx="3">
+            <a:schemeClr val="accent2"/>
+          </a:effectRef>
+          <a:fontRef idx="minor">
+            <a:schemeClr val="lt1"/>
+          </a:fontRef>
+        </p:style>
+        <p:txBody>
+          <a:bodyPr vert="horz" wrap="square" lIns="91436" tIns="45718" rIns="91436" bIns="45718" numCol="1" rtlCol="0" anchor="ctr" anchorCtr="0" compatLnSpc="1">
+            <a:prstTxWarp prst="textNoShape">
+              <a:avLst/>
+            </a:prstTxWarp>
+          </a:bodyPr>
+          <a:lstStyle/>
+          <a:p>
+            <a:pPr algn="ctr" defTabSz="914099" fontAlgn="base">
+              <a:spcBef>
+                <a:spcPct val="0"/>
+              </a:spcBef>
+              <a:spcAft>
+                <a:spcPct val="0"/>
+              </a:spcAft>
+            </a:pPr>
+            <a:r>
+              <a:rPr lang="en-US" sz="2300" dirty="0" err="1" smtClean="0">
+                <a:solidFill>
+                  <a:srgbClr val="FFFFFF"/>
+                </a:solidFill>
+                <a:effectLst>
+                  <a:outerShdw blurRad="38100" dist="38100" dir="2700000" algn="tl">
+                    <a:srgbClr val="000000">
+                      <a:alpha val="43137"/>
+                    </a:srgbClr>
+                  </a:outerShdw>
+                </a:effectLst>
+                <a:latin typeface="Trebuchet MS" pitchFamily="34" charset="0"/>
+              </a:rPr>
+              <a:t>TransformedData</a:t>
+            </a:r>
+            <a:endParaRPr lang="en-US" sz="2300" dirty="0" smtClean="0">
+              <a:solidFill>
+                <a:srgbClr val="FFFFFF"/>
+              </a:solidFill>
+              <a:effectLst>
+                <a:outerShdw blurRad="38100" dist="38100" dir="2700000" algn="tl">
+                  <a:srgbClr val="000000">
+                    <a:alpha val="43137"/>
+                  </a:srgbClr>
+                </a:outerShdw>
+              </a:effectLst>
+              <a:latin typeface="Trebuchet MS" pitchFamily="34" charset="0"/>
+            </a:endParaRPr>
+          </a:p>
+        </p:txBody>
+      </p:sp>
+      <p:sp>
+        <p:nvSpPr>
+          <p:cNvPr id="5" name="Rounded Rectangle 4"/>
+          <p:cNvSpPr/>
+          <p:nvPr/>
+        </p:nvSpPr>
+        <p:spPr bwMode="auto">
+          <a:xfrm>
+            <a:off x="2947646" y="1627849"/>
+            <a:ext cx="2057400" cy="1219200"/>
+          </a:xfrm>
+          <a:prstGeom prst="roundRect">
+            <a:avLst/>
+          </a:prstGeom>
+          <a:solidFill>
+            <a:schemeClr val="accent1"/>
+          </a:solidFill>
+          <a:ln>
+            <a:headEnd type="none" w="med" len="med"/>
+            <a:tailEnd type="none" w="med" len="med"/>
+          </a:ln>
+        </p:spPr>
+        <p:style>
+          <a:lnRef idx="0">
+            <a:schemeClr val="accent2"/>
+          </a:lnRef>
+          <a:fillRef idx="3">
+            <a:schemeClr val="accent2"/>
+          </a:fillRef>
+          <a:effectRef idx="3">
+            <a:schemeClr val="accent2"/>
+          </a:effectRef>
+          <a:fontRef idx="minor">
+            <a:schemeClr val="lt1"/>
+          </a:fontRef>
+        </p:style>
+        <p:txBody>
+          <a:bodyPr vert="horz" wrap="square" lIns="91436" tIns="45718" rIns="91436" bIns="45718" numCol="1" rtlCol="0" anchor="ctr" anchorCtr="0" compatLnSpc="1">
+            <a:prstTxWarp prst="textNoShape">
+              <a:avLst/>
+            </a:prstTxWarp>
+          </a:bodyPr>
+          <a:lstStyle/>
+          <a:p>
+            <a:pPr algn="ctr" defTabSz="914099" fontAlgn="base">
+              <a:spcBef>
+                <a:spcPct val="0"/>
+              </a:spcBef>
+              <a:spcAft>
+                <a:spcPct val="0"/>
+              </a:spcAft>
+            </a:pPr>
+            <a:r>
+              <a:rPr lang="en-US" sz="2300" dirty="0" smtClean="0">
+                <a:solidFill>
+                  <a:srgbClr val="FFFFFF"/>
+                </a:solidFill>
+                <a:effectLst>
+                  <a:outerShdw blurRad="38100" dist="38100" dir="2700000" algn="tl">
+                    <a:srgbClr val="000000">
+                      <a:alpha val="43137"/>
+                    </a:srgbClr>
+                  </a:outerShdw>
+                </a:effectLst>
+                <a:latin typeface="Trebuchet MS" pitchFamily="34" charset="0"/>
+              </a:rPr>
+              <a:t>Collection</a:t>
+            </a:r>
+            <a:endParaRPr lang="en-US" sz="2300" dirty="0" smtClean="0">
+              <a:solidFill>
+                <a:srgbClr val="FFFFFF"/>
+              </a:solidFill>
+              <a:effectLst>
+                <a:outerShdw blurRad="38100" dist="38100" dir="2700000" algn="tl">
+                  <a:srgbClr val="000000">
+                    <a:alpha val="43137"/>
+                  </a:srgbClr>
+                </a:outerShdw>
+              </a:effectLst>
+              <a:latin typeface="Trebuchet MS" pitchFamily="34" charset="0"/>
+            </a:endParaRPr>
+          </a:p>
+        </p:txBody>
+      </p:sp>
+      <p:sp>
+        <p:nvSpPr>
+          <p:cNvPr id="10" name="Rounded Rectangle 9"/>
+          <p:cNvSpPr/>
+          <p:nvPr/>
+        </p:nvSpPr>
+        <p:spPr bwMode="auto">
+          <a:xfrm>
+            <a:off x="5466733" y="2428889"/>
+            <a:ext cx="2057400" cy="1219200"/>
+          </a:xfrm>
+          <a:prstGeom prst="roundRect">
+            <a:avLst/>
+          </a:prstGeom>
+          <a:solidFill>
+            <a:schemeClr val="accent1"/>
+          </a:solidFill>
+          <a:ln>
+            <a:headEnd type="none" w="med" len="med"/>
+            <a:tailEnd type="none" w="med" len="med"/>
+          </a:ln>
+        </p:spPr>
+        <p:style>
+          <a:lnRef idx="0">
+            <a:schemeClr val="accent2"/>
+          </a:lnRef>
+          <a:fillRef idx="3">
+            <a:schemeClr val="accent2"/>
+          </a:fillRef>
+          <a:effectRef idx="3">
+            <a:schemeClr val="accent2"/>
+          </a:effectRef>
+          <a:fontRef idx="minor">
+            <a:schemeClr val="lt1"/>
+          </a:fontRef>
+        </p:style>
+        <p:txBody>
+          <a:bodyPr vert="horz" wrap="square" lIns="91436" tIns="45718" rIns="91436" bIns="45718" numCol="1" rtlCol="0" anchor="ctr" anchorCtr="0" compatLnSpc="1">
+            <a:prstTxWarp prst="textNoShape">
+              <a:avLst/>
+            </a:prstTxWarp>
+          </a:bodyPr>
+          <a:lstStyle/>
+          <a:p>
+            <a:pPr algn="ctr" defTabSz="914099" fontAlgn="base">
+              <a:spcBef>
+                <a:spcPct val="0"/>
+              </a:spcBef>
+              <a:spcAft>
+                <a:spcPct val="0"/>
+              </a:spcAft>
+            </a:pPr>
+            <a:r>
+              <a:rPr lang="en-US" sz="2300" dirty="0" smtClean="0">
+                <a:solidFill>
+                  <a:srgbClr val="FFFFFF"/>
+                </a:solidFill>
+                <a:effectLst>
+                  <a:outerShdw blurRad="38100" dist="38100" dir="2700000" algn="tl">
+                    <a:srgbClr val="000000">
+                      <a:alpha val="43137"/>
+                    </a:srgbClr>
+                  </a:outerShdw>
+                </a:effectLst>
+                <a:latin typeface="Trebuchet MS" pitchFamily="34" charset="0"/>
+              </a:rPr>
+              <a:t>Index(s)</a:t>
+            </a:r>
+            <a:endParaRPr lang="en-US" sz="2300" dirty="0" smtClean="0">
+              <a:solidFill>
+                <a:srgbClr val="FFFFFF"/>
+              </a:solidFill>
+              <a:effectLst>
+                <a:outerShdw blurRad="38100" dist="38100" dir="2700000" algn="tl">
+                  <a:srgbClr val="000000">
+                    <a:alpha val="43137"/>
+                  </a:srgbClr>
+                </a:outerShdw>
+              </a:effectLst>
+              <a:latin typeface="Trebuchet MS" pitchFamily="34" charset="0"/>
+            </a:endParaRPr>
+          </a:p>
+        </p:txBody>
+      </p:sp>
+      <p:sp>
+        <p:nvSpPr>
+          <p:cNvPr id="17" name="Left Arrow 16"/>
+          <p:cNvSpPr/>
+          <p:nvPr/>
+        </p:nvSpPr>
+        <p:spPr bwMode="auto">
+          <a:xfrm rot="10954309">
+            <a:off x="2566258" y="2039522"/>
+            <a:ext cx="381388" cy="381002"/>
+          </a:xfrm>
+          <a:prstGeom prst="leftArrow">
+            <a:avLst/>
+          </a:prstGeom>
+          <a:solidFill>
+            <a:schemeClr val="accent1"/>
+          </a:solidFill>
+          <a:ln>
+            <a:headEnd type="none" w="med" len="med"/>
+            <a:tailEnd type="none" w="med" len="med"/>
+          </a:ln>
+        </p:spPr>
+        <p:style>
+          <a:lnRef idx="0">
+            <a:schemeClr val="accent2"/>
+          </a:lnRef>
+          <a:fillRef idx="3">
+            <a:schemeClr val="accent2"/>
+          </a:fillRef>
+          <a:effectRef idx="3">
+            <a:schemeClr val="accent2"/>
+          </a:effectRef>
+          <a:fontRef idx="minor">
+            <a:schemeClr val="lt1"/>
+          </a:fontRef>
+        </p:style>
+        <p:txBody>
+          <a:bodyPr vert="horz" wrap="square" lIns="91436" tIns="45718" rIns="91436" bIns="45718" numCol="1" rtlCol="0" anchor="ctr" anchorCtr="0" compatLnSpc="1">
+            <a:prstTxWarp prst="textNoShape">
+              <a:avLst/>
+            </a:prstTxWarp>
+          </a:bodyPr>
+          <a:lstStyle/>
+          <a:p>
+            <a:pPr algn="ctr" defTabSz="914099" fontAlgn="base">
+              <a:spcBef>
+                <a:spcPct val="0"/>
+              </a:spcBef>
+              <a:spcAft>
+                <a:spcPct val="0"/>
+              </a:spcAft>
+            </a:pPr>
+            <a:endParaRPr lang="en-US" sz="2300" dirty="0" smtClean="0">
+              <a:solidFill>
+                <a:srgbClr val="FFFFFF"/>
+              </a:solidFill>
+              <a:effectLst>
+                <a:outerShdw blurRad="38100" dist="38100" dir="2700000" algn="tl">
+                  <a:srgbClr val="000000">
+                    <a:alpha val="43137"/>
+                  </a:srgbClr>
+                </a:outerShdw>
+              </a:effectLst>
+              <a:latin typeface="Trebuchet MS" pitchFamily="34" charset="0"/>
+            </a:endParaRPr>
+          </a:p>
+        </p:txBody>
+      </p:sp>
+      <p:sp>
+        <p:nvSpPr>
+          <p:cNvPr id="27" name="Rounded Rectangle 26"/>
+          <p:cNvSpPr/>
+          <p:nvPr/>
+        </p:nvSpPr>
+        <p:spPr bwMode="auto">
+          <a:xfrm>
+            <a:off x="2956003" y="3471209"/>
+            <a:ext cx="2057400" cy="1219200"/>
+          </a:xfrm>
+          <a:prstGeom prst="roundRect">
+            <a:avLst/>
+          </a:prstGeom>
+          <a:solidFill>
+            <a:schemeClr val="accent1"/>
+          </a:solidFill>
+          <a:ln>
+            <a:headEnd type="none" w="med" len="med"/>
+            <a:tailEnd type="none" w="med" len="med"/>
+          </a:ln>
+        </p:spPr>
+        <p:style>
+          <a:lnRef idx="0">
+            <a:schemeClr val="accent2"/>
+          </a:lnRef>
+          <a:fillRef idx="3">
+            <a:schemeClr val="accent2"/>
+          </a:fillRef>
+          <a:effectRef idx="3">
+            <a:schemeClr val="accent2"/>
+          </a:effectRef>
+          <a:fontRef idx="minor">
+            <a:schemeClr val="lt1"/>
+          </a:fontRef>
+        </p:style>
+        <p:txBody>
+          <a:bodyPr vert="horz" wrap="square" lIns="91436" tIns="45718" rIns="91436" bIns="45718" numCol="1" rtlCol="0" anchor="ctr" anchorCtr="0" compatLnSpc="1">
+            <a:prstTxWarp prst="textNoShape">
+              <a:avLst/>
+            </a:prstTxWarp>
+          </a:bodyPr>
+          <a:lstStyle/>
+          <a:p>
+            <a:pPr algn="ctr" defTabSz="914099" fontAlgn="base">
+              <a:spcBef>
+                <a:spcPct val="0"/>
+              </a:spcBef>
+              <a:spcAft>
+                <a:spcPct val="0"/>
+              </a:spcAft>
+            </a:pPr>
+            <a:r>
+              <a:rPr lang="en-US" sz="2300" dirty="0" smtClean="0">
+                <a:solidFill>
+                  <a:srgbClr val="FFFFFF"/>
+                </a:solidFill>
+                <a:effectLst>
+                  <a:outerShdw blurRad="38100" dist="38100" dir="2700000" algn="tl">
+                    <a:srgbClr val="000000">
+                      <a:alpha val="43137"/>
+                    </a:srgbClr>
+                  </a:outerShdw>
+                </a:effectLst>
+                <a:latin typeface="Trebuchet MS" pitchFamily="34" charset="0"/>
+              </a:rPr>
+              <a:t>Data Conversion</a:t>
+            </a:r>
+            <a:endParaRPr lang="en-US" sz="2300" dirty="0" smtClean="0">
+              <a:solidFill>
+                <a:srgbClr val="FFFFFF"/>
+              </a:solidFill>
+              <a:effectLst>
+                <a:outerShdw blurRad="38100" dist="38100" dir="2700000" algn="tl">
+                  <a:srgbClr val="000000">
+                    <a:alpha val="43137"/>
+                  </a:srgbClr>
+                </a:outerShdw>
+              </a:effectLst>
+              <a:latin typeface="Trebuchet MS" pitchFamily="34" charset="0"/>
+            </a:endParaRPr>
+          </a:p>
+        </p:txBody>
+      </p:sp>
+      <p:sp>
+        <p:nvSpPr>
+          <p:cNvPr id="28" name="Rounded Rectangle 27"/>
+          <p:cNvSpPr/>
+          <p:nvPr/>
+        </p:nvSpPr>
+        <p:spPr bwMode="auto">
+          <a:xfrm>
+            <a:off x="5497004" y="1005627"/>
+            <a:ext cx="2057400" cy="1219200"/>
+          </a:xfrm>
+          <a:prstGeom prst="roundRect">
+            <a:avLst/>
+          </a:prstGeom>
+          <a:solidFill>
+            <a:schemeClr val="accent1"/>
+          </a:solidFill>
+          <a:ln>
+            <a:headEnd type="none" w="med" len="med"/>
+            <a:tailEnd type="none" w="med" len="med"/>
+          </a:ln>
+        </p:spPr>
+        <p:style>
+          <a:lnRef idx="0">
+            <a:schemeClr val="accent2"/>
+          </a:lnRef>
+          <a:fillRef idx="3">
+            <a:schemeClr val="accent2"/>
+          </a:fillRef>
+          <a:effectRef idx="3">
+            <a:schemeClr val="accent2"/>
+          </a:effectRef>
+          <a:fontRef idx="minor">
+            <a:schemeClr val="lt1"/>
+          </a:fontRef>
+        </p:style>
+        <p:txBody>
+          <a:bodyPr vert="horz" wrap="square" lIns="91436" tIns="45718" rIns="91436" bIns="45718" numCol="1" rtlCol="0" anchor="ctr" anchorCtr="0" compatLnSpc="1">
+            <a:prstTxWarp prst="textNoShape">
+              <a:avLst/>
+            </a:prstTxWarp>
+          </a:bodyPr>
+          <a:lstStyle/>
+          <a:p>
+            <a:pPr algn="ctr" defTabSz="914099" fontAlgn="base">
+              <a:spcBef>
+                <a:spcPct val="0"/>
+              </a:spcBef>
+              <a:spcAft>
+                <a:spcPct val="0"/>
+              </a:spcAft>
+            </a:pPr>
+            <a:r>
+              <a:rPr lang="en-US" sz="2300" dirty="0" smtClean="0">
+                <a:solidFill>
+                  <a:srgbClr val="FFFFFF"/>
+                </a:solidFill>
+                <a:effectLst>
+                  <a:outerShdw blurRad="38100" dist="38100" dir="2700000" algn="tl">
+                    <a:srgbClr val="000000">
+                      <a:alpha val="43137"/>
+                    </a:srgbClr>
+                  </a:outerShdw>
+                </a:effectLst>
+                <a:latin typeface="Trebuchet MS" pitchFamily="34" charset="0"/>
+              </a:rPr>
+              <a:t>Schema</a:t>
+            </a:r>
+            <a:endParaRPr lang="en-US" sz="2300" dirty="0" smtClean="0">
+              <a:solidFill>
+                <a:srgbClr val="FFFFFF"/>
+              </a:solidFill>
+              <a:effectLst>
+                <a:outerShdw blurRad="38100" dist="38100" dir="2700000" algn="tl">
+                  <a:srgbClr val="000000">
+                    <a:alpha val="43137"/>
+                  </a:srgbClr>
+                </a:outerShdw>
+              </a:effectLst>
+              <a:latin typeface="Trebuchet MS" pitchFamily="34" charset="0"/>
+            </a:endParaRPr>
+          </a:p>
+        </p:txBody>
+      </p:sp>
+      <p:sp>
+        <p:nvSpPr>
+          <p:cNvPr id="29" name="TextBox 28"/>
+          <p:cNvSpPr txBox="1"/>
+          <p:nvPr/>
+        </p:nvSpPr>
+        <p:spPr>
+          <a:xfrm>
+            <a:off x="5120415" y="636295"/>
+            <a:ext cx="3315523" cy="369332"/>
+          </a:xfrm>
+          <a:prstGeom prst="rect">
+            <a:avLst/>
+          </a:prstGeom>
+          <a:noFill/>
+        </p:spPr>
+        <p:txBody>
+          <a:bodyPr wrap="none" rtlCol="0">
+            <a:spAutoFit/>
+          </a:bodyPr>
+          <a:lstStyle/>
+          <a:p>
+            <a:r>
+              <a:rPr lang="en-US" dirty="0" smtClean="0"/>
+              <a:t>Schema Pre-specified or Dynamic</a:t>
+            </a:r>
+            <a:endParaRPr lang="en-US" dirty="0"/>
+          </a:p>
+        </p:txBody>
+      </p:sp>
+      <p:sp>
+        <p:nvSpPr>
+          <p:cNvPr id="33" name="Left Arrow 32"/>
+          <p:cNvSpPr/>
+          <p:nvPr/>
+        </p:nvSpPr>
+        <p:spPr bwMode="auto">
+          <a:xfrm rot="1632568">
+            <a:off x="4996783" y="2531247"/>
+            <a:ext cx="524308" cy="316468"/>
+          </a:xfrm>
+          <a:prstGeom prst="leftArrow">
+            <a:avLst/>
+          </a:prstGeom>
+          <a:solidFill>
+            <a:schemeClr val="accent1"/>
+          </a:solidFill>
+          <a:ln>
+            <a:headEnd type="none" w="med" len="med"/>
+            <a:tailEnd type="none" w="med" len="med"/>
+          </a:ln>
+        </p:spPr>
+        <p:style>
+          <a:lnRef idx="0">
+            <a:schemeClr val="accent2"/>
+          </a:lnRef>
+          <a:fillRef idx="3">
+            <a:schemeClr val="accent2"/>
+          </a:fillRef>
+          <a:effectRef idx="3">
+            <a:schemeClr val="accent2"/>
+          </a:effectRef>
+          <a:fontRef idx="minor">
+            <a:schemeClr val="lt1"/>
+          </a:fontRef>
+        </p:style>
+        <p:txBody>
+          <a:bodyPr vert="horz" wrap="square" lIns="91436" tIns="45718" rIns="91436" bIns="45718" numCol="1" rtlCol="0" anchor="ctr" anchorCtr="0" compatLnSpc="1">
+            <a:prstTxWarp prst="textNoShape">
+              <a:avLst/>
+            </a:prstTxWarp>
+          </a:bodyPr>
+          <a:lstStyle/>
+          <a:p>
+            <a:pPr algn="ctr" defTabSz="914099" fontAlgn="base">
+              <a:spcBef>
+                <a:spcPct val="0"/>
+              </a:spcBef>
+              <a:spcAft>
+                <a:spcPct val="0"/>
+              </a:spcAft>
+            </a:pPr>
+            <a:endParaRPr lang="en-US" sz="2300" dirty="0" smtClean="0">
+              <a:solidFill>
+                <a:srgbClr val="FFFFFF"/>
+              </a:solidFill>
+              <a:effectLst>
+                <a:outerShdw blurRad="38100" dist="38100" dir="2700000" algn="tl">
+                  <a:srgbClr val="000000">
+                    <a:alpha val="43137"/>
+                  </a:srgbClr>
+                </a:outerShdw>
+              </a:effectLst>
+              <a:latin typeface="Trebuchet MS" pitchFamily="34" charset="0"/>
+            </a:endParaRPr>
+          </a:p>
+        </p:txBody>
+      </p:sp>
+      <p:sp>
+        <p:nvSpPr>
+          <p:cNvPr id="34" name="Left Arrow 33"/>
+          <p:cNvSpPr/>
+          <p:nvPr/>
+        </p:nvSpPr>
+        <p:spPr bwMode="auto">
+          <a:xfrm rot="19445672">
+            <a:off x="4905260" y="1703556"/>
+            <a:ext cx="606428" cy="316468"/>
+          </a:xfrm>
+          <a:prstGeom prst="leftArrow">
+            <a:avLst/>
+          </a:prstGeom>
+          <a:solidFill>
+            <a:schemeClr val="accent1"/>
+          </a:solidFill>
+          <a:ln>
+            <a:headEnd type="none" w="med" len="med"/>
+            <a:tailEnd type="none" w="med" len="med"/>
+          </a:ln>
+        </p:spPr>
+        <p:style>
+          <a:lnRef idx="0">
+            <a:schemeClr val="accent2"/>
+          </a:lnRef>
+          <a:fillRef idx="3">
+            <a:schemeClr val="accent2"/>
+          </a:fillRef>
+          <a:effectRef idx="3">
+            <a:schemeClr val="accent2"/>
+          </a:effectRef>
+          <a:fontRef idx="minor">
+            <a:schemeClr val="lt1"/>
+          </a:fontRef>
+        </p:style>
+        <p:txBody>
+          <a:bodyPr vert="horz" wrap="square" lIns="91436" tIns="45718" rIns="91436" bIns="45718" numCol="1" rtlCol="0" anchor="ctr" anchorCtr="0" compatLnSpc="1">
+            <a:prstTxWarp prst="textNoShape">
+              <a:avLst/>
+            </a:prstTxWarp>
+          </a:bodyPr>
+          <a:lstStyle/>
+          <a:p>
+            <a:pPr algn="ctr" defTabSz="914099" fontAlgn="base">
+              <a:spcBef>
+                <a:spcPct val="0"/>
+              </a:spcBef>
+              <a:spcAft>
+                <a:spcPct val="0"/>
+              </a:spcAft>
+            </a:pPr>
+            <a:endParaRPr lang="en-US" sz="2300" dirty="0" smtClean="0">
+              <a:solidFill>
+                <a:srgbClr val="FFFFFF"/>
+              </a:solidFill>
+              <a:effectLst>
+                <a:outerShdw blurRad="38100" dist="38100" dir="2700000" algn="tl">
+                  <a:srgbClr val="000000">
+                    <a:alpha val="43137"/>
+                  </a:srgbClr>
+                </a:outerShdw>
+              </a:effectLst>
+              <a:latin typeface="Trebuchet MS" pitchFamily="34" charset="0"/>
+            </a:endParaRPr>
+          </a:p>
+        </p:txBody>
+      </p:sp>
+      <p:sp>
+        <p:nvSpPr>
+          <p:cNvPr id="32" name="Rounded Rectangle 31"/>
+          <p:cNvSpPr/>
+          <p:nvPr/>
+        </p:nvSpPr>
+        <p:spPr bwMode="auto">
+          <a:xfrm>
+            <a:off x="2956003" y="5070703"/>
+            <a:ext cx="2057400" cy="1219200"/>
+          </a:xfrm>
+          <a:prstGeom prst="roundRect">
+            <a:avLst/>
+          </a:prstGeom>
+          <a:solidFill>
+            <a:schemeClr val="accent1"/>
+          </a:solidFill>
+          <a:ln>
+            <a:headEnd type="none" w="med" len="med"/>
+            <a:tailEnd type="none" w="med" len="med"/>
+          </a:ln>
+        </p:spPr>
+        <p:style>
+          <a:lnRef idx="0">
+            <a:schemeClr val="accent2"/>
+          </a:lnRef>
+          <a:fillRef idx="3">
+            <a:schemeClr val="accent2"/>
+          </a:fillRef>
+          <a:effectRef idx="3">
+            <a:schemeClr val="accent2"/>
+          </a:effectRef>
+          <a:fontRef idx="minor">
+            <a:schemeClr val="lt1"/>
+          </a:fontRef>
+        </p:style>
+        <p:txBody>
+          <a:bodyPr vert="horz" wrap="square" lIns="91436" tIns="45718" rIns="91436" bIns="45718" numCol="1" rtlCol="0" anchor="ctr" anchorCtr="0" compatLnSpc="1">
+            <a:prstTxWarp prst="textNoShape">
+              <a:avLst/>
+            </a:prstTxWarp>
+          </a:bodyPr>
+          <a:lstStyle/>
+          <a:p>
+            <a:pPr algn="ctr" defTabSz="914099" fontAlgn="base">
+              <a:spcBef>
+                <a:spcPct val="0"/>
+              </a:spcBef>
+              <a:spcAft>
+                <a:spcPct val="0"/>
+              </a:spcAft>
+            </a:pPr>
+            <a:r>
+              <a:rPr lang="en-US" sz="2300" dirty="0" smtClean="0">
+                <a:solidFill>
+                  <a:srgbClr val="FFFFFF"/>
+                </a:solidFill>
+                <a:effectLst>
+                  <a:outerShdw blurRad="38100" dist="38100" dir="2700000" algn="tl">
+                    <a:srgbClr val="000000">
+                      <a:alpha val="43137"/>
+                    </a:srgbClr>
+                  </a:outerShdw>
+                </a:effectLst>
+                <a:latin typeface="Trebuchet MS" pitchFamily="34" charset="0"/>
+              </a:rPr>
+              <a:t>Columnar</a:t>
+            </a:r>
+            <a:br>
+              <a:rPr lang="en-US" sz="2300" dirty="0" smtClean="0">
+                <a:solidFill>
+                  <a:srgbClr val="FFFFFF"/>
+                </a:solidFill>
+                <a:effectLst>
+                  <a:outerShdw blurRad="38100" dist="38100" dir="2700000" algn="tl">
+                    <a:srgbClr val="000000">
+                      <a:alpha val="43137"/>
+                    </a:srgbClr>
+                  </a:outerShdw>
+                </a:effectLst>
+                <a:latin typeface="Trebuchet MS" pitchFamily="34" charset="0"/>
+              </a:rPr>
+            </a:br>
+            <a:r>
+              <a:rPr lang="en-US" sz="2300" dirty="0" smtClean="0">
+                <a:solidFill>
+                  <a:srgbClr val="FFFFFF"/>
+                </a:solidFill>
+                <a:effectLst>
+                  <a:outerShdw blurRad="38100" dist="38100" dir="2700000" algn="tl">
+                    <a:srgbClr val="000000">
+                      <a:alpha val="43137"/>
+                    </a:srgbClr>
+                  </a:outerShdw>
+                </a:effectLst>
+                <a:latin typeface="Trebuchet MS" pitchFamily="34" charset="0"/>
+              </a:rPr>
+              <a:t>(CSV/PSV/TSV)</a:t>
+            </a:r>
+            <a:endParaRPr lang="en-US" sz="2300" dirty="0" smtClean="0">
+              <a:solidFill>
+                <a:srgbClr val="FFFFFF"/>
+              </a:solidFill>
+              <a:effectLst>
+                <a:outerShdw blurRad="38100" dist="38100" dir="2700000" algn="tl">
+                  <a:srgbClr val="000000">
+                    <a:alpha val="43137"/>
+                  </a:srgbClr>
+                </a:outerShdw>
+              </a:effectLst>
+              <a:latin typeface="Trebuchet MS" pitchFamily="34" charset="0"/>
+            </a:endParaRPr>
+          </a:p>
+        </p:txBody>
+      </p:sp>
+      <p:sp>
+        <p:nvSpPr>
+          <p:cNvPr id="19" name="Left Arrow 18"/>
+          <p:cNvSpPr/>
+          <p:nvPr/>
+        </p:nvSpPr>
+        <p:spPr bwMode="auto">
+          <a:xfrm rot="16200000">
+            <a:off x="3670624" y="3009761"/>
+            <a:ext cx="606428" cy="316468"/>
+          </a:xfrm>
+          <a:prstGeom prst="leftArrow">
+            <a:avLst/>
+          </a:prstGeom>
+          <a:solidFill>
+            <a:schemeClr val="accent1"/>
+          </a:solidFill>
+          <a:ln>
+            <a:headEnd type="none" w="med" len="med"/>
+            <a:tailEnd type="none" w="med" len="med"/>
+          </a:ln>
+        </p:spPr>
+        <p:style>
+          <a:lnRef idx="0">
+            <a:schemeClr val="accent2"/>
+          </a:lnRef>
+          <a:fillRef idx="3">
+            <a:schemeClr val="accent2"/>
+          </a:fillRef>
+          <a:effectRef idx="3">
+            <a:schemeClr val="accent2"/>
+          </a:effectRef>
+          <a:fontRef idx="minor">
+            <a:schemeClr val="lt1"/>
+          </a:fontRef>
+        </p:style>
+        <p:txBody>
+          <a:bodyPr vert="horz" wrap="square" lIns="91436" tIns="45718" rIns="91436" bIns="45718" numCol="1" rtlCol="0" anchor="ctr" anchorCtr="0" compatLnSpc="1">
+            <a:prstTxWarp prst="textNoShape">
+              <a:avLst/>
+            </a:prstTxWarp>
+          </a:bodyPr>
+          <a:lstStyle/>
+          <a:p>
+            <a:pPr algn="ctr" defTabSz="914099" fontAlgn="base">
+              <a:spcBef>
+                <a:spcPct val="0"/>
+              </a:spcBef>
+              <a:spcAft>
+                <a:spcPct val="0"/>
+              </a:spcAft>
+            </a:pPr>
+            <a:endParaRPr lang="en-US" sz="2300" dirty="0" smtClean="0">
+              <a:solidFill>
+                <a:srgbClr val="FFFFFF"/>
+              </a:solidFill>
+              <a:effectLst>
+                <a:outerShdw blurRad="38100" dist="38100" dir="2700000" algn="tl">
+                  <a:srgbClr val="000000">
+                    <a:alpha val="43137"/>
+                  </a:srgbClr>
+                </a:outerShdw>
+              </a:effectLst>
+              <a:latin typeface="Trebuchet MS" pitchFamily="34" charset="0"/>
+            </a:endParaRPr>
+          </a:p>
+        </p:txBody>
+      </p:sp>
+      <p:sp>
+        <p:nvSpPr>
+          <p:cNvPr id="21" name="Rounded Rectangle 20"/>
+          <p:cNvSpPr/>
+          <p:nvPr/>
+        </p:nvSpPr>
+        <p:spPr bwMode="auto">
+          <a:xfrm>
+            <a:off x="508858" y="5087154"/>
+            <a:ext cx="2057400" cy="1219200"/>
+          </a:xfrm>
+          <a:prstGeom prst="roundRect">
+            <a:avLst/>
+          </a:prstGeom>
+          <a:solidFill>
+            <a:schemeClr val="accent1"/>
+          </a:solidFill>
+          <a:ln>
+            <a:headEnd type="none" w="med" len="med"/>
+            <a:tailEnd type="none" w="med" len="med"/>
+          </a:ln>
+        </p:spPr>
+        <p:style>
+          <a:lnRef idx="0">
+            <a:schemeClr val="accent2"/>
+          </a:lnRef>
+          <a:fillRef idx="3">
+            <a:schemeClr val="accent2"/>
+          </a:fillRef>
+          <a:effectRef idx="3">
+            <a:schemeClr val="accent2"/>
+          </a:effectRef>
+          <a:fontRef idx="minor">
+            <a:schemeClr val="lt1"/>
+          </a:fontRef>
+        </p:style>
+        <p:txBody>
+          <a:bodyPr vert="horz" wrap="square" lIns="91436" tIns="45718" rIns="91436" bIns="45718" numCol="1" rtlCol="0" anchor="ctr" anchorCtr="0" compatLnSpc="1">
+            <a:prstTxWarp prst="textNoShape">
+              <a:avLst/>
+            </a:prstTxWarp>
+          </a:bodyPr>
+          <a:lstStyle/>
+          <a:p>
+            <a:pPr algn="ctr" defTabSz="914099" fontAlgn="base">
+              <a:spcBef>
+                <a:spcPct val="0"/>
+              </a:spcBef>
+              <a:spcAft>
+                <a:spcPct val="0"/>
+              </a:spcAft>
+            </a:pPr>
+            <a:r>
+              <a:rPr lang="en-US" sz="2300" dirty="0" smtClean="0">
+                <a:solidFill>
+                  <a:srgbClr val="FFFFFF"/>
+                </a:solidFill>
+                <a:effectLst>
+                  <a:outerShdw blurRad="38100" dist="38100" dir="2700000" algn="tl">
+                    <a:srgbClr val="000000">
+                      <a:alpha val="43137"/>
+                    </a:srgbClr>
+                  </a:outerShdw>
+                </a:effectLst>
+                <a:latin typeface="Trebuchet MS" pitchFamily="34" charset="0"/>
+              </a:rPr>
+              <a:t>Document</a:t>
+            </a:r>
+            <a:br>
+              <a:rPr lang="en-US" sz="2300" dirty="0" smtClean="0">
+                <a:solidFill>
+                  <a:srgbClr val="FFFFFF"/>
+                </a:solidFill>
+                <a:effectLst>
+                  <a:outerShdw blurRad="38100" dist="38100" dir="2700000" algn="tl">
+                    <a:srgbClr val="000000">
+                      <a:alpha val="43137"/>
+                    </a:srgbClr>
+                  </a:outerShdw>
+                </a:effectLst>
+                <a:latin typeface="Trebuchet MS" pitchFamily="34" charset="0"/>
+              </a:rPr>
+            </a:br>
+            <a:r>
+              <a:rPr lang="en-US" sz="2300" dirty="0" smtClean="0">
+                <a:solidFill>
+                  <a:srgbClr val="FFFFFF"/>
+                </a:solidFill>
+                <a:effectLst>
+                  <a:outerShdw blurRad="38100" dist="38100" dir="2700000" algn="tl">
+                    <a:srgbClr val="000000">
+                      <a:alpha val="43137"/>
+                    </a:srgbClr>
+                  </a:outerShdw>
+                </a:effectLst>
+                <a:latin typeface="Trebuchet MS" pitchFamily="34" charset="0"/>
+              </a:rPr>
+              <a:t>(JSON/BSON)</a:t>
+            </a:r>
+            <a:endParaRPr lang="en-US" sz="2300" dirty="0" smtClean="0">
+              <a:solidFill>
+                <a:srgbClr val="FFFFFF"/>
+              </a:solidFill>
+              <a:effectLst>
+                <a:outerShdw blurRad="38100" dist="38100" dir="2700000" algn="tl">
+                  <a:srgbClr val="000000">
+                    <a:alpha val="43137"/>
+                  </a:srgbClr>
+                </a:outerShdw>
+              </a:effectLst>
+              <a:latin typeface="Trebuchet MS" pitchFamily="34" charset="0"/>
+            </a:endParaRPr>
+          </a:p>
+        </p:txBody>
+      </p:sp>
+      <p:sp>
+        <p:nvSpPr>
+          <p:cNvPr id="23" name="Rounded Rectangle 22"/>
+          <p:cNvSpPr/>
+          <p:nvPr/>
+        </p:nvSpPr>
+        <p:spPr bwMode="auto">
+          <a:xfrm>
+            <a:off x="5466733" y="5087154"/>
+            <a:ext cx="2057400" cy="1219200"/>
+          </a:xfrm>
+          <a:prstGeom prst="roundRect">
+            <a:avLst/>
+          </a:prstGeom>
+          <a:solidFill>
+            <a:schemeClr val="accent1"/>
+          </a:solidFill>
+          <a:ln>
+            <a:headEnd type="none" w="med" len="med"/>
+            <a:tailEnd type="none" w="med" len="med"/>
+          </a:ln>
+        </p:spPr>
+        <p:style>
+          <a:lnRef idx="0">
+            <a:schemeClr val="accent2"/>
+          </a:lnRef>
+          <a:fillRef idx="3">
+            <a:schemeClr val="accent2"/>
+          </a:fillRef>
+          <a:effectRef idx="3">
+            <a:schemeClr val="accent2"/>
+          </a:effectRef>
+          <a:fontRef idx="minor">
+            <a:schemeClr val="lt1"/>
+          </a:fontRef>
+        </p:style>
+        <p:txBody>
+          <a:bodyPr vert="horz" wrap="square" lIns="91436" tIns="45718" rIns="91436" bIns="45718" numCol="1" rtlCol="0" anchor="ctr" anchorCtr="0" compatLnSpc="1">
+            <a:prstTxWarp prst="textNoShape">
+              <a:avLst/>
+            </a:prstTxWarp>
+          </a:bodyPr>
+          <a:lstStyle/>
+          <a:p>
+            <a:pPr algn="ctr" defTabSz="914099" fontAlgn="base">
+              <a:spcBef>
+                <a:spcPct val="0"/>
+              </a:spcBef>
+              <a:spcAft>
+                <a:spcPct val="0"/>
+              </a:spcAft>
+            </a:pPr>
+            <a:r>
+              <a:rPr lang="en-US" sz="2300" dirty="0" smtClean="0">
+                <a:solidFill>
+                  <a:srgbClr val="FFFFFF"/>
+                </a:solidFill>
+                <a:effectLst>
+                  <a:outerShdw blurRad="38100" dist="38100" dir="2700000" algn="tl">
+                    <a:srgbClr val="000000">
+                      <a:alpha val="43137"/>
+                    </a:srgbClr>
+                  </a:outerShdw>
+                </a:effectLst>
+                <a:latin typeface="Trebuchet MS" pitchFamily="34" charset="0"/>
+              </a:rPr>
+              <a:t>RDBMS</a:t>
+            </a:r>
+            <a:br>
+              <a:rPr lang="en-US" sz="2300" dirty="0" smtClean="0">
+                <a:solidFill>
+                  <a:srgbClr val="FFFFFF"/>
+                </a:solidFill>
+                <a:effectLst>
+                  <a:outerShdw blurRad="38100" dist="38100" dir="2700000" algn="tl">
+                    <a:srgbClr val="000000">
+                      <a:alpha val="43137"/>
+                    </a:srgbClr>
+                  </a:outerShdw>
+                </a:effectLst>
+                <a:latin typeface="Trebuchet MS" pitchFamily="34" charset="0"/>
+              </a:rPr>
+            </a:br>
+            <a:r>
+              <a:rPr lang="en-US" sz="2300" dirty="0" smtClean="0">
+                <a:solidFill>
+                  <a:srgbClr val="FFFFFF"/>
+                </a:solidFill>
+                <a:effectLst>
+                  <a:outerShdw blurRad="38100" dist="38100" dir="2700000" algn="tl">
+                    <a:srgbClr val="000000">
+                      <a:alpha val="43137"/>
+                    </a:srgbClr>
+                  </a:outerShdw>
+                </a:effectLst>
+                <a:latin typeface="Trebuchet MS" pitchFamily="34" charset="0"/>
+              </a:rPr>
+              <a:t>(Fixed Records)</a:t>
+            </a:r>
+            <a:endParaRPr lang="en-US" sz="2300" dirty="0" smtClean="0">
+              <a:solidFill>
+                <a:srgbClr val="FFFFFF"/>
+              </a:solidFill>
+              <a:effectLst>
+                <a:outerShdw blurRad="38100" dist="38100" dir="2700000" algn="tl">
+                  <a:srgbClr val="000000">
+                    <a:alpha val="43137"/>
+                  </a:srgbClr>
+                </a:outerShdw>
+              </a:effectLst>
+              <a:latin typeface="Trebuchet MS" pitchFamily="34" charset="0"/>
+            </a:endParaRPr>
+          </a:p>
+        </p:txBody>
+      </p:sp>
+      <p:sp>
+        <p:nvSpPr>
+          <p:cNvPr id="24" name="Left Arrow 23"/>
+          <p:cNvSpPr/>
+          <p:nvPr/>
+        </p:nvSpPr>
+        <p:spPr bwMode="auto">
+          <a:xfrm rot="16200000">
+            <a:off x="3777857" y="4722322"/>
+            <a:ext cx="380294" cy="316468"/>
+          </a:xfrm>
+          <a:prstGeom prst="leftArrow">
+            <a:avLst/>
+          </a:prstGeom>
+          <a:solidFill>
+            <a:schemeClr val="accent1"/>
+          </a:solidFill>
+          <a:ln>
+            <a:headEnd type="none" w="med" len="med"/>
+            <a:tailEnd type="none" w="med" len="med"/>
+          </a:ln>
+        </p:spPr>
+        <p:style>
+          <a:lnRef idx="0">
+            <a:schemeClr val="accent2"/>
+          </a:lnRef>
+          <a:fillRef idx="3">
+            <a:schemeClr val="accent2"/>
+          </a:fillRef>
+          <a:effectRef idx="3">
+            <a:schemeClr val="accent2"/>
+          </a:effectRef>
+          <a:fontRef idx="minor">
+            <a:schemeClr val="lt1"/>
+          </a:fontRef>
+        </p:style>
+        <p:txBody>
+          <a:bodyPr vert="horz" wrap="square" lIns="91436" tIns="45718" rIns="91436" bIns="45718" numCol="1" rtlCol="0" anchor="ctr" anchorCtr="0" compatLnSpc="1">
+            <a:prstTxWarp prst="textNoShape">
+              <a:avLst/>
+            </a:prstTxWarp>
+          </a:bodyPr>
+          <a:lstStyle/>
+          <a:p>
+            <a:pPr algn="ctr" defTabSz="914099" fontAlgn="base">
+              <a:spcBef>
+                <a:spcPct val="0"/>
+              </a:spcBef>
+              <a:spcAft>
+                <a:spcPct val="0"/>
+              </a:spcAft>
+            </a:pPr>
+            <a:endParaRPr lang="en-US" sz="2300" dirty="0" smtClean="0">
+              <a:solidFill>
+                <a:srgbClr val="FFFFFF"/>
+              </a:solidFill>
+              <a:effectLst>
+                <a:outerShdw blurRad="38100" dist="38100" dir="2700000" algn="tl">
+                  <a:srgbClr val="000000">
+                    <a:alpha val="43137"/>
+                  </a:srgbClr>
+                </a:outerShdw>
+              </a:effectLst>
+              <a:latin typeface="Trebuchet MS" pitchFamily="34" charset="0"/>
+            </a:endParaRPr>
+          </a:p>
+        </p:txBody>
+      </p:sp>
+      <p:sp>
+        <p:nvSpPr>
+          <p:cNvPr id="25" name="Left Arrow 24"/>
+          <p:cNvSpPr/>
+          <p:nvPr/>
+        </p:nvSpPr>
+        <p:spPr bwMode="auto">
+          <a:xfrm rot="18639373">
+            <a:off x="2437298" y="4754093"/>
+            <a:ext cx="690191" cy="316468"/>
+          </a:xfrm>
+          <a:prstGeom prst="leftArrow">
+            <a:avLst/>
+          </a:prstGeom>
+          <a:solidFill>
+            <a:schemeClr val="accent1"/>
+          </a:solidFill>
+          <a:ln>
+            <a:headEnd type="none" w="med" len="med"/>
+            <a:tailEnd type="none" w="med" len="med"/>
+          </a:ln>
+        </p:spPr>
+        <p:style>
+          <a:lnRef idx="0">
+            <a:schemeClr val="accent2"/>
+          </a:lnRef>
+          <a:fillRef idx="3">
+            <a:schemeClr val="accent2"/>
+          </a:fillRef>
+          <a:effectRef idx="3">
+            <a:schemeClr val="accent2"/>
+          </a:effectRef>
+          <a:fontRef idx="minor">
+            <a:schemeClr val="lt1"/>
+          </a:fontRef>
+        </p:style>
+        <p:txBody>
+          <a:bodyPr vert="horz" wrap="square" lIns="91436" tIns="45718" rIns="91436" bIns="45718" numCol="1" rtlCol="0" anchor="ctr" anchorCtr="0" compatLnSpc="1">
+            <a:prstTxWarp prst="textNoShape">
+              <a:avLst/>
+            </a:prstTxWarp>
+          </a:bodyPr>
+          <a:lstStyle/>
+          <a:p>
+            <a:pPr algn="ctr" defTabSz="914099" fontAlgn="base">
+              <a:spcBef>
+                <a:spcPct val="0"/>
+              </a:spcBef>
+              <a:spcAft>
+                <a:spcPct val="0"/>
+              </a:spcAft>
+            </a:pPr>
+            <a:endParaRPr lang="en-US" sz="2300" dirty="0" smtClean="0">
+              <a:solidFill>
+                <a:srgbClr val="FFFFFF"/>
+              </a:solidFill>
+              <a:effectLst>
+                <a:outerShdw blurRad="38100" dist="38100" dir="2700000" algn="tl">
+                  <a:srgbClr val="000000">
+                    <a:alpha val="43137"/>
+                  </a:srgbClr>
+                </a:outerShdw>
+              </a:effectLst>
+              <a:latin typeface="Trebuchet MS" pitchFamily="34" charset="0"/>
+            </a:endParaRPr>
+          </a:p>
+        </p:txBody>
+      </p:sp>
+      <p:sp>
+        <p:nvSpPr>
+          <p:cNvPr id="31" name="Left Arrow 30"/>
+          <p:cNvSpPr/>
+          <p:nvPr/>
+        </p:nvSpPr>
+        <p:spPr bwMode="auto">
+          <a:xfrm rot="13773955">
+            <a:off x="4839489" y="4783224"/>
+            <a:ext cx="755555" cy="316468"/>
+          </a:xfrm>
+          <a:prstGeom prst="leftArrow">
+            <a:avLst/>
+          </a:prstGeom>
+          <a:solidFill>
+            <a:schemeClr val="accent1"/>
+          </a:solidFill>
+          <a:ln>
+            <a:headEnd type="none" w="med" len="med"/>
+            <a:tailEnd type="none" w="med" len="med"/>
+          </a:ln>
+        </p:spPr>
+        <p:style>
+          <a:lnRef idx="0">
+            <a:schemeClr val="accent2"/>
+          </a:lnRef>
+          <a:fillRef idx="3">
+            <a:schemeClr val="accent2"/>
+          </a:fillRef>
+          <a:effectRef idx="3">
+            <a:schemeClr val="accent2"/>
+          </a:effectRef>
+          <a:fontRef idx="minor">
+            <a:schemeClr val="lt1"/>
+          </a:fontRef>
+        </p:style>
+        <p:txBody>
+          <a:bodyPr vert="horz" wrap="square" lIns="91436" tIns="45718" rIns="91436" bIns="45718" numCol="1" rtlCol="0" anchor="ctr" anchorCtr="0" compatLnSpc="1">
+            <a:prstTxWarp prst="textNoShape">
+              <a:avLst/>
+            </a:prstTxWarp>
+          </a:bodyPr>
+          <a:lstStyle/>
+          <a:p>
+            <a:pPr algn="ctr" defTabSz="914099" fontAlgn="base">
+              <a:spcBef>
+                <a:spcPct val="0"/>
+              </a:spcBef>
+              <a:spcAft>
+                <a:spcPct val="0"/>
+              </a:spcAft>
+            </a:pPr>
+            <a:endParaRPr lang="en-US" sz="2300" dirty="0" smtClean="0">
+              <a:solidFill>
+                <a:srgbClr val="FFFFFF"/>
+              </a:solidFill>
+              <a:effectLst>
+                <a:outerShdw blurRad="38100" dist="38100" dir="2700000" algn="tl">
+                  <a:srgbClr val="000000">
+                    <a:alpha val="43137"/>
+                  </a:srgbClr>
+                </a:outerShdw>
+              </a:effectLst>
+              <a:latin typeface="Trebuchet MS" pitchFamily="34" charset="0"/>
+            </a:endParaRPr>
+          </a:p>
+        </p:txBody>
+      </p:sp>
+    </p:spTree>
+    <p:extLst>
+      <p:ext uri="{BB962C8B-B14F-4D97-AF65-F5344CB8AC3E}">
+        <p14:creationId xmlns:p14="http://schemas.microsoft.com/office/powerpoint/2010/main" val="2570218489"/>
+      </p:ext>
+    </p:extLst>
+  </p:cSld>
+  <p:clrMapOvr>
+    <a:masterClrMapping/>
+  </p:clrMapOvr>
+  <p:transition>
+    <p:fade/>
+  </p:transition>
+  <p:timing>
+    <p:tnLst>
+      <p:par>
+        <p:cTn id="1" dur="indefinite" restart="never" nodeType="tmRoot"/>
+      </p:par>
+    </p:tnLst>
+  </p:timing>
+</p:sld>
+</file>
+
+<file path=ppt/slides/slide9.xml><?xml version="1.0" encoding="utf-8"?>
+<p:sld xmlns:a="http://schemas.openxmlformats.org/drawingml/2006/main" xmlns:r="http://schemas.openxmlformats.org/officeDocument/2006/relationships" xmlns:p="http://schemas.openxmlformats.org/presentationml/2006/main">
+  <p:cSld>
+    <p:spTree>
+      <p:nvGrpSpPr>
+        <p:cNvPr id="1" name=""/>
+        <p:cNvGrpSpPr/>
+        <p:nvPr/>
+      </p:nvGrpSpPr>
+      <p:grpSpPr>
+        <a:xfrm>
+          <a:off x="0" y="0"/>
+          <a:ext cx="0" cy="0"/>
+          <a:chOff x="0" y="0"/>
+          <a:chExt cx="0" cy="0"/>
+        </a:xfrm>
+      </p:grpSpPr>
+      <p:sp>
+        <p:nvSpPr>
+          <p:cNvPr id="2" name="Title 1"/>
+          <p:cNvSpPr>
+            <a:spLocks noGrp="1"/>
+          </p:cNvSpPr>
+          <p:nvPr>
+            <p:ph type="title"/>
+          </p:nvPr>
+        </p:nvSpPr>
+        <p:spPr/>
+        <p:txBody>
+          <a:bodyPr/>
+          <a:lstStyle/>
+          <a:p>
+            <a:r>
+              <a:rPr lang="en-US" dirty="0" smtClean="0"/>
+              <a:t>Data Store Stage</a:t>
+            </a:r>
+            <a:endParaRPr lang="en-US" dirty="0"/>
+          </a:p>
+        </p:txBody>
+      </p:sp>
+      <p:sp>
+        <p:nvSpPr>
+          <p:cNvPr id="3" name="Text Placeholder 2"/>
+          <p:cNvSpPr>
+            <a:spLocks noGrp="1"/>
+          </p:cNvSpPr>
+          <p:nvPr>
+            <p:ph type="body" sz="quarter" idx="10"/>
+          </p:nvPr>
+        </p:nvSpPr>
+        <p:spPr>
+          <a:xfrm>
+            <a:off x="381000" y="1096423"/>
+            <a:ext cx="8382000" cy="4825937"/>
+          </a:xfrm>
+        </p:spPr>
+        <p:txBody>
+          <a:bodyPr/>
+          <a:lstStyle/>
+          <a:p>
+            <a:pPr marL="0" indent="0">
+              <a:buNone/>
+            </a:pPr>
+            <a:endParaRPr lang="en-US" dirty="0" smtClean="0"/>
+          </a:p>
+          <a:p>
             <a:r>
               <a:rPr lang="en-US" dirty="0" smtClean="0">
                 <a:solidFill>
@@ -8026,27 +14320,81 @@
                   </a:schemeClr>
                 </a:solidFill>
               </a:rPr>
-              <a:t>Clustering</a:t>
+              <a:t>Data Store</a:t>
             </a:r>
           </a:p>
           <a:p>
             <a:pPr lvl="1"/>
             <a:r>
               <a:rPr lang="en-US" dirty="0" smtClean="0"/>
-              <a:t>Handles Processes and Storage across Multiple Processors and Storage Devices.</a:t>
+              <a:t>Handles data representation for access in storage</a:t>
+            </a:r>
+            <a:r>
+              <a:rPr lang="en-US" dirty="0" smtClean="0"/>
+              <a:t>.</a:t>
             </a:r>
           </a:p>
           <a:p>
             <a:pPr lvl="1"/>
             <a:r>
               <a:rPr lang="en-US" dirty="0" smtClean="0"/>
-              <a:t>Interconnected using Micro-Services</a:t>
-            </a:r>
-          </a:p>
-          <a:p>
-            <a:pPr marL="0" indent="0">
-              <a:buNone/>
-            </a:pPr>
+              <a:t>Data is assigned to a collection</a:t>
+            </a:r>
+          </a:p>
+          <a:p>
+            <a:pPr lvl="2"/>
+            <a:r>
+              <a:rPr lang="en-US" dirty="0" smtClean="0"/>
+              <a:t>Schema</a:t>
+            </a:r>
+          </a:p>
+          <a:p>
+            <a:pPr lvl="2"/>
+            <a:r>
+              <a:rPr lang="en-US" dirty="0" smtClean="0"/>
+              <a:t>Index(s)</a:t>
+            </a:r>
+            <a:endParaRPr lang="en-US" dirty="0" smtClean="0"/>
+          </a:p>
+          <a:p>
+            <a:pPr lvl="1"/>
+            <a:r>
+              <a:rPr lang="en-US" dirty="0" smtClean="0"/>
+              <a:t>Data is Converted according for Data Store representation</a:t>
+            </a:r>
+          </a:p>
+          <a:p>
+            <a:pPr lvl="2"/>
+            <a:r>
+              <a:rPr lang="en-US" dirty="0" smtClean="0"/>
+              <a:t>Document </a:t>
+            </a:r>
+            <a:r>
+              <a:rPr lang="en-US" dirty="0" smtClean="0"/>
+              <a:t>Oriented (JSON, BSON)</a:t>
+            </a:r>
+          </a:p>
+          <a:p>
+            <a:pPr lvl="2"/>
+            <a:r>
+              <a:rPr lang="en-US" dirty="0" smtClean="0"/>
+              <a:t>Columnar </a:t>
+            </a:r>
+            <a:r>
+              <a:rPr lang="en-US" dirty="0" smtClean="0"/>
+              <a:t>Base (CSV, PSV, TSV)</a:t>
+            </a:r>
+          </a:p>
+          <a:p>
+            <a:pPr lvl="2"/>
+            <a:r>
+              <a:rPr lang="en-US" dirty="0" smtClean="0"/>
+              <a:t>RDBMS (fixed binary records</a:t>
+            </a:r>
+            <a:r>
+              <a:rPr lang="en-US" dirty="0" smtClean="0"/>
+              <a:t>)</a:t>
+            </a:r>
             <a:endParaRPr lang="en-US" dirty="0" smtClean="0">
               <a:solidFill>
                 <a:schemeClr val="tx2">
@@ -8055,42 +14403,12 @@
               </a:solidFill>
             </a:endParaRPr>
           </a:p>
-          <a:p>
-            <a:r>
-              <a:rPr lang="en-US" dirty="0" smtClean="0">
-                <a:solidFill>
-                  <a:schemeClr val="tx2">
-                    <a:lumMod val="50000"/>
-                  </a:schemeClr>
-                </a:solidFill>
-              </a:rPr>
-              <a:t>Replication</a:t>
-            </a:r>
-          </a:p>
-          <a:p>
-            <a:endParaRPr lang="en-US" dirty="0" smtClean="0">
-              <a:solidFill>
-                <a:schemeClr val="tx2">
-                  <a:lumMod val="50000"/>
-                </a:schemeClr>
-              </a:solidFill>
-            </a:endParaRPr>
-          </a:p>
-          <a:p>
-            <a:endParaRPr lang="en-US" dirty="0" smtClean="0">
-              <a:solidFill>
-                <a:schemeClr val="tx2">
-                  <a:lumMod val="50000"/>
-                </a:schemeClr>
-              </a:solidFill>
-            </a:endParaRPr>
-          </a:p>
         </p:txBody>
       </p:sp>
     </p:spTree>
     <p:extLst>
       <p:ext uri="{BB962C8B-B14F-4D97-AF65-F5344CB8AC3E}">
-        <p14:creationId xmlns:p14="http://schemas.microsoft.com/office/powerpoint/2010/main" val="3924890074"/>
+        <p14:creationId xmlns:p14="http://schemas.microsoft.com/office/powerpoint/2010/main" val="4046936287"/>
       </p:ext>
     </p:extLst>
   </p:cSld>
